--- a/documents/predPres.pptx
+++ b/documents/predPres.pptx
@@ -5,7 +5,10 @@
     <p:sldMasterId id="2147483648" r:id="rId1"/>
   </p:sldMasterIdLst>
   <p:sldIdLst>
-    <p:sldId id="256" r:id="rId2"/>
+    <p:sldId id="257" r:id="rId2"/>
+    <p:sldId id="256" r:id="rId3"/>
+    <p:sldId id="258" r:id="rId4"/>
+    <p:sldId id="259" r:id="rId5"/>
   </p:sldIdLst>
   <p:sldSz cx="9144000" cy="6858000" type="screen4x3"/>
   <p:notesSz cx="6858000" cy="9144000"/>
@@ -104,6 +107,22 @@
       </a:defRPr>
     </a:lvl9pPr>
   </p:defaultTextStyle>
+  <p:extLst>
+    <p:ext uri="{EFAFB233-063F-42B5-8137-9DF3F51BA10A}">
+      <p15:sldGuideLst xmlns:p15="http://schemas.microsoft.com/office/powerpoint/2012/main">
+        <p15:guide id="1" orient="horz" pos="2160">
+          <p15:clr>
+            <a:srgbClr val="A4A3A4"/>
+          </p15:clr>
+        </p15:guide>
+        <p15:guide id="2" pos="2880">
+          <p15:clr>
+            <a:srgbClr val="A4A3A4"/>
+          </p15:clr>
+        </p15:guide>
+      </p15:sldGuideLst>
+    </p:ext>
+  </p:extLst>
 </p:presentation>
 </file>
 
@@ -288,7 +307,7 @@
           <a:p>
             <a:fld id="{B58FBE55-019B-7F44-916F-F5D370B1C098}" type="datetimeFigureOut">
               <a:rPr lang="en-US" smtClean="0"/>
-              <a:t>26/04/16</a:t>
+              <a:t>4/26/2016</a:t>
             </a:fld>
             <a:endParaRPr lang="en-US"/>
           </a:p>
@@ -458,7 +477,7 @@
           <a:p>
             <a:fld id="{B58FBE55-019B-7F44-916F-F5D370B1C098}" type="datetimeFigureOut">
               <a:rPr lang="en-US" smtClean="0"/>
-              <a:t>26/04/16</a:t>
+              <a:t>4/26/2016</a:t>
             </a:fld>
             <a:endParaRPr lang="en-US"/>
           </a:p>
@@ -638,7 +657,7 @@
           <a:p>
             <a:fld id="{B58FBE55-019B-7F44-916F-F5D370B1C098}" type="datetimeFigureOut">
               <a:rPr lang="en-US" smtClean="0"/>
-              <a:t>26/04/16</a:t>
+              <a:t>4/26/2016</a:t>
             </a:fld>
             <a:endParaRPr lang="en-US"/>
           </a:p>
@@ -808,7 +827,7 @@
           <a:p>
             <a:fld id="{B58FBE55-019B-7F44-916F-F5D370B1C098}" type="datetimeFigureOut">
               <a:rPr lang="en-US" smtClean="0"/>
-              <a:t>26/04/16</a:t>
+              <a:t>4/26/2016</a:t>
             </a:fld>
             <a:endParaRPr lang="en-US"/>
           </a:p>
@@ -1054,7 +1073,7 @@
           <a:p>
             <a:fld id="{B58FBE55-019B-7F44-916F-F5D370B1C098}" type="datetimeFigureOut">
               <a:rPr lang="en-US" smtClean="0"/>
-              <a:t>26/04/16</a:t>
+              <a:t>4/26/2016</a:t>
             </a:fld>
             <a:endParaRPr lang="en-US"/>
           </a:p>
@@ -1342,7 +1361,7 @@
           <a:p>
             <a:fld id="{B58FBE55-019B-7F44-916F-F5D370B1C098}" type="datetimeFigureOut">
               <a:rPr lang="en-US" smtClean="0"/>
-              <a:t>26/04/16</a:t>
+              <a:t>4/26/2016</a:t>
             </a:fld>
             <a:endParaRPr lang="en-US"/>
           </a:p>
@@ -1764,7 +1783,7 @@
           <a:p>
             <a:fld id="{B58FBE55-019B-7F44-916F-F5D370B1C098}" type="datetimeFigureOut">
               <a:rPr lang="en-US" smtClean="0"/>
-              <a:t>26/04/16</a:t>
+              <a:t>4/26/2016</a:t>
             </a:fld>
             <a:endParaRPr lang="en-US"/>
           </a:p>
@@ -1882,7 +1901,7 @@
           <a:p>
             <a:fld id="{B58FBE55-019B-7F44-916F-F5D370B1C098}" type="datetimeFigureOut">
               <a:rPr lang="en-US" smtClean="0"/>
-              <a:t>26/04/16</a:t>
+              <a:t>4/26/2016</a:t>
             </a:fld>
             <a:endParaRPr lang="en-US"/>
           </a:p>
@@ -1977,7 +1996,7 @@
           <a:p>
             <a:fld id="{B58FBE55-019B-7F44-916F-F5D370B1C098}" type="datetimeFigureOut">
               <a:rPr lang="en-US" smtClean="0"/>
-              <a:t>26/04/16</a:t>
+              <a:t>4/26/2016</a:t>
             </a:fld>
             <a:endParaRPr lang="en-US"/>
           </a:p>
@@ -2254,7 +2273,7 @@
           <a:p>
             <a:fld id="{B58FBE55-019B-7F44-916F-F5D370B1C098}" type="datetimeFigureOut">
               <a:rPr lang="en-US" smtClean="0"/>
-              <a:t>26/04/16</a:t>
+              <a:t>4/26/2016</a:t>
             </a:fld>
             <a:endParaRPr lang="en-US"/>
           </a:p>
@@ -2507,7 +2526,7 @@
           <a:p>
             <a:fld id="{B58FBE55-019B-7F44-916F-F5D370B1C098}" type="datetimeFigureOut">
               <a:rPr lang="en-US" smtClean="0"/>
-              <a:t>26/04/16</a:t>
+              <a:t>4/26/2016</a:t>
             </a:fld>
             <a:endParaRPr lang="en-US"/>
           </a:p>
@@ -2720,7 +2739,7 @@
           <a:p>
             <a:fld id="{B58FBE55-019B-7F44-916F-F5D370B1C098}" type="datetimeFigureOut">
               <a:rPr lang="en-US" smtClean="0"/>
-              <a:t>26/04/16</a:t>
+              <a:t>4/26/2016</a:t>
             </a:fld>
             <a:endParaRPr lang="en-US"/>
           </a:p>
@@ -3095,6 +3114,141 @@
           <a:chExt cx="0" cy="0"/>
         </a:xfrm>
       </p:grpSpPr>
+      <p:sp>
+        <p:nvSpPr>
+          <p:cNvPr id="2" name="Title 1"/>
+          <p:cNvSpPr>
+            <a:spLocks noGrp="1"/>
+          </p:cNvSpPr>
+          <p:nvPr>
+            <p:ph type="title"/>
+          </p:nvPr>
+        </p:nvSpPr>
+        <p:spPr/>
+        <p:txBody>
+          <a:bodyPr>
+            <a:normAutofit fontScale="90000"/>
+          </a:bodyPr>
+          <a:lstStyle/>
+          <a:p>
+            <a:r>
+              <a:rPr lang="sv-SE" b="1" dirty="0"/>
+              <a:t>Adaptive </a:t>
+            </a:r>
+            <a:r>
+              <a:rPr lang="sv-SE" b="1" dirty="0" err="1"/>
+              <a:t>f</a:t>
+            </a:r>
+            <a:r>
+              <a:rPr lang="sv-SE" b="1" dirty="0" err="1" smtClean="0"/>
+              <a:t>riction</a:t>
+            </a:r>
+            <a:r>
+              <a:rPr lang="sv-SE" b="1" dirty="0" smtClean="0"/>
+              <a:t> </a:t>
+            </a:r>
+            <a:r>
+              <a:rPr lang="sv-SE" b="1" dirty="0" err="1"/>
+              <a:t>c</a:t>
+            </a:r>
+            <a:r>
+              <a:rPr lang="sv-SE" b="1" dirty="0" err="1" smtClean="0"/>
+              <a:t>ompensation</a:t>
+            </a:r>
+            <a:r>
+              <a:rPr lang="sv-SE" b="1" dirty="0"/>
+              <a:t/>
+            </a:r>
+            <a:br>
+              <a:rPr lang="sv-SE" b="1" dirty="0"/>
+            </a:br>
+            <a:r>
+              <a:rPr lang="sv-SE" b="1" dirty="0" err="1" smtClean="0"/>
+              <a:t>of</a:t>
+            </a:r>
+            <a:r>
+              <a:rPr lang="sv-SE" b="1" dirty="0" smtClean="0"/>
+              <a:t> </a:t>
+            </a:r>
+            <a:r>
+              <a:rPr lang="sv-SE" b="1" dirty="0" err="1" smtClean="0"/>
+              <a:t>inverted</a:t>
+            </a:r>
+            <a:r>
+              <a:rPr lang="sv-SE" b="1" dirty="0" smtClean="0"/>
+              <a:t> </a:t>
+            </a:r>
+            <a:r>
+              <a:rPr lang="sv-SE" b="1" dirty="0" err="1" smtClean="0"/>
+              <a:t>pedulum</a:t>
+            </a:r>
+            <a:r>
+              <a:rPr lang="sv-SE" b="1" dirty="0" smtClean="0"/>
+              <a:t>.</a:t>
+            </a:r>
+            <a:endParaRPr lang="sv-SE" dirty="0"/>
+          </a:p>
+        </p:txBody>
+      </p:sp>
+      <p:pic>
+        <p:nvPicPr>
+          <p:cNvPr id="4" name="Content Placeholder 3"/>
+          <p:cNvPicPr>
+            <a:picLocks noGrp="1" noChangeAspect="1"/>
+          </p:cNvPicPr>
+          <p:nvPr>
+            <p:ph idx="1"/>
+          </p:nvPr>
+        </p:nvPicPr>
+        <p:blipFill>
+          <a:blip r:embed="rId2">
+            <a:extLst>
+              <a:ext uri="{28A0092B-C50C-407E-A947-70E740481C1C}">
+                <a14:useLocalDpi xmlns:a14="http://schemas.microsoft.com/office/drawing/2010/main" val="0"/>
+              </a:ext>
+            </a:extLst>
+          </a:blip>
+          <a:stretch>
+            <a:fillRect/>
+          </a:stretch>
+        </p:blipFill>
+        <p:spPr>
+          <a:xfrm rot="5400000">
+            <a:off x="2308225" y="2166739"/>
+            <a:ext cx="4525963" cy="3394472"/>
+          </a:xfrm>
+        </p:spPr>
+      </p:pic>
+    </p:spTree>
+    <p:extLst>
+      <p:ext uri="{BB962C8B-B14F-4D97-AF65-F5344CB8AC3E}">
+        <p14:creationId xmlns:p14="http://schemas.microsoft.com/office/powerpoint/2010/main" val="3461445285"/>
+      </p:ext>
+    </p:extLst>
+  </p:cSld>
+  <p:clrMapOvr>
+    <a:masterClrMapping/>
+  </p:clrMapOvr>
+</p:sld>
+</file>
+
+<file path=ppt/slides/slide2.xml><?xml version="1.0" encoding="utf-8"?>
+<p:sld xmlns:a="http://schemas.openxmlformats.org/drawingml/2006/main" xmlns:r="http://schemas.openxmlformats.org/officeDocument/2006/relationships" xmlns:p="http://schemas.openxmlformats.org/presentationml/2006/main">
+  <p:cSld>
+    <p:spTree>
+      <p:nvGrpSpPr>
+        <p:cNvPr id="1" name=""/>
+        <p:cNvGrpSpPr/>
+        <p:nvPr/>
+      </p:nvGrpSpPr>
+      <p:grpSpPr>
+        <a:xfrm>
+          <a:off x="0" y="0"/>
+          <a:ext cx="0" cy="0"/>
+          <a:chOff x="0" y="0"/>
+          <a:chExt cx="0" cy="0"/>
+        </a:xfrm>
+      </p:grpSpPr>
       <p:pic>
         <p:nvPicPr>
           <p:cNvPr id="5" name="Picture 4" descr="Screen Shot 2016-04-26 at 14.44.30.png"/>
@@ -3249,6 +3403,304 @@
     <p:extLst>
       <p:ext uri="{BB962C8B-B14F-4D97-AF65-F5344CB8AC3E}">
         <p14:creationId xmlns:p14="http://schemas.microsoft.com/office/powerpoint/2010/main" val="4122852477"/>
+      </p:ext>
+    </p:extLst>
+  </p:cSld>
+  <p:clrMapOvr>
+    <a:masterClrMapping/>
+  </p:clrMapOvr>
+</p:sld>
+</file>
+
+<file path=ppt/slides/slide3.xml><?xml version="1.0" encoding="utf-8"?>
+<p:sld xmlns:a="http://schemas.openxmlformats.org/drawingml/2006/main" xmlns:r="http://schemas.openxmlformats.org/officeDocument/2006/relationships" xmlns:p="http://schemas.openxmlformats.org/presentationml/2006/main">
+  <p:cSld>
+    <p:spTree>
+      <p:nvGrpSpPr>
+        <p:cNvPr id="1" name=""/>
+        <p:cNvGrpSpPr/>
+        <p:nvPr/>
+      </p:nvGrpSpPr>
+      <p:grpSpPr>
+        <a:xfrm>
+          <a:off x="0" y="0"/>
+          <a:ext cx="0" cy="0"/>
+          <a:chOff x="0" y="0"/>
+          <a:chExt cx="0" cy="0"/>
+        </a:xfrm>
+      </p:grpSpPr>
+      <p:sp>
+        <p:nvSpPr>
+          <p:cNvPr id="2" name="Title 1"/>
+          <p:cNvSpPr>
+            <a:spLocks noGrp="1"/>
+          </p:cNvSpPr>
+          <p:nvPr>
+            <p:ph type="title"/>
+          </p:nvPr>
+        </p:nvSpPr>
+        <p:spPr/>
+        <p:txBody>
+          <a:bodyPr/>
+          <a:lstStyle/>
+          <a:p>
+            <a:r>
+              <a:rPr lang="sv-SE" dirty="0" err="1" smtClean="0"/>
+              <a:t>Friction</a:t>
+            </a:r>
+            <a:r>
+              <a:rPr lang="sv-SE" dirty="0" smtClean="0"/>
+              <a:t> </a:t>
+            </a:r>
+            <a:r>
+              <a:rPr lang="sv-SE" dirty="0" err="1" smtClean="0"/>
+              <a:t>models</a:t>
+            </a:r>
+            <a:endParaRPr lang="sv-SE" dirty="0"/>
+          </a:p>
+        </p:txBody>
+      </p:sp>
+      <p:pic>
+        <p:nvPicPr>
+          <p:cNvPr id="4" name="Content Placeholder 3"/>
+          <p:cNvPicPr>
+            <a:picLocks noGrp="1" noChangeAspect="1"/>
+          </p:cNvPicPr>
+          <p:nvPr>
+            <p:ph idx="1"/>
+          </p:nvPr>
+        </p:nvPicPr>
+        <p:blipFill>
+          <a:blip r:embed="rId2">
+            <a:extLst>
+              <a:ext uri="{28A0092B-C50C-407E-A947-70E740481C1C}">
+                <a14:useLocalDpi xmlns:a14="http://schemas.microsoft.com/office/drawing/2010/main" val="0"/>
+              </a:ext>
+            </a:extLst>
+          </a:blip>
+          <a:stretch>
+            <a:fillRect/>
+          </a:stretch>
+        </p:blipFill>
+        <p:spPr>
+          <a:xfrm>
+            <a:off x="1504522" y="2069693"/>
+            <a:ext cx="6134956" cy="2276793"/>
+          </a:xfrm>
+        </p:spPr>
+      </p:pic>
+      <p:sp>
+        <p:nvSpPr>
+          <p:cNvPr id="5" name="TextBox 4"/>
+          <p:cNvSpPr txBox="1"/>
+          <p:nvPr/>
+        </p:nvSpPr>
+        <p:spPr>
+          <a:xfrm>
+            <a:off x="1504522" y="4346486"/>
+            <a:ext cx="2715905" cy="369332"/>
+          </a:xfrm>
+          <a:prstGeom prst="rect">
+            <a:avLst/>
+          </a:prstGeom>
+          <a:noFill/>
+        </p:spPr>
+        <p:txBody>
+          <a:bodyPr wrap="square" rtlCol="0">
+            <a:spAutoFit/>
+          </a:bodyPr>
+          <a:lstStyle/>
+          <a:p>
+            <a:r>
+              <a:rPr lang="sv-SE" dirty="0"/>
+              <a:t>a) </a:t>
+            </a:r>
+            <a:r>
+              <a:rPr lang="sv-SE" dirty="0" err="1" smtClean="0"/>
+              <a:t>Coulomb</a:t>
+            </a:r>
+            <a:r>
+              <a:rPr lang="sv-SE" dirty="0" smtClean="0"/>
+              <a:t> </a:t>
+            </a:r>
+            <a:r>
+              <a:rPr lang="sv-SE" dirty="0" err="1" smtClean="0"/>
+              <a:t>friction</a:t>
+            </a:r>
+            <a:r>
+              <a:rPr lang="sv-SE" dirty="0" smtClean="0"/>
+              <a:t> </a:t>
+            </a:r>
+            <a:r>
+              <a:rPr lang="sv-SE" dirty="0" err="1"/>
+              <a:t>model</a:t>
+            </a:r>
+            <a:endParaRPr lang="sv-SE" dirty="0"/>
+          </a:p>
+        </p:txBody>
+      </p:sp>
+      <p:sp>
+        <p:nvSpPr>
+          <p:cNvPr id="6" name="TextBox 5"/>
+          <p:cNvSpPr txBox="1"/>
+          <p:nvPr/>
+        </p:nvSpPr>
+        <p:spPr>
+          <a:xfrm>
+            <a:off x="4823202" y="4368906"/>
+            <a:ext cx="2715905" cy="646331"/>
+          </a:xfrm>
+          <a:prstGeom prst="rect">
+            <a:avLst/>
+          </a:prstGeom>
+          <a:noFill/>
+        </p:spPr>
+        <p:txBody>
+          <a:bodyPr wrap="square" rtlCol="0">
+            <a:spAutoFit/>
+          </a:bodyPr>
+          <a:lstStyle/>
+          <a:p>
+            <a:r>
+              <a:rPr lang="sv-SE" dirty="0" smtClean="0"/>
+              <a:t>b) </a:t>
+            </a:r>
+            <a:r>
+              <a:rPr lang="sv-SE" dirty="0" err="1" smtClean="0"/>
+              <a:t>Coulomb</a:t>
+            </a:r>
+            <a:r>
+              <a:rPr lang="sv-SE" dirty="0" smtClean="0"/>
+              <a:t> + </a:t>
+            </a:r>
+            <a:r>
+              <a:rPr lang="sv-SE" dirty="0" err="1" smtClean="0"/>
+              <a:t>viscosity</a:t>
+            </a:r>
+            <a:r>
+              <a:rPr lang="sv-SE" dirty="0" smtClean="0"/>
+              <a:t> </a:t>
+            </a:r>
+            <a:r>
+              <a:rPr lang="sv-SE" dirty="0" err="1" smtClean="0"/>
+              <a:t>friction</a:t>
+            </a:r>
+            <a:r>
+              <a:rPr lang="sv-SE" dirty="0" smtClean="0"/>
+              <a:t> </a:t>
+            </a:r>
+            <a:r>
+              <a:rPr lang="sv-SE" dirty="0" err="1"/>
+              <a:t>model</a:t>
+            </a:r>
+            <a:endParaRPr lang="sv-SE" dirty="0"/>
+          </a:p>
+        </p:txBody>
+      </p:sp>
+    </p:spTree>
+    <p:extLst>
+      <p:ext uri="{BB962C8B-B14F-4D97-AF65-F5344CB8AC3E}">
+        <p14:creationId xmlns:p14="http://schemas.microsoft.com/office/powerpoint/2010/main" val="1192806272"/>
+      </p:ext>
+    </p:extLst>
+  </p:cSld>
+  <p:clrMapOvr>
+    <a:masterClrMapping/>
+  </p:clrMapOvr>
+</p:sld>
+</file>
+
+<file path=ppt/slides/slide4.xml><?xml version="1.0" encoding="utf-8"?>
+<p:sld xmlns:a="http://schemas.openxmlformats.org/drawingml/2006/main" xmlns:r="http://schemas.openxmlformats.org/officeDocument/2006/relationships" xmlns:p="http://schemas.openxmlformats.org/presentationml/2006/main">
+  <p:cSld>
+    <p:spTree>
+      <p:nvGrpSpPr>
+        <p:cNvPr id="1" name=""/>
+        <p:cNvGrpSpPr/>
+        <p:nvPr/>
+      </p:nvGrpSpPr>
+      <p:grpSpPr>
+        <a:xfrm>
+          <a:off x="0" y="0"/>
+          <a:ext cx="0" cy="0"/>
+          <a:chOff x="0" y="0"/>
+          <a:chExt cx="0" cy="0"/>
+        </a:xfrm>
+      </p:grpSpPr>
+      <p:sp>
+        <p:nvSpPr>
+          <p:cNvPr id="2" name="Title 1"/>
+          <p:cNvSpPr>
+            <a:spLocks noGrp="1"/>
+          </p:cNvSpPr>
+          <p:nvPr>
+            <p:ph type="title"/>
+          </p:nvPr>
+        </p:nvSpPr>
+        <p:spPr/>
+        <p:txBody>
+          <a:bodyPr>
+            <a:normAutofit fontScale="90000"/>
+          </a:bodyPr>
+          <a:lstStyle/>
+          <a:p>
+            <a:r>
+              <a:rPr lang="sv-SE" dirty="0" err="1" smtClean="0"/>
+              <a:t>Estimated</a:t>
+            </a:r>
+            <a:r>
+              <a:rPr lang="sv-SE" dirty="0" smtClean="0"/>
+              <a:t> </a:t>
+            </a:r>
+            <a:r>
+              <a:rPr lang="sv-SE" dirty="0" err="1" smtClean="0"/>
+              <a:t>friction</a:t>
+            </a:r>
+            <a:r>
+              <a:rPr lang="sv-SE" dirty="0" smtClean="0"/>
+              <a:t> for different </a:t>
+            </a:r>
+            <a:r>
+              <a:rPr lang="sv-SE" dirty="0" err="1" smtClean="0"/>
+              <a:t>velocities</a:t>
+            </a:r>
+            <a:endParaRPr lang="sv-SE" dirty="0"/>
+          </a:p>
+        </p:txBody>
+      </p:sp>
+      <p:pic>
+        <p:nvPicPr>
+          <p:cNvPr id="6" name="Content Placeholder 5"/>
+          <p:cNvPicPr>
+            <a:picLocks noGrp="1" noChangeAspect="1"/>
+          </p:cNvPicPr>
+          <p:nvPr>
+            <p:ph idx="1"/>
+          </p:nvPr>
+        </p:nvPicPr>
+        <p:blipFill>
+          <a:blip r:embed="rId2">
+            <a:extLst>
+              <a:ext uri="{28A0092B-C50C-407E-A947-70E740481C1C}">
+                <a14:useLocalDpi xmlns:a14="http://schemas.microsoft.com/office/drawing/2010/main" val="0"/>
+              </a:ext>
+            </a:extLst>
+          </a:blip>
+          <a:stretch>
+            <a:fillRect/>
+          </a:stretch>
+        </p:blipFill>
+        <p:spPr>
+          <a:xfrm>
+            <a:off x="1359189" y="1600200"/>
+            <a:ext cx="6425621" cy="4525963"/>
+          </a:xfrm>
+        </p:spPr>
+      </p:pic>
+    </p:spTree>
+    <p:extLst>
+      <p:ext uri="{BB962C8B-B14F-4D97-AF65-F5344CB8AC3E}">
+        <p14:creationId xmlns:p14="http://schemas.microsoft.com/office/powerpoint/2010/main" val="642465502"/>
       </p:ext>
     </p:extLst>
   </p:cSld>

--- a/documents/predPres.pptx
+++ b/documents/predPres.pptx
@@ -4,11 +4,22 @@
   <p:sldMasterIdLst>
     <p:sldMasterId id="2147483648" r:id="rId1"/>
   </p:sldMasterIdLst>
+  <p:notesMasterIdLst>
+    <p:notesMasterId r:id="rId14"/>
+  </p:notesMasterIdLst>
   <p:sldIdLst>
     <p:sldId id="257" r:id="rId2"/>
-    <p:sldId id="256" r:id="rId3"/>
-    <p:sldId id="258" r:id="rId4"/>
-    <p:sldId id="259" r:id="rId5"/>
+    <p:sldId id="258" r:id="rId3"/>
+    <p:sldId id="259" r:id="rId4"/>
+    <p:sldId id="260" r:id="rId5"/>
+    <p:sldId id="262" r:id="rId6"/>
+    <p:sldId id="263" r:id="rId7"/>
+    <p:sldId id="264" r:id="rId8"/>
+    <p:sldId id="265" r:id="rId9"/>
+    <p:sldId id="266" r:id="rId10"/>
+    <p:sldId id="267" r:id="rId11"/>
+    <p:sldId id="268" r:id="rId12"/>
+    <p:sldId id="269" r:id="rId13"/>
   </p:sldIdLst>
   <p:sldSz cx="9144000" cy="6858000" type="screen4x3"/>
   <p:notesSz cx="6858000" cy="9144000"/>
@@ -109,7 +120,7 @@
   </p:defaultTextStyle>
   <p:extLst>
     <p:ext uri="{EFAFB233-063F-42B5-8137-9DF3F51BA10A}">
-      <p15:sldGuideLst xmlns:p15="http://schemas.microsoft.com/office/powerpoint/2012/main">
+      <p15:sldGuideLst xmlns:p15="http://schemas.microsoft.com/office/powerpoint/2012/main" xmlns="">
         <p15:guide id="1" orient="horz" pos="2160">
           <p15:clr>
             <a:srgbClr val="A4A3A4"/>
@@ -124,6 +135,1057 @@
     </p:ext>
   </p:extLst>
 </p:presentation>
+</file>
+
+<file path=ppt/notesMasters/notesMaster1.xml><?xml version="1.0" encoding="utf-8"?>
+<p:notesMaster xmlns:a="http://schemas.openxmlformats.org/drawingml/2006/main" xmlns:r="http://schemas.openxmlformats.org/officeDocument/2006/relationships" xmlns:p="http://schemas.openxmlformats.org/presentationml/2006/main">
+  <p:cSld>
+    <p:bg>
+      <p:bgRef idx="1001">
+        <a:schemeClr val="bg1"/>
+      </p:bgRef>
+    </p:bg>
+    <p:spTree>
+      <p:nvGrpSpPr>
+        <p:cNvPr id="1" name=""/>
+        <p:cNvGrpSpPr/>
+        <p:nvPr/>
+      </p:nvGrpSpPr>
+      <p:grpSpPr>
+        <a:xfrm>
+          <a:off x="0" y="0"/>
+          <a:ext cx="0" cy="0"/>
+          <a:chOff x="0" y="0"/>
+          <a:chExt cx="0" cy="0"/>
+        </a:xfrm>
+      </p:grpSpPr>
+      <p:sp>
+        <p:nvSpPr>
+          <p:cNvPr id="2" name="Header Placeholder 1"/>
+          <p:cNvSpPr>
+            <a:spLocks noGrp="1"/>
+          </p:cNvSpPr>
+          <p:nvPr>
+            <p:ph type="hdr" sz="quarter"/>
+          </p:nvPr>
+        </p:nvSpPr>
+        <p:spPr>
+          <a:xfrm>
+            <a:off x="0" y="0"/>
+            <a:ext cx="2971800" cy="457200"/>
+          </a:xfrm>
+          <a:prstGeom prst="rect">
+            <a:avLst/>
+          </a:prstGeom>
+        </p:spPr>
+        <p:txBody>
+          <a:bodyPr vert="horz" lIns="91440" tIns="45720" rIns="91440" bIns="45720" rtlCol="0"/>
+          <a:lstStyle>
+            <a:lvl1pPr algn="l">
+              <a:defRPr sz="1200"/>
+            </a:lvl1pPr>
+          </a:lstStyle>
+          <a:p>
+            <a:endParaRPr lang="en-US"/>
+          </a:p>
+        </p:txBody>
+      </p:sp>
+      <p:sp>
+        <p:nvSpPr>
+          <p:cNvPr id="3" name="Date Placeholder 2"/>
+          <p:cNvSpPr>
+            <a:spLocks noGrp="1"/>
+          </p:cNvSpPr>
+          <p:nvPr>
+            <p:ph type="dt" idx="1"/>
+          </p:nvPr>
+        </p:nvSpPr>
+        <p:spPr>
+          <a:xfrm>
+            <a:off x="3884613" y="0"/>
+            <a:ext cx="2971800" cy="457200"/>
+          </a:xfrm>
+          <a:prstGeom prst="rect">
+            <a:avLst/>
+          </a:prstGeom>
+        </p:spPr>
+        <p:txBody>
+          <a:bodyPr vert="horz" lIns="91440" tIns="45720" rIns="91440" bIns="45720" rtlCol="0"/>
+          <a:lstStyle>
+            <a:lvl1pPr algn="r">
+              <a:defRPr sz="1200"/>
+            </a:lvl1pPr>
+          </a:lstStyle>
+          <a:p>
+            <a:fld id="{EC457BD1-7C8B-6E43-BD70-1B4910981B79}" type="datetimeFigureOut">
+              <a:rPr lang="en-US" smtClean="0"/>
+              <a:t>27/04/16</a:t>
+            </a:fld>
+            <a:endParaRPr lang="en-US"/>
+          </a:p>
+        </p:txBody>
+      </p:sp>
+      <p:sp>
+        <p:nvSpPr>
+          <p:cNvPr id="4" name="Slide Image Placeholder 3"/>
+          <p:cNvSpPr>
+            <a:spLocks noGrp="1" noRot="1" noChangeAspect="1"/>
+          </p:cNvSpPr>
+          <p:nvPr>
+            <p:ph type="sldImg" idx="2"/>
+          </p:nvPr>
+        </p:nvSpPr>
+        <p:spPr>
+          <a:xfrm>
+            <a:off x="1143000" y="685800"/>
+            <a:ext cx="4572000" cy="3429000"/>
+          </a:xfrm>
+          <a:prstGeom prst="rect">
+            <a:avLst/>
+          </a:prstGeom>
+          <a:noFill/>
+          <a:ln w="12700">
+            <a:solidFill>
+              <a:prstClr val="black"/>
+            </a:solidFill>
+          </a:ln>
+        </p:spPr>
+        <p:txBody>
+          <a:bodyPr vert="horz" lIns="91440" tIns="45720" rIns="91440" bIns="45720" rtlCol="0" anchor="ctr"/>
+          <a:lstStyle/>
+          <a:p>
+            <a:endParaRPr lang="en-US"/>
+          </a:p>
+        </p:txBody>
+      </p:sp>
+      <p:sp>
+        <p:nvSpPr>
+          <p:cNvPr id="5" name="Notes Placeholder 4"/>
+          <p:cNvSpPr>
+            <a:spLocks noGrp="1"/>
+          </p:cNvSpPr>
+          <p:nvPr>
+            <p:ph type="body" sz="quarter" idx="3"/>
+          </p:nvPr>
+        </p:nvSpPr>
+        <p:spPr>
+          <a:xfrm>
+            <a:off x="685800" y="4343400"/>
+            <a:ext cx="5486400" cy="4114800"/>
+          </a:xfrm>
+          <a:prstGeom prst="rect">
+            <a:avLst/>
+          </a:prstGeom>
+        </p:spPr>
+        <p:txBody>
+          <a:bodyPr vert="horz" lIns="91440" tIns="45720" rIns="91440" bIns="45720" rtlCol="0"/>
+          <a:lstStyle/>
+          <a:p>
+            <a:pPr lvl="0"/>
+            <a:r>
+              <a:rPr lang="en-US" smtClean="0"/>
+              <a:t>Click to edit Master text styles</a:t>
+            </a:r>
+          </a:p>
+          <a:p>
+            <a:pPr lvl="1"/>
+            <a:r>
+              <a:rPr lang="en-US" smtClean="0"/>
+              <a:t>Second level</a:t>
+            </a:r>
+          </a:p>
+          <a:p>
+            <a:pPr lvl="2"/>
+            <a:r>
+              <a:rPr lang="en-US" smtClean="0"/>
+              <a:t>Third level</a:t>
+            </a:r>
+          </a:p>
+          <a:p>
+            <a:pPr lvl="3"/>
+            <a:r>
+              <a:rPr lang="en-US" smtClean="0"/>
+              <a:t>Fourth level</a:t>
+            </a:r>
+          </a:p>
+          <a:p>
+            <a:pPr lvl="4"/>
+            <a:r>
+              <a:rPr lang="en-US" smtClean="0"/>
+              <a:t>Fifth level</a:t>
+            </a:r>
+            <a:endParaRPr lang="en-US"/>
+          </a:p>
+        </p:txBody>
+      </p:sp>
+      <p:sp>
+        <p:nvSpPr>
+          <p:cNvPr id="6" name="Footer Placeholder 5"/>
+          <p:cNvSpPr>
+            <a:spLocks noGrp="1"/>
+          </p:cNvSpPr>
+          <p:nvPr>
+            <p:ph type="ftr" sz="quarter" idx="4"/>
+          </p:nvPr>
+        </p:nvSpPr>
+        <p:spPr>
+          <a:xfrm>
+            <a:off x="0" y="8685213"/>
+            <a:ext cx="2971800" cy="457200"/>
+          </a:xfrm>
+          <a:prstGeom prst="rect">
+            <a:avLst/>
+          </a:prstGeom>
+        </p:spPr>
+        <p:txBody>
+          <a:bodyPr vert="horz" lIns="91440" tIns="45720" rIns="91440" bIns="45720" rtlCol="0" anchor="b"/>
+          <a:lstStyle>
+            <a:lvl1pPr algn="l">
+              <a:defRPr sz="1200"/>
+            </a:lvl1pPr>
+          </a:lstStyle>
+          <a:p>
+            <a:endParaRPr lang="en-US"/>
+          </a:p>
+        </p:txBody>
+      </p:sp>
+      <p:sp>
+        <p:nvSpPr>
+          <p:cNvPr id="7" name="Slide Number Placeholder 6"/>
+          <p:cNvSpPr>
+            <a:spLocks noGrp="1"/>
+          </p:cNvSpPr>
+          <p:nvPr>
+            <p:ph type="sldNum" sz="quarter" idx="5"/>
+          </p:nvPr>
+        </p:nvSpPr>
+        <p:spPr>
+          <a:xfrm>
+            <a:off x="3884613" y="8685213"/>
+            <a:ext cx="2971800" cy="457200"/>
+          </a:xfrm>
+          <a:prstGeom prst="rect">
+            <a:avLst/>
+          </a:prstGeom>
+        </p:spPr>
+        <p:txBody>
+          <a:bodyPr vert="horz" lIns="91440" tIns="45720" rIns="91440" bIns="45720" rtlCol="0" anchor="b"/>
+          <a:lstStyle>
+            <a:lvl1pPr algn="r">
+              <a:defRPr sz="1200"/>
+            </a:lvl1pPr>
+          </a:lstStyle>
+          <a:p>
+            <a:fld id="{A40FF584-32AA-9A42-8E12-9BDF2FED0E30}" type="slidenum">
+              <a:rPr lang="en-US" smtClean="0"/>
+              <a:t>‹#›</a:t>
+            </a:fld>
+            <a:endParaRPr lang="en-US"/>
+          </a:p>
+        </p:txBody>
+      </p:sp>
+    </p:spTree>
+    <p:extLst>
+      <p:ext uri="{BB962C8B-B14F-4D97-AF65-F5344CB8AC3E}">
+        <p14:creationId xmlns:p14="http://schemas.microsoft.com/office/powerpoint/2010/main" val="1170106026"/>
+      </p:ext>
+    </p:extLst>
+  </p:cSld>
+  <p:clrMap bg1="lt1" tx1="dk1" bg2="lt2" tx2="dk2" accent1="accent1" accent2="accent2" accent3="accent3" accent4="accent4" accent5="accent5" accent6="accent6" hlink="hlink" folHlink="folHlink"/>
+  <p:notesStyle>
+    <a:lvl1pPr marL="0" algn="l" defTabSz="457200" rtl="0" eaLnBrk="1" latinLnBrk="0" hangingPunct="1">
+      <a:defRPr sz="1200" kern="1200">
+        <a:solidFill>
+          <a:schemeClr val="tx1"/>
+        </a:solidFill>
+        <a:latin typeface="+mn-lt"/>
+        <a:ea typeface="+mn-ea"/>
+        <a:cs typeface="+mn-cs"/>
+      </a:defRPr>
+    </a:lvl1pPr>
+    <a:lvl2pPr marL="457200" algn="l" defTabSz="457200" rtl="0" eaLnBrk="1" latinLnBrk="0" hangingPunct="1">
+      <a:defRPr sz="1200" kern="1200">
+        <a:solidFill>
+          <a:schemeClr val="tx1"/>
+        </a:solidFill>
+        <a:latin typeface="+mn-lt"/>
+        <a:ea typeface="+mn-ea"/>
+        <a:cs typeface="+mn-cs"/>
+      </a:defRPr>
+    </a:lvl2pPr>
+    <a:lvl3pPr marL="914400" algn="l" defTabSz="457200" rtl="0" eaLnBrk="1" latinLnBrk="0" hangingPunct="1">
+      <a:defRPr sz="1200" kern="1200">
+        <a:solidFill>
+          <a:schemeClr val="tx1"/>
+        </a:solidFill>
+        <a:latin typeface="+mn-lt"/>
+        <a:ea typeface="+mn-ea"/>
+        <a:cs typeface="+mn-cs"/>
+      </a:defRPr>
+    </a:lvl3pPr>
+    <a:lvl4pPr marL="1371600" algn="l" defTabSz="457200" rtl="0" eaLnBrk="1" latinLnBrk="0" hangingPunct="1">
+      <a:defRPr sz="1200" kern="1200">
+        <a:solidFill>
+          <a:schemeClr val="tx1"/>
+        </a:solidFill>
+        <a:latin typeface="+mn-lt"/>
+        <a:ea typeface="+mn-ea"/>
+        <a:cs typeface="+mn-cs"/>
+      </a:defRPr>
+    </a:lvl4pPr>
+    <a:lvl5pPr marL="1828800" algn="l" defTabSz="457200" rtl="0" eaLnBrk="1" latinLnBrk="0" hangingPunct="1">
+      <a:defRPr sz="1200" kern="1200">
+        <a:solidFill>
+          <a:schemeClr val="tx1"/>
+        </a:solidFill>
+        <a:latin typeface="+mn-lt"/>
+        <a:ea typeface="+mn-ea"/>
+        <a:cs typeface="+mn-cs"/>
+      </a:defRPr>
+    </a:lvl5pPr>
+    <a:lvl6pPr marL="2286000" algn="l" defTabSz="457200" rtl="0" eaLnBrk="1" latinLnBrk="0" hangingPunct="1">
+      <a:defRPr sz="1200" kern="1200">
+        <a:solidFill>
+          <a:schemeClr val="tx1"/>
+        </a:solidFill>
+        <a:latin typeface="+mn-lt"/>
+        <a:ea typeface="+mn-ea"/>
+        <a:cs typeface="+mn-cs"/>
+      </a:defRPr>
+    </a:lvl6pPr>
+    <a:lvl7pPr marL="2743200" algn="l" defTabSz="457200" rtl="0" eaLnBrk="1" latinLnBrk="0" hangingPunct="1">
+      <a:defRPr sz="1200" kern="1200">
+        <a:solidFill>
+          <a:schemeClr val="tx1"/>
+        </a:solidFill>
+        <a:latin typeface="+mn-lt"/>
+        <a:ea typeface="+mn-ea"/>
+        <a:cs typeface="+mn-cs"/>
+      </a:defRPr>
+    </a:lvl7pPr>
+    <a:lvl8pPr marL="3200400" algn="l" defTabSz="457200" rtl="0" eaLnBrk="1" latinLnBrk="0" hangingPunct="1">
+      <a:defRPr sz="1200" kern="1200">
+        <a:solidFill>
+          <a:schemeClr val="tx1"/>
+        </a:solidFill>
+        <a:latin typeface="+mn-lt"/>
+        <a:ea typeface="+mn-ea"/>
+        <a:cs typeface="+mn-cs"/>
+      </a:defRPr>
+    </a:lvl8pPr>
+    <a:lvl9pPr marL="3657600" algn="l" defTabSz="457200" rtl="0" eaLnBrk="1" latinLnBrk="0" hangingPunct="1">
+      <a:defRPr sz="1200" kern="1200">
+        <a:solidFill>
+          <a:schemeClr val="tx1"/>
+        </a:solidFill>
+        <a:latin typeface="+mn-lt"/>
+        <a:ea typeface="+mn-ea"/>
+        <a:cs typeface="+mn-cs"/>
+      </a:defRPr>
+    </a:lvl9pPr>
+  </p:notesStyle>
+</p:notesMaster>
+</file>
+
+<file path=ppt/notesSlides/notesSlide1.xml><?xml version="1.0" encoding="utf-8"?>
+<p:notes xmlns:a="http://schemas.openxmlformats.org/drawingml/2006/main" xmlns:r="http://schemas.openxmlformats.org/officeDocument/2006/relationships" xmlns:p="http://schemas.openxmlformats.org/presentationml/2006/main">
+  <p:cSld>
+    <p:spTree>
+      <p:nvGrpSpPr>
+        <p:cNvPr id="1" name=""/>
+        <p:cNvGrpSpPr/>
+        <p:nvPr/>
+      </p:nvGrpSpPr>
+      <p:grpSpPr>
+        <a:xfrm>
+          <a:off x="0" y="0"/>
+          <a:ext cx="0" cy="0"/>
+          <a:chOff x="0" y="0"/>
+          <a:chExt cx="0" cy="0"/>
+        </a:xfrm>
+      </p:grpSpPr>
+      <p:sp>
+        <p:nvSpPr>
+          <p:cNvPr id="2" name="Slide Image Placeholder 1"/>
+          <p:cNvSpPr>
+            <a:spLocks noGrp="1" noRot="1" noChangeAspect="1"/>
+          </p:cNvSpPr>
+          <p:nvPr>
+            <p:ph type="sldImg"/>
+          </p:nvPr>
+        </p:nvSpPr>
+        <p:spPr/>
+      </p:sp>
+      <p:sp>
+        <p:nvSpPr>
+          <p:cNvPr id="3" name="Notes Placeholder 2"/>
+          <p:cNvSpPr>
+            <a:spLocks noGrp="1"/>
+          </p:cNvSpPr>
+          <p:nvPr>
+            <p:ph type="body" idx="1"/>
+          </p:nvPr>
+        </p:nvSpPr>
+        <p:spPr/>
+        <p:txBody>
+          <a:bodyPr/>
+          <a:lstStyle/>
+          <a:p>
+            <a:r>
+              <a:rPr lang="en-US" dirty="0" smtClean="0"/>
+              <a:t>Process</a:t>
+            </a:r>
+          </a:p>
+          <a:p>
+            <a:r>
+              <a:rPr lang="en-US" dirty="0" smtClean="0"/>
+              <a:t>Swing</a:t>
+            </a:r>
+            <a:r>
+              <a:rPr lang="en-US" baseline="0" dirty="0" smtClean="0"/>
+              <a:t> up - </a:t>
+            </a:r>
+            <a:r>
+              <a:rPr lang="en-US" baseline="0" dirty="0" err="1" smtClean="0"/>
+              <a:t>lyaponov</a:t>
+            </a:r>
+            <a:endParaRPr lang="en-US" baseline="0" dirty="0" smtClean="0"/>
+          </a:p>
+          <a:p>
+            <a:r>
+              <a:rPr lang="en-US" baseline="0" dirty="0" smtClean="0"/>
+              <a:t>Top controller – LQR</a:t>
+            </a:r>
+          </a:p>
+          <a:p>
+            <a:r>
+              <a:rPr lang="en-US" baseline="0" dirty="0" smtClean="0"/>
+              <a:t>Yields limit cycles due to friction</a:t>
+            </a:r>
+          </a:p>
+          <a:p>
+            <a:r>
+              <a:rPr lang="en-US" baseline="0" dirty="0" smtClean="0"/>
+              <a:t>Estimate friction in controlled test in bottom position or in real time in top position.</a:t>
+            </a:r>
+          </a:p>
+          <a:p>
+            <a:r>
+              <a:rPr lang="en-US" baseline="0" dirty="0" smtClean="0"/>
+              <a:t>Estimation using recursive least squares.</a:t>
+            </a:r>
+          </a:p>
+          <a:p>
+            <a:r>
+              <a:rPr lang="en-US" dirty="0" smtClean="0"/>
+              <a:t>Using</a:t>
+            </a:r>
+            <a:r>
+              <a:rPr lang="en-US" baseline="0" dirty="0" smtClean="0"/>
+              <a:t> a lab in non linear control as a basis</a:t>
+            </a:r>
+            <a:endParaRPr lang="en-US" dirty="0"/>
+          </a:p>
+        </p:txBody>
+      </p:sp>
+      <p:sp>
+        <p:nvSpPr>
+          <p:cNvPr id="4" name="Slide Number Placeholder 3"/>
+          <p:cNvSpPr>
+            <a:spLocks noGrp="1"/>
+          </p:cNvSpPr>
+          <p:nvPr>
+            <p:ph type="sldNum" sz="quarter" idx="10"/>
+          </p:nvPr>
+        </p:nvSpPr>
+        <p:spPr/>
+        <p:txBody>
+          <a:bodyPr/>
+          <a:lstStyle/>
+          <a:p>
+            <a:fld id="{A40FF584-32AA-9A42-8E12-9BDF2FED0E30}" type="slidenum">
+              <a:rPr lang="en-US" smtClean="0"/>
+              <a:t>1</a:t>
+            </a:fld>
+            <a:endParaRPr lang="en-US"/>
+          </a:p>
+        </p:txBody>
+      </p:sp>
+    </p:spTree>
+    <p:extLst>
+      <p:ext uri="{BB962C8B-B14F-4D97-AF65-F5344CB8AC3E}">
+        <p14:creationId xmlns:p14="http://schemas.microsoft.com/office/powerpoint/2010/main" val="1129501503"/>
+      </p:ext>
+    </p:extLst>
+  </p:cSld>
+  <p:clrMapOvr>
+    <a:masterClrMapping/>
+  </p:clrMapOvr>
+</p:notes>
+</file>
+
+<file path=ppt/notesSlides/notesSlide2.xml><?xml version="1.0" encoding="utf-8"?>
+<p:notes xmlns:a="http://schemas.openxmlformats.org/drawingml/2006/main" xmlns:r="http://schemas.openxmlformats.org/officeDocument/2006/relationships" xmlns:p="http://schemas.openxmlformats.org/presentationml/2006/main">
+  <p:cSld>
+    <p:spTree>
+      <p:nvGrpSpPr>
+        <p:cNvPr id="1" name=""/>
+        <p:cNvGrpSpPr/>
+        <p:nvPr/>
+      </p:nvGrpSpPr>
+      <p:grpSpPr>
+        <a:xfrm>
+          <a:off x="0" y="0"/>
+          <a:ext cx="0" cy="0"/>
+          <a:chOff x="0" y="0"/>
+          <a:chExt cx="0" cy="0"/>
+        </a:xfrm>
+      </p:grpSpPr>
+      <p:sp>
+        <p:nvSpPr>
+          <p:cNvPr id="2" name="Slide Image Placeholder 1"/>
+          <p:cNvSpPr>
+            <a:spLocks noGrp="1" noRot="1" noChangeAspect="1"/>
+          </p:cNvSpPr>
+          <p:nvPr>
+            <p:ph type="sldImg"/>
+          </p:nvPr>
+        </p:nvSpPr>
+        <p:spPr/>
+      </p:sp>
+      <p:sp>
+        <p:nvSpPr>
+          <p:cNvPr id="3" name="Notes Placeholder 2"/>
+          <p:cNvSpPr>
+            <a:spLocks noGrp="1"/>
+          </p:cNvSpPr>
+          <p:nvPr>
+            <p:ph type="body" idx="1"/>
+          </p:nvPr>
+        </p:nvSpPr>
+        <p:spPr/>
+        <p:txBody>
+          <a:bodyPr/>
+          <a:lstStyle/>
+          <a:p>
+            <a:r>
+              <a:rPr lang="en-US" dirty="0" smtClean="0"/>
+              <a:t>Different friction models</a:t>
+            </a:r>
+            <a:r>
+              <a:rPr lang="en-US" baseline="0" dirty="0" smtClean="0"/>
+              <a:t> to consider. Focus on simple models due to low speeds and noisy measurements.</a:t>
+            </a:r>
+            <a:endParaRPr lang="en-US" dirty="0"/>
+          </a:p>
+        </p:txBody>
+      </p:sp>
+      <p:sp>
+        <p:nvSpPr>
+          <p:cNvPr id="4" name="Slide Number Placeholder 3"/>
+          <p:cNvSpPr>
+            <a:spLocks noGrp="1"/>
+          </p:cNvSpPr>
+          <p:nvPr>
+            <p:ph type="sldNum" sz="quarter" idx="10"/>
+          </p:nvPr>
+        </p:nvSpPr>
+        <p:spPr/>
+        <p:txBody>
+          <a:bodyPr/>
+          <a:lstStyle/>
+          <a:p>
+            <a:fld id="{A40FF584-32AA-9A42-8E12-9BDF2FED0E30}" type="slidenum">
+              <a:rPr lang="en-US" smtClean="0"/>
+              <a:t>2</a:t>
+            </a:fld>
+            <a:endParaRPr lang="en-US"/>
+          </a:p>
+        </p:txBody>
+      </p:sp>
+    </p:spTree>
+    <p:extLst>
+      <p:ext uri="{BB962C8B-B14F-4D97-AF65-F5344CB8AC3E}">
+        <p14:creationId xmlns:p14="http://schemas.microsoft.com/office/powerpoint/2010/main" val="1480514138"/>
+      </p:ext>
+    </p:extLst>
+  </p:cSld>
+  <p:clrMapOvr>
+    <a:masterClrMapping/>
+  </p:clrMapOvr>
+</p:notes>
+</file>
+
+<file path=ppt/notesSlides/notesSlide3.xml><?xml version="1.0" encoding="utf-8"?>
+<p:notes xmlns:a="http://schemas.openxmlformats.org/drawingml/2006/main" xmlns:r="http://schemas.openxmlformats.org/officeDocument/2006/relationships" xmlns:p="http://schemas.openxmlformats.org/presentationml/2006/main">
+  <p:cSld>
+    <p:spTree>
+      <p:nvGrpSpPr>
+        <p:cNvPr id="1" name=""/>
+        <p:cNvGrpSpPr/>
+        <p:nvPr/>
+      </p:nvGrpSpPr>
+      <p:grpSpPr>
+        <a:xfrm>
+          <a:off x="0" y="0"/>
+          <a:ext cx="0" cy="0"/>
+          <a:chOff x="0" y="0"/>
+          <a:chExt cx="0" cy="0"/>
+        </a:xfrm>
+      </p:grpSpPr>
+      <p:sp>
+        <p:nvSpPr>
+          <p:cNvPr id="2" name="Slide Image Placeholder 1"/>
+          <p:cNvSpPr>
+            <a:spLocks noGrp="1" noRot="1" noChangeAspect="1"/>
+          </p:cNvSpPr>
+          <p:nvPr>
+            <p:ph type="sldImg"/>
+          </p:nvPr>
+        </p:nvSpPr>
+        <p:spPr/>
+      </p:sp>
+      <p:sp>
+        <p:nvSpPr>
+          <p:cNvPr id="3" name="Notes Placeholder 2"/>
+          <p:cNvSpPr>
+            <a:spLocks noGrp="1"/>
+          </p:cNvSpPr>
+          <p:nvPr>
+            <p:ph type="body" idx="1"/>
+          </p:nvPr>
+        </p:nvSpPr>
+        <p:spPr/>
+        <p:txBody>
+          <a:bodyPr/>
+          <a:lstStyle/>
+          <a:p>
+            <a:r>
+              <a:rPr lang="en-US" dirty="0" smtClean="0"/>
+              <a:t>Offline friction estimation in the lower position. </a:t>
+            </a:r>
+          </a:p>
+          <a:p>
+            <a:r>
+              <a:rPr lang="en-US" dirty="0" smtClean="0"/>
+              <a:t>Both</a:t>
+            </a:r>
+            <a:r>
+              <a:rPr lang="en-US" baseline="0" dirty="0" smtClean="0"/>
+              <a:t> friction models might be viable.</a:t>
+            </a:r>
+          </a:p>
+          <a:p>
+            <a:r>
+              <a:rPr lang="en-US" baseline="0" dirty="0" smtClean="0"/>
+              <a:t>As one can see it seems that the friction varies with the arm position.</a:t>
+            </a:r>
+            <a:endParaRPr lang="en-US" dirty="0"/>
+          </a:p>
+        </p:txBody>
+      </p:sp>
+      <p:sp>
+        <p:nvSpPr>
+          <p:cNvPr id="4" name="Slide Number Placeholder 3"/>
+          <p:cNvSpPr>
+            <a:spLocks noGrp="1"/>
+          </p:cNvSpPr>
+          <p:nvPr>
+            <p:ph type="sldNum" sz="quarter" idx="10"/>
+          </p:nvPr>
+        </p:nvSpPr>
+        <p:spPr/>
+        <p:txBody>
+          <a:bodyPr/>
+          <a:lstStyle/>
+          <a:p>
+            <a:fld id="{A40FF584-32AA-9A42-8E12-9BDF2FED0E30}" type="slidenum">
+              <a:rPr lang="en-US" smtClean="0"/>
+              <a:t>3</a:t>
+            </a:fld>
+            <a:endParaRPr lang="en-US"/>
+          </a:p>
+        </p:txBody>
+      </p:sp>
+    </p:spTree>
+    <p:extLst>
+      <p:ext uri="{BB962C8B-B14F-4D97-AF65-F5344CB8AC3E}">
+        <p14:creationId xmlns:p14="http://schemas.microsoft.com/office/powerpoint/2010/main" val="3226852657"/>
+      </p:ext>
+    </p:extLst>
+  </p:cSld>
+  <p:clrMapOvr>
+    <a:masterClrMapping/>
+  </p:clrMapOvr>
+</p:notes>
+</file>
+
+<file path=ppt/notesSlides/notesSlide4.xml><?xml version="1.0" encoding="utf-8"?>
+<p:notes xmlns:a="http://schemas.openxmlformats.org/drawingml/2006/main" xmlns:r="http://schemas.openxmlformats.org/officeDocument/2006/relationships" xmlns:p="http://schemas.openxmlformats.org/presentationml/2006/main">
+  <p:cSld>
+    <p:spTree>
+      <p:nvGrpSpPr>
+        <p:cNvPr id="1" name=""/>
+        <p:cNvGrpSpPr/>
+        <p:nvPr/>
+      </p:nvGrpSpPr>
+      <p:grpSpPr>
+        <a:xfrm>
+          <a:off x="0" y="0"/>
+          <a:ext cx="0" cy="0"/>
+          <a:chOff x="0" y="0"/>
+          <a:chExt cx="0" cy="0"/>
+        </a:xfrm>
+      </p:grpSpPr>
+      <p:sp>
+        <p:nvSpPr>
+          <p:cNvPr id="2" name="Slide Image Placeholder 1"/>
+          <p:cNvSpPr>
+            <a:spLocks noGrp="1" noRot="1" noChangeAspect="1"/>
+          </p:cNvSpPr>
+          <p:nvPr>
+            <p:ph type="sldImg"/>
+          </p:nvPr>
+        </p:nvSpPr>
+        <p:spPr/>
+      </p:sp>
+      <p:sp>
+        <p:nvSpPr>
+          <p:cNvPr id="3" name="Notes Placeholder 2"/>
+          <p:cNvSpPr>
+            <a:spLocks noGrp="1"/>
+          </p:cNvSpPr>
+          <p:nvPr>
+            <p:ph type="body" idx="1"/>
+          </p:nvPr>
+        </p:nvSpPr>
+        <p:spPr/>
+        <p:txBody>
+          <a:bodyPr/>
+          <a:lstStyle/>
+          <a:p>
+            <a:r>
+              <a:rPr lang="en-US" dirty="0" smtClean="0"/>
+              <a:t>Since</a:t>
+            </a:r>
+            <a:r>
+              <a:rPr lang="en-US" baseline="0" dirty="0" smtClean="0"/>
+              <a:t> the pendulum dynamics are quite complicated these simplified dynamics where given in the non linear control lab.</a:t>
+            </a:r>
+            <a:br>
+              <a:rPr lang="en-US" baseline="0" dirty="0" smtClean="0"/>
+            </a:br>
+            <a:r>
+              <a:rPr lang="en-US" baseline="0" dirty="0" smtClean="0"/>
+              <a:t>The dynamics where simplified using some </a:t>
+            </a:r>
+            <a:r>
+              <a:rPr lang="en-US" baseline="0" dirty="0" err="1" smtClean="0"/>
+              <a:t>lagrangian</a:t>
+            </a:r>
+            <a:r>
+              <a:rPr lang="en-US" baseline="0" dirty="0" smtClean="0"/>
+              <a:t> theory.</a:t>
+            </a:r>
+          </a:p>
+          <a:p>
+            <a:r>
+              <a:rPr lang="en-US" baseline="0" dirty="0" smtClean="0"/>
+              <a:t>The model was then linearized around the top since this is where we want to estimate the friction.</a:t>
+            </a:r>
+          </a:p>
+        </p:txBody>
+      </p:sp>
+      <p:sp>
+        <p:nvSpPr>
+          <p:cNvPr id="4" name="Slide Number Placeholder 3"/>
+          <p:cNvSpPr>
+            <a:spLocks noGrp="1"/>
+          </p:cNvSpPr>
+          <p:nvPr>
+            <p:ph type="sldNum" sz="quarter" idx="10"/>
+          </p:nvPr>
+        </p:nvSpPr>
+        <p:spPr/>
+        <p:txBody>
+          <a:bodyPr/>
+          <a:lstStyle/>
+          <a:p>
+            <a:fld id="{A40FF584-32AA-9A42-8E12-9BDF2FED0E30}" type="slidenum">
+              <a:rPr lang="en-US" smtClean="0"/>
+              <a:t>4</a:t>
+            </a:fld>
+            <a:endParaRPr lang="en-US"/>
+          </a:p>
+        </p:txBody>
+      </p:sp>
+    </p:spTree>
+    <p:extLst>
+      <p:ext uri="{BB962C8B-B14F-4D97-AF65-F5344CB8AC3E}">
+        <p14:creationId xmlns:p14="http://schemas.microsoft.com/office/powerpoint/2010/main" val="2376162954"/>
+      </p:ext>
+    </p:extLst>
+  </p:cSld>
+  <p:clrMapOvr>
+    <a:masterClrMapping/>
+  </p:clrMapOvr>
+</p:notes>
+</file>
+
+<file path=ppt/notesSlides/notesSlide5.xml><?xml version="1.0" encoding="utf-8"?>
+<p:notes xmlns:a="http://schemas.openxmlformats.org/drawingml/2006/main" xmlns:r="http://schemas.openxmlformats.org/officeDocument/2006/relationships" xmlns:p="http://schemas.openxmlformats.org/presentationml/2006/main">
+  <p:cSld>
+    <p:spTree>
+      <p:nvGrpSpPr>
+        <p:cNvPr id="1" name=""/>
+        <p:cNvGrpSpPr/>
+        <p:nvPr/>
+      </p:nvGrpSpPr>
+      <p:grpSpPr>
+        <a:xfrm>
+          <a:off x="0" y="0"/>
+          <a:ext cx="0" cy="0"/>
+          <a:chOff x="0" y="0"/>
+          <a:chExt cx="0" cy="0"/>
+        </a:xfrm>
+      </p:grpSpPr>
+      <p:sp>
+        <p:nvSpPr>
+          <p:cNvPr id="2" name="Slide Image Placeholder 1"/>
+          <p:cNvSpPr>
+            <a:spLocks noGrp="1" noRot="1" noChangeAspect="1"/>
+          </p:cNvSpPr>
+          <p:nvPr>
+            <p:ph type="sldImg"/>
+          </p:nvPr>
+        </p:nvSpPr>
+        <p:spPr/>
+      </p:sp>
+      <p:sp>
+        <p:nvSpPr>
+          <p:cNvPr id="3" name="Notes Placeholder 2"/>
+          <p:cNvSpPr>
+            <a:spLocks noGrp="1"/>
+          </p:cNvSpPr>
+          <p:nvPr>
+            <p:ph type="body" idx="1"/>
+          </p:nvPr>
+        </p:nvSpPr>
+        <p:spPr/>
+        <p:txBody>
+          <a:bodyPr/>
+          <a:lstStyle/>
+          <a:p>
+            <a:r>
+              <a:rPr lang="en-US" dirty="0" smtClean="0"/>
+              <a:t>This</a:t>
+            </a:r>
+            <a:r>
+              <a:rPr lang="en-US" baseline="0" dirty="0" smtClean="0"/>
+              <a:t> model was discretized using the c2d command in </a:t>
+            </a:r>
+            <a:r>
+              <a:rPr lang="en-US" baseline="0" dirty="0" err="1" smtClean="0"/>
+              <a:t>matlab</a:t>
+            </a:r>
+            <a:r>
+              <a:rPr lang="en-US" baseline="0" dirty="0" smtClean="0"/>
+              <a:t> which uses zero order hold.</a:t>
+            </a:r>
+          </a:p>
+          <a:p>
+            <a:r>
+              <a:rPr lang="en-US" baseline="0" dirty="0" smtClean="0"/>
+              <a:t>Then we added friction to our model, we consider the friction as a torque and thus we remove it from the given control signal.</a:t>
+            </a:r>
+          </a:p>
+          <a:p>
+            <a:pPr marL="0" marR="0" indent="0" algn="l" defTabSz="457200" rtl="0" eaLnBrk="1" fontAlgn="auto" latinLnBrk="0" hangingPunct="1">
+              <a:lnSpc>
+                <a:spcPct val="100000"/>
+              </a:lnSpc>
+              <a:spcBef>
+                <a:spcPts val="0"/>
+              </a:spcBef>
+              <a:spcAft>
+                <a:spcPts val="0"/>
+              </a:spcAft>
+              <a:buClrTx/>
+              <a:buSzTx/>
+              <a:buFontTx/>
+              <a:buNone/>
+              <a:tabLst/>
+              <a:defRPr/>
+            </a:pPr>
+            <a:r>
+              <a:rPr lang="en-US" dirty="0" smtClean="0"/>
+              <a:t>With</a:t>
+            </a:r>
+            <a:r>
+              <a:rPr lang="en-US" baseline="0" dirty="0" smtClean="0"/>
+              <a:t> the </a:t>
+            </a:r>
+            <a:r>
+              <a:rPr lang="en-US" baseline="0" dirty="0" err="1" smtClean="0"/>
+              <a:t>coloumb</a:t>
+            </a:r>
+            <a:r>
+              <a:rPr lang="en-US" baseline="0" dirty="0" smtClean="0"/>
+              <a:t> + </a:t>
+            </a:r>
+            <a:r>
+              <a:rPr lang="en-US" baseline="0" dirty="0" err="1" smtClean="0"/>
+              <a:t>viscouse</a:t>
+            </a:r>
+            <a:r>
+              <a:rPr lang="en-US" baseline="0" dirty="0" smtClean="0"/>
+              <a:t> friction model as a basis we arrive at this equation for the recursive least squares estimation using the fourth state.</a:t>
+            </a:r>
+          </a:p>
+          <a:p>
+            <a:pPr marL="0" marR="0" indent="0" algn="l" defTabSz="457200" rtl="0" eaLnBrk="1" fontAlgn="auto" latinLnBrk="0" hangingPunct="1">
+              <a:lnSpc>
+                <a:spcPct val="100000"/>
+              </a:lnSpc>
+              <a:spcBef>
+                <a:spcPts val="0"/>
+              </a:spcBef>
+              <a:spcAft>
+                <a:spcPts val="0"/>
+              </a:spcAft>
+              <a:buClrTx/>
+              <a:buSzTx/>
+              <a:buFontTx/>
+              <a:buNone/>
+              <a:tabLst/>
+              <a:defRPr/>
+            </a:pPr>
+            <a:r>
+              <a:rPr lang="en-US" baseline="0" dirty="0" smtClean="0"/>
+              <a:t>The fourth state is chosen since we get both the dynamics of the arm and pendulum in that equation.</a:t>
+            </a:r>
+            <a:endParaRPr lang="en-US" dirty="0"/>
+          </a:p>
+        </p:txBody>
+      </p:sp>
+      <p:sp>
+        <p:nvSpPr>
+          <p:cNvPr id="4" name="Slide Number Placeholder 3"/>
+          <p:cNvSpPr>
+            <a:spLocks noGrp="1"/>
+          </p:cNvSpPr>
+          <p:nvPr>
+            <p:ph type="sldNum" sz="quarter" idx="10"/>
+          </p:nvPr>
+        </p:nvSpPr>
+        <p:spPr/>
+        <p:txBody>
+          <a:bodyPr/>
+          <a:lstStyle/>
+          <a:p>
+            <a:fld id="{A40FF584-32AA-9A42-8E12-9BDF2FED0E30}" type="slidenum">
+              <a:rPr lang="en-US" smtClean="0"/>
+              <a:t>5</a:t>
+            </a:fld>
+            <a:endParaRPr lang="en-US"/>
+          </a:p>
+        </p:txBody>
+      </p:sp>
+    </p:spTree>
+    <p:extLst>
+      <p:ext uri="{BB962C8B-B14F-4D97-AF65-F5344CB8AC3E}">
+        <p14:creationId xmlns:p14="http://schemas.microsoft.com/office/powerpoint/2010/main" val="3016324575"/>
+      </p:ext>
+    </p:extLst>
+  </p:cSld>
+  <p:clrMapOvr>
+    <a:masterClrMapping/>
+  </p:clrMapOvr>
+</p:notes>
+</file>
+
+<file path=ppt/notesSlides/notesSlide6.xml><?xml version="1.0" encoding="utf-8"?>
+<p:notes xmlns:a="http://schemas.openxmlformats.org/drawingml/2006/main" xmlns:r="http://schemas.openxmlformats.org/officeDocument/2006/relationships" xmlns:p="http://schemas.openxmlformats.org/presentationml/2006/main">
+  <p:cSld>
+    <p:spTree>
+      <p:nvGrpSpPr>
+        <p:cNvPr id="1" name=""/>
+        <p:cNvGrpSpPr/>
+        <p:nvPr/>
+      </p:nvGrpSpPr>
+      <p:grpSpPr>
+        <a:xfrm>
+          <a:off x="0" y="0"/>
+          <a:ext cx="0" cy="0"/>
+          <a:chOff x="0" y="0"/>
+          <a:chExt cx="0" cy="0"/>
+        </a:xfrm>
+      </p:grpSpPr>
+      <p:sp>
+        <p:nvSpPr>
+          <p:cNvPr id="2" name="Slide Image Placeholder 1"/>
+          <p:cNvSpPr>
+            <a:spLocks noGrp="1" noRot="1" noChangeAspect="1"/>
+          </p:cNvSpPr>
+          <p:nvPr>
+            <p:ph type="sldImg"/>
+          </p:nvPr>
+        </p:nvSpPr>
+        <p:spPr/>
+      </p:sp>
+      <p:sp>
+        <p:nvSpPr>
+          <p:cNvPr id="3" name="Notes Placeholder 2"/>
+          <p:cNvSpPr>
+            <a:spLocks noGrp="1"/>
+          </p:cNvSpPr>
+          <p:nvPr>
+            <p:ph type="body" idx="1"/>
+          </p:nvPr>
+        </p:nvSpPr>
+        <p:spPr/>
+        <p:txBody>
+          <a:bodyPr/>
+          <a:lstStyle/>
+          <a:p>
+            <a:endParaRPr lang="en-US" dirty="0"/>
+          </a:p>
+        </p:txBody>
+      </p:sp>
+      <p:sp>
+        <p:nvSpPr>
+          <p:cNvPr id="4" name="Slide Number Placeholder 3"/>
+          <p:cNvSpPr>
+            <a:spLocks noGrp="1"/>
+          </p:cNvSpPr>
+          <p:nvPr>
+            <p:ph type="sldNum" sz="quarter" idx="10"/>
+          </p:nvPr>
+        </p:nvSpPr>
+        <p:spPr/>
+        <p:txBody>
+          <a:bodyPr/>
+          <a:lstStyle/>
+          <a:p>
+            <a:fld id="{A40FF584-32AA-9A42-8E12-9BDF2FED0E30}" type="slidenum">
+              <a:rPr lang="en-US" smtClean="0"/>
+              <a:t>12</a:t>
+            </a:fld>
+            <a:endParaRPr lang="en-US"/>
+          </a:p>
+        </p:txBody>
+      </p:sp>
+    </p:spTree>
+    <p:extLst>
+      <p:ext uri="{BB962C8B-B14F-4D97-AF65-F5344CB8AC3E}">
+        <p14:creationId xmlns:p14="http://schemas.microsoft.com/office/powerpoint/2010/main" val="1374558895"/>
+      </p:ext>
+    </p:extLst>
+  </p:cSld>
+  <p:clrMapOvr>
+    <a:masterClrMapping/>
+  </p:clrMapOvr>
+</p:notes>
 </file>
 
 <file path=ppt/slideLayouts/slideLayout1.xml><?xml version="1.0" encoding="utf-8"?>
@@ -307,7 +1369,7 @@
           <a:p>
             <a:fld id="{B58FBE55-019B-7F44-916F-F5D370B1C098}" type="datetimeFigureOut">
               <a:rPr lang="en-US" smtClean="0"/>
-              <a:t>4/26/2016</a:t>
+              <a:t>27/04/16</a:t>
             </a:fld>
             <a:endParaRPr lang="en-US"/>
           </a:p>
@@ -477,7 +1539,7 @@
           <a:p>
             <a:fld id="{B58FBE55-019B-7F44-916F-F5D370B1C098}" type="datetimeFigureOut">
               <a:rPr lang="en-US" smtClean="0"/>
-              <a:t>4/26/2016</a:t>
+              <a:t>27/04/16</a:t>
             </a:fld>
             <a:endParaRPr lang="en-US"/>
           </a:p>
@@ -657,7 +1719,7 @@
           <a:p>
             <a:fld id="{B58FBE55-019B-7F44-916F-F5D370B1C098}" type="datetimeFigureOut">
               <a:rPr lang="en-US" smtClean="0"/>
-              <a:t>4/26/2016</a:t>
+              <a:t>27/04/16</a:t>
             </a:fld>
             <a:endParaRPr lang="en-US"/>
           </a:p>
@@ -827,7 +1889,7 @@
           <a:p>
             <a:fld id="{B58FBE55-019B-7F44-916F-F5D370B1C098}" type="datetimeFigureOut">
               <a:rPr lang="en-US" smtClean="0"/>
-              <a:t>4/26/2016</a:t>
+              <a:t>27/04/16</a:t>
             </a:fld>
             <a:endParaRPr lang="en-US"/>
           </a:p>
@@ -1073,7 +2135,7 @@
           <a:p>
             <a:fld id="{B58FBE55-019B-7F44-916F-F5D370B1C098}" type="datetimeFigureOut">
               <a:rPr lang="en-US" smtClean="0"/>
-              <a:t>4/26/2016</a:t>
+              <a:t>27/04/16</a:t>
             </a:fld>
             <a:endParaRPr lang="en-US"/>
           </a:p>
@@ -1361,7 +2423,7 @@
           <a:p>
             <a:fld id="{B58FBE55-019B-7F44-916F-F5D370B1C098}" type="datetimeFigureOut">
               <a:rPr lang="en-US" smtClean="0"/>
-              <a:t>4/26/2016</a:t>
+              <a:t>27/04/16</a:t>
             </a:fld>
             <a:endParaRPr lang="en-US"/>
           </a:p>
@@ -1783,7 +2845,7 @@
           <a:p>
             <a:fld id="{B58FBE55-019B-7F44-916F-F5D370B1C098}" type="datetimeFigureOut">
               <a:rPr lang="en-US" smtClean="0"/>
-              <a:t>4/26/2016</a:t>
+              <a:t>27/04/16</a:t>
             </a:fld>
             <a:endParaRPr lang="en-US"/>
           </a:p>
@@ -1901,7 +2963,7 @@
           <a:p>
             <a:fld id="{B58FBE55-019B-7F44-916F-F5D370B1C098}" type="datetimeFigureOut">
               <a:rPr lang="en-US" smtClean="0"/>
-              <a:t>4/26/2016</a:t>
+              <a:t>27/04/16</a:t>
             </a:fld>
             <a:endParaRPr lang="en-US"/>
           </a:p>
@@ -1996,7 +3058,7 @@
           <a:p>
             <a:fld id="{B58FBE55-019B-7F44-916F-F5D370B1C098}" type="datetimeFigureOut">
               <a:rPr lang="en-US" smtClean="0"/>
-              <a:t>4/26/2016</a:t>
+              <a:t>27/04/16</a:t>
             </a:fld>
             <a:endParaRPr lang="en-US"/>
           </a:p>
@@ -2273,7 +3335,7 @@
           <a:p>
             <a:fld id="{B58FBE55-019B-7F44-916F-F5D370B1C098}" type="datetimeFigureOut">
               <a:rPr lang="en-US" smtClean="0"/>
-              <a:t>4/26/2016</a:t>
+              <a:t>27/04/16</a:t>
             </a:fld>
             <a:endParaRPr lang="en-US"/>
           </a:p>
@@ -2526,7 +3588,7 @@
           <a:p>
             <a:fld id="{B58FBE55-019B-7F44-916F-F5D370B1C098}" type="datetimeFigureOut">
               <a:rPr lang="en-US" smtClean="0"/>
-              <a:t>4/26/2016</a:t>
+              <a:t>27/04/16</a:t>
             </a:fld>
             <a:endParaRPr lang="en-US"/>
           </a:p>
@@ -2739,7 +3801,7 @@
           <a:p>
             <a:fld id="{B58FBE55-019B-7F44-916F-F5D370B1C098}" type="datetimeFigureOut">
               <a:rPr lang="en-US" smtClean="0"/>
-              <a:t>4/26/2016</a:t>
+              <a:t>27/04/16</a:t>
             </a:fld>
             <a:endParaRPr lang="en-US"/>
           </a:p>
@@ -3201,7 +4263,7 @@
           </p:nvPr>
         </p:nvPicPr>
         <p:blipFill>
-          <a:blip r:embed="rId2">
+          <a:blip r:embed="rId3">
             <a:extLst>
               <a:ext uri="{28A0092B-C50C-407E-A947-70E740481C1C}">
                 <a14:useLocalDpi xmlns:a14="http://schemas.microsoft.com/office/drawing/2010/main" val="0"/>
@@ -3232,6 +4294,208 @@
 </p:sld>
 </file>
 
+<file path=ppt/slides/slide10.xml><?xml version="1.0" encoding="utf-8"?>
+<p:sld xmlns:a="http://schemas.openxmlformats.org/drawingml/2006/main" xmlns:r="http://schemas.openxmlformats.org/officeDocument/2006/relationships" xmlns:p="http://schemas.openxmlformats.org/presentationml/2006/main">
+  <p:cSld>
+    <p:spTree>
+      <p:nvGrpSpPr>
+        <p:cNvPr id="1" name=""/>
+        <p:cNvGrpSpPr/>
+        <p:nvPr/>
+      </p:nvGrpSpPr>
+      <p:grpSpPr>
+        <a:xfrm>
+          <a:off x="0" y="0"/>
+          <a:ext cx="0" cy="0"/>
+          <a:chOff x="0" y="0"/>
+          <a:chExt cx="0" cy="0"/>
+        </a:xfrm>
+      </p:grpSpPr>
+      <p:sp>
+        <p:nvSpPr>
+          <p:cNvPr id="2" name="Title 1"/>
+          <p:cNvSpPr>
+            <a:spLocks noGrp="1"/>
+          </p:cNvSpPr>
+          <p:nvPr>
+            <p:ph type="title"/>
+          </p:nvPr>
+        </p:nvSpPr>
+        <p:spPr>
+          <a:xfrm>
+            <a:off x="457200" y="967365"/>
+            <a:ext cx="8229600" cy="1143000"/>
+          </a:xfrm>
+        </p:spPr>
+        <p:txBody>
+          <a:bodyPr>
+            <a:normAutofit fontScale="90000"/>
+          </a:bodyPr>
+          <a:lstStyle/>
+          <a:p>
+            <a:r>
+              <a:rPr lang="en-US" dirty="0" smtClean="0"/>
+              <a:t>RLS convergence</a:t>
+            </a:r>
+            <a:br>
+              <a:rPr lang="en-US" dirty="0" smtClean="0"/>
+            </a:br>
+            <a:r>
+              <a:rPr lang="en-US" dirty="0" smtClean="0"/>
+              <a:t>With step, with compensation on</a:t>
+            </a:r>
+            <a:br>
+              <a:rPr lang="en-US" dirty="0" smtClean="0"/>
+            </a:br>
+            <a:r>
+              <a:rPr lang="en-US" dirty="0" smtClean="0"/>
+              <a:t>no step compensation off</a:t>
+            </a:r>
+            <a:br>
+              <a:rPr lang="en-US" dirty="0" smtClean="0"/>
+            </a:br>
+            <a:endParaRPr lang="en-US" dirty="0"/>
+          </a:p>
+        </p:txBody>
+      </p:sp>
+    </p:spTree>
+    <p:extLst>
+      <p:ext uri="{BB962C8B-B14F-4D97-AF65-F5344CB8AC3E}">
+        <p14:creationId xmlns:p14="http://schemas.microsoft.com/office/powerpoint/2010/main" val="1078329822"/>
+      </p:ext>
+    </p:extLst>
+  </p:cSld>
+  <p:clrMapOvr>
+    <a:masterClrMapping/>
+  </p:clrMapOvr>
+</p:sld>
+</file>
+
+<file path=ppt/slides/slide11.xml><?xml version="1.0" encoding="utf-8"?>
+<p:sld xmlns:a="http://schemas.openxmlformats.org/drawingml/2006/main" xmlns:r="http://schemas.openxmlformats.org/officeDocument/2006/relationships" xmlns:p="http://schemas.openxmlformats.org/presentationml/2006/main">
+  <p:cSld>
+    <p:spTree>
+      <p:nvGrpSpPr>
+        <p:cNvPr id="1" name=""/>
+        <p:cNvGrpSpPr/>
+        <p:nvPr/>
+      </p:nvGrpSpPr>
+      <p:grpSpPr>
+        <a:xfrm>
+          <a:off x="0" y="0"/>
+          <a:ext cx="0" cy="0"/>
+          <a:chOff x="0" y="0"/>
+          <a:chExt cx="0" cy="0"/>
+        </a:xfrm>
+      </p:grpSpPr>
+      <p:sp>
+        <p:nvSpPr>
+          <p:cNvPr id="2" name="Title 1"/>
+          <p:cNvSpPr>
+            <a:spLocks noGrp="1"/>
+          </p:cNvSpPr>
+          <p:nvPr>
+            <p:ph type="title"/>
+          </p:nvPr>
+        </p:nvSpPr>
+        <p:spPr/>
+        <p:txBody>
+          <a:bodyPr/>
+          <a:lstStyle/>
+          <a:p>
+            <a:r>
+              <a:rPr lang="en-US" dirty="0" smtClean="0"/>
+              <a:t>Step response???</a:t>
+            </a:r>
+            <a:endParaRPr lang="en-US" dirty="0"/>
+          </a:p>
+        </p:txBody>
+      </p:sp>
+    </p:spTree>
+    <p:extLst>
+      <p:ext uri="{BB962C8B-B14F-4D97-AF65-F5344CB8AC3E}">
+        <p14:creationId xmlns:p14="http://schemas.microsoft.com/office/powerpoint/2010/main" val="792690701"/>
+      </p:ext>
+    </p:extLst>
+  </p:cSld>
+  <p:clrMapOvr>
+    <a:masterClrMapping/>
+  </p:clrMapOvr>
+</p:sld>
+</file>
+
+<file path=ppt/slides/slide12.xml><?xml version="1.0" encoding="utf-8"?>
+<p:sld xmlns:a="http://schemas.openxmlformats.org/drawingml/2006/main" xmlns:r="http://schemas.openxmlformats.org/officeDocument/2006/relationships" xmlns:p="http://schemas.openxmlformats.org/presentationml/2006/main">
+  <p:cSld>
+    <p:spTree>
+      <p:nvGrpSpPr>
+        <p:cNvPr id="1" name=""/>
+        <p:cNvGrpSpPr/>
+        <p:nvPr/>
+      </p:nvGrpSpPr>
+      <p:grpSpPr>
+        <a:xfrm>
+          <a:off x="0" y="0"/>
+          <a:ext cx="0" cy="0"/>
+          <a:chOff x="0" y="0"/>
+          <a:chExt cx="0" cy="0"/>
+        </a:xfrm>
+      </p:grpSpPr>
+      <p:sp>
+        <p:nvSpPr>
+          <p:cNvPr id="2" name="Title 1"/>
+          <p:cNvSpPr>
+            <a:spLocks noGrp="1"/>
+          </p:cNvSpPr>
+          <p:nvPr>
+            <p:ph type="title"/>
+          </p:nvPr>
+        </p:nvSpPr>
+        <p:spPr/>
+        <p:txBody>
+          <a:bodyPr/>
+          <a:lstStyle/>
+          <a:p>
+            <a:r>
+              <a:rPr lang="en-US" dirty="0" smtClean="0"/>
+              <a:t>Video??</a:t>
+            </a:r>
+            <a:endParaRPr lang="en-US" dirty="0"/>
+          </a:p>
+        </p:txBody>
+      </p:sp>
+      <p:sp>
+        <p:nvSpPr>
+          <p:cNvPr id="3" name="Content Placeholder 2"/>
+          <p:cNvSpPr>
+            <a:spLocks noGrp="1"/>
+          </p:cNvSpPr>
+          <p:nvPr>
+            <p:ph idx="1"/>
+          </p:nvPr>
+        </p:nvSpPr>
+        <p:spPr/>
+        <p:txBody>
+          <a:bodyPr/>
+          <a:lstStyle/>
+          <a:p>
+            <a:endParaRPr lang="en-US"/>
+          </a:p>
+        </p:txBody>
+      </p:sp>
+    </p:spTree>
+    <p:extLst>
+      <p:ext uri="{BB962C8B-B14F-4D97-AF65-F5344CB8AC3E}">
+        <p14:creationId xmlns:p14="http://schemas.microsoft.com/office/powerpoint/2010/main" val="2137632202"/>
+      </p:ext>
+    </p:extLst>
+  </p:cSld>
+  <p:clrMapOvr>
+    <a:masterClrMapping/>
+  </p:clrMapOvr>
+</p:sld>
+</file>
+
 <file path=ppt/slides/slide2.xml><?xml version="1.0" encoding="utf-8"?>
 <p:sld xmlns:a="http://schemas.openxmlformats.org/drawingml/2006/main" xmlns:r="http://schemas.openxmlformats.org/officeDocument/2006/relationships" xmlns:p="http://schemas.openxmlformats.org/presentationml/2006/main">
   <p:cSld>
@@ -3249,43 +4513,46 @@
           <a:chExt cx="0" cy="0"/>
         </a:xfrm>
       </p:grpSpPr>
+      <p:sp>
+        <p:nvSpPr>
+          <p:cNvPr id="2" name="Title 1"/>
+          <p:cNvSpPr>
+            <a:spLocks noGrp="1"/>
+          </p:cNvSpPr>
+          <p:nvPr>
+            <p:ph type="title"/>
+          </p:nvPr>
+        </p:nvSpPr>
+        <p:spPr/>
+        <p:txBody>
+          <a:bodyPr/>
+          <a:lstStyle/>
+          <a:p>
+            <a:r>
+              <a:rPr lang="sv-SE" dirty="0" err="1" smtClean="0"/>
+              <a:t>Friction</a:t>
+            </a:r>
+            <a:r>
+              <a:rPr lang="sv-SE" dirty="0" smtClean="0"/>
+              <a:t> </a:t>
+            </a:r>
+            <a:r>
+              <a:rPr lang="sv-SE" dirty="0" err="1" smtClean="0"/>
+              <a:t>models</a:t>
+            </a:r>
+            <a:endParaRPr lang="sv-SE" dirty="0"/>
+          </a:p>
+        </p:txBody>
+      </p:sp>
       <p:pic>
         <p:nvPicPr>
-          <p:cNvPr id="5" name="Picture 4" descr="Screen Shot 2016-04-26 at 14.44.30.png"/>
+          <p:cNvPr id="4" name="Content Placeholder 3"/>
           <p:cNvPicPr>
-            <a:picLocks noChangeAspect="1"/>
+            <a:picLocks noGrp="1" noChangeAspect="1"/>
           </p:cNvPicPr>
-          <p:nvPr/>
-        </p:nvPicPr>
-        <p:blipFill>
-          <a:blip r:embed="rId2">
-            <a:extLst>
-              <a:ext uri="{28A0092B-C50C-407E-A947-70E740481C1C}">
-                <a14:useLocalDpi xmlns:a14="http://schemas.microsoft.com/office/drawing/2010/main" val="0"/>
-              </a:ext>
-            </a:extLst>
-          </a:blip>
-          <a:stretch>
-            <a:fillRect/>
-          </a:stretch>
-        </p:blipFill>
-        <p:spPr>
-          <a:xfrm>
-            <a:off x="0" y="0"/>
-            <a:ext cx="9144000" cy="2372980"/>
-          </a:xfrm>
-          <a:prstGeom prst="rect">
-            <a:avLst/>
-          </a:prstGeom>
-        </p:spPr>
-      </p:pic>
-      <p:pic>
-        <p:nvPicPr>
-          <p:cNvPr id="6" name="Picture 5" descr="Screen Shot 2016-04-26 at 14.50.37.png"/>
-          <p:cNvPicPr>
-            <a:picLocks noChangeAspect="1"/>
-          </p:cNvPicPr>
-          <p:nvPr/>
+          <p:nvPr>
+            <p:ph idx="1"/>
+          </p:nvPr>
         </p:nvPicPr>
         <p:blipFill>
           <a:blip r:embed="rId3">
@@ -3301,108 +4568,123 @@
         </p:blipFill>
         <p:spPr>
           <a:xfrm>
-            <a:off x="0" y="5478759"/>
-            <a:ext cx="4940300" cy="1193800"/>
+            <a:off x="1504522" y="2069693"/>
+            <a:ext cx="6134956" cy="2276793"/>
+          </a:xfrm>
+        </p:spPr>
+      </p:pic>
+      <p:sp>
+        <p:nvSpPr>
+          <p:cNvPr id="5" name="TextBox 4"/>
+          <p:cNvSpPr txBox="1"/>
+          <p:nvPr/>
+        </p:nvSpPr>
+        <p:spPr>
+          <a:xfrm>
+            <a:off x="1504522" y="4346486"/>
+            <a:ext cx="2715905" cy="369332"/>
           </a:xfrm>
           <a:prstGeom prst="rect">
             <a:avLst/>
           </a:prstGeom>
+          <a:noFill/>
         </p:spPr>
-      </p:pic>
-      <p:pic>
-        <p:nvPicPr>
-          <p:cNvPr id="7" name="Picture 6" descr="Screen Shot 2016-04-26 at 14.50.31.png"/>
-          <p:cNvPicPr>
-            <a:picLocks noChangeAspect="1"/>
-          </p:cNvPicPr>
+        <p:txBody>
+          <a:bodyPr wrap="square" rtlCol="0">
+            <a:spAutoFit/>
+          </a:bodyPr>
+          <a:lstStyle/>
+          <a:p>
+            <a:r>
+              <a:rPr lang="sv-SE" dirty="0"/>
+              <a:t>a) </a:t>
+            </a:r>
+            <a:r>
+              <a:rPr lang="sv-SE" dirty="0" err="1" smtClean="0"/>
+              <a:t>Coulomb</a:t>
+            </a:r>
+            <a:r>
+              <a:rPr lang="sv-SE" dirty="0" smtClean="0"/>
+              <a:t> </a:t>
+            </a:r>
+            <a:r>
+              <a:rPr lang="sv-SE" dirty="0" err="1" smtClean="0"/>
+              <a:t>friction</a:t>
+            </a:r>
+            <a:r>
+              <a:rPr lang="sv-SE" dirty="0" smtClean="0"/>
+              <a:t> </a:t>
+            </a:r>
+            <a:r>
+              <a:rPr lang="sv-SE" dirty="0" err="1"/>
+              <a:t>model</a:t>
+            </a:r>
+            <a:endParaRPr lang="sv-SE" dirty="0"/>
+          </a:p>
+        </p:txBody>
+      </p:sp>
+      <p:sp>
+        <p:nvSpPr>
+          <p:cNvPr id="6" name="TextBox 5"/>
+          <p:cNvSpPr txBox="1"/>
           <p:nvPr/>
-        </p:nvPicPr>
-        <p:blipFill>
-          <a:blip r:embed="rId4">
-            <a:extLst>
-              <a:ext uri="{28A0092B-C50C-407E-A947-70E740481C1C}">
-                <a14:useLocalDpi xmlns:a14="http://schemas.microsoft.com/office/drawing/2010/main" val="0"/>
-              </a:ext>
-            </a:extLst>
-          </a:blip>
-          <a:stretch>
-            <a:fillRect/>
-          </a:stretch>
-        </p:blipFill>
+        </p:nvSpPr>
         <p:spPr>
           <a:xfrm>
-            <a:off x="3101752" y="4864371"/>
-            <a:ext cx="5511800" cy="546100"/>
+            <a:off x="4823202" y="4368906"/>
+            <a:ext cx="2715905" cy="646331"/>
           </a:xfrm>
           <a:prstGeom prst="rect">
             <a:avLst/>
           </a:prstGeom>
+          <a:noFill/>
         </p:spPr>
-      </p:pic>
-      <p:pic>
-        <p:nvPicPr>
-          <p:cNvPr id="8" name="Picture 7" descr="Screen Shot 2016-04-26 at 14.50.24.png"/>
-          <p:cNvPicPr>
-            <a:picLocks noChangeAspect="1"/>
-          </p:cNvPicPr>
-          <p:nvPr/>
-        </p:nvPicPr>
-        <p:blipFill>
-          <a:blip r:embed="rId5">
-            <a:extLst>
-              <a:ext uri="{28A0092B-C50C-407E-A947-70E740481C1C}">
-                <a14:useLocalDpi xmlns:a14="http://schemas.microsoft.com/office/drawing/2010/main" val="0"/>
-              </a:ext>
-            </a:extLst>
-          </a:blip>
-          <a:stretch>
-            <a:fillRect/>
-          </a:stretch>
-        </p:blipFill>
-        <p:spPr>
-          <a:xfrm>
-            <a:off x="0" y="2294435"/>
-            <a:ext cx="9144000" cy="1086322"/>
-          </a:xfrm>
-          <a:prstGeom prst="rect">
-            <a:avLst/>
-          </a:prstGeom>
-        </p:spPr>
-      </p:pic>
-      <p:pic>
-        <p:nvPicPr>
-          <p:cNvPr id="9" name="Picture 8" descr="Screen Shot 2016-04-26 at 14.46.42.png"/>
-          <p:cNvPicPr>
-            <a:picLocks noChangeAspect="1"/>
-          </p:cNvPicPr>
-          <p:nvPr/>
-        </p:nvPicPr>
-        <p:blipFill>
-          <a:blip r:embed="rId6">
-            <a:extLst>
-              <a:ext uri="{28A0092B-C50C-407E-A947-70E740481C1C}">
-                <a14:useLocalDpi xmlns:a14="http://schemas.microsoft.com/office/drawing/2010/main" val="0"/>
-              </a:ext>
-            </a:extLst>
-          </a:blip>
-          <a:stretch>
-            <a:fillRect/>
-          </a:stretch>
-        </p:blipFill>
-        <p:spPr>
-          <a:xfrm>
-            <a:off x="0" y="3380757"/>
-            <a:ext cx="9144000" cy="1441302"/>
-          </a:xfrm>
-          <a:prstGeom prst="rect">
-            <a:avLst/>
-          </a:prstGeom>
-        </p:spPr>
-      </p:pic>
+        <p:txBody>
+          <a:bodyPr wrap="square" rtlCol="0">
+            <a:spAutoFit/>
+          </a:bodyPr>
+          <a:lstStyle/>
+          <a:p>
+            <a:r>
+              <a:rPr lang="sv-SE" dirty="0" smtClean="0"/>
+              <a:t>b) </a:t>
+            </a:r>
+            <a:r>
+              <a:rPr lang="sv-SE" dirty="0" err="1" smtClean="0"/>
+              <a:t>Coulomb</a:t>
+            </a:r>
+            <a:r>
+              <a:rPr lang="sv-SE" dirty="0" smtClean="0"/>
+              <a:t> + </a:t>
+            </a:r>
+            <a:r>
+              <a:rPr lang="sv-SE" dirty="0" err="1" smtClean="0"/>
+              <a:t>viscosity</a:t>
+            </a:r>
+            <a:r>
+              <a:rPr lang="sv-SE" dirty="0" smtClean="0"/>
+              <a:t> </a:t>
+            </a:r>
+            <a:r>
+              <a:rPr lang="sv-SE" dirty="0" err="1" smtClean="0"/>
+              <a:t>friction</a:t>
+            </a:r>
+            <a:r>
+              <a:rPr lang="sv-SE" dirty="0" smtClean="0"/>
+              <a:t> </a:t>
+            </a:r>
+            <a:r>
+              <a:rPr lang="sv-SE" dirty="0" err="1"/>
+              <a:t>model</a:t>
+            </a:r>
+            <a:endParaRPr lang="sv-SE" dirty="0"/>
+          </a:p>
+        </p:txBody>
+      </p:sp>
     </p:spTree>
     <p:extLst>
       <p:ext uri="{BB962C8B-B14F-4D97-AF65-F5344CB8AC3E}">
-        <p14:creationId xmlns:p14="http://schemas.microsoft.com/office/powerpoint/2010/main" val="4122852477"/>
+        <p14:creationId xmlns:p14="http://schemas.microsoft.com/office/powerpoint/2010/main" val="1192806272"/>
       </p:ext>
     </p:extLst>
   </p:cSld>
@@ -3441,12 +4723,14 @@
         </p:nvSpPr>
         <p:spPr/>
         <p:txBody>
-          <a:bodyPr/>
+          <a:bodyPr>
+            <a:normAutofit fontScale="90000"/>
+          </a:bodyPr>
           <a:lstStyle/>
           <a:p>
             <a:r>
               <a:rPr lang="sv-SE" dirty="0" err="1" smtClean="0"/>
-              <a:t>Friction</a:t>
+              <a:t>Estimated</a:t>
             </a:r>
             <a:r>
               <a:rPr lang="sv-SE" dirty="0" smtClean="0"/>
@@ -3454,7 +4738,15 @@
             </a:r>
             <a:r>
               <a:rPr lang="sv-SE" dirty="0" err="1" smtClean="0"/>
-              <a:t>models</a:t>
+              <a:t>friction</a:t>
+            </a:r>
+            <a:r>
+              <a:rPr lang="sv-SE" dirty="0" smtClean="0"/>
+              <a:t> for different </a:t>
+            </a:r>
+            <a:r>
+              <a:rPr lang="sv-SE" dirty="0" err="1" smtClean="0"/>
+              <a:t>velocities</a:t>
             </a:r>
             <a:endParaRPr lang="sv-SE" dirty="0"/>
           </a:p>
@@ -3462,7 +4754,7 @@
       </p:sp>
       <p:pic>
         <p:nvPicPr>
-          <p:cNvPr id="4" name="Content Placeholder 3"/>
+          <p:cNvPr id="6" name="Content Placeholder 5"/>
           <p:cNvPicPr>
             <a:picLocks noGrp="1" noChangeAspect="1"/>
           </p:cNvPicPr>
@@ -3471,7 +4763,7 @@
           </p:nvPr>
         </p:nvPicPr>
         <p:blipFill>
-          <a:blip r:embed="rId2">
+          <a:blip r:embed="rId3">
             <a:extLst>
               <a:ext uri="{28A0092B-C50C-407E-A947-70E740481C1C}">
                 <a14:useLocalDpi xmlns:a14="http://schemas.microsoft.com/office/drawing/2010/main" val="0"/>
@@ -3484,123 +4776,15 @@
         </p:blipFill>
         <p:spPr>
           <a:xfrm>
-            <a:off x="1504522" y="2069693"/>
-            <a:ext cx="6134956" cy="2276793"/>
+            <a:off x="1359189" y="1600200"/>
+            <a:ext cx="6425621" cy="4525963"/>
           </a:xfrm>
         </p:spPr>
       </p:pic>
-      <p:sp>
-        <p:nvSpPr>
-          <p:cNvPr id="5" name="TextBox 4"/>
-          <p:cNvSpPr txBox="1"/>
-          <p:nvPr/>
-        </p:nvSpPr>
-        <p:spPr>
-          <a:xfrm>
-            <a:off x="1504522" y="4346486"/>
-            <a:ext cx="2715905" cy="369332"/>
-          </a:xfrm>
-          <a:prstGeom prst="rect">
-            <a:avLst/>
-          </a:prstGeom>
-          <a:noFill/>
-        </p:spPr>
-        <p:txBody>
-          <a:bodyPr wrap="square" rtlCol="0">
-            <a:spAutoFit/>
-          </a:bodyPr>
-          <a:lstStyle/>
-          <a:p>
-            <a:r>
-              <a:rPr lang="sv-SE" dirty="0"/>
-              <a:t>a) </a:t>
-            </a:r>
-            <a:r>
-              <a:rPr lang="sv-SE" dirty="0" err="1" smtClean="0"/>
-              <a:t>Coulomb</a:t>
-            </a:r>
-            <a:r>
-              <a:rPr lang="sv-SE" dirty="0" smtClean="0"/>
-              <a:t> </a:t>
-            </a:r>
-            <a:r>
-              <a:rPr lang="sv-SE" dirty="0" err="1" smtClean="0"/>
-              <a:t>friction</a:t>
-            </a:r>
-            <a:r>
-              <a:rPr lang="sv-SE" dirty="0" smtClean="0"/>
-              <a:t> </a:t>
-            </a:r>
-            <a:r>
-              <a:rPr lang="sv-SE" dirty="0" err="1"/>
-              <a:t>model</a:t>
-            </a:r>
-            <a:endParaRPr lang="sv-SE" dirty="0"/>
-          </a:p>
-        </p:txBody>
-      </p:sp>
-      <p:sp>
-        <p:nvSpPr>
-          <p:cNvPr id="6" name="TextBox 5"/>
-          <p:cNvSpPr txBox="1"/>
-          <p:nvPr/>
-        </p:nvSpPr>
-        <p:spPr>
-          <a:xfrm>
-            <a:off x="4823202" y="4368906"/>
-            <a:ext cx="2715905" cy="646331"/>
-          </a:xfrm>
-          <a:prstGeom prst="rect">
-            <a:avLst/>
-          </a:prstGeom>
-          <a:noFill/>
-        </p:spPr>
-        <p:txBody>
-          <a:bodyPr wrap="square" rtlCol="0">
-            <a:spAutoFit/>
-          </a:bodyPr>
-          <a:lstStyle/>
-          <a:p>
-            <a:r>
-              <a:rPr lang="sv-SE" dirty="0" smtClean="0"/>
-              <a:t>b) </a:t>
-            </a:r>
-            <a:r>
-              <a:rPr lang="sv-SE" dirty="0" err="1" smtClean="0"/>
-              <a:t>Coulomb</a:t>
-            </a:r>
-            <a:r>
-              <a:rPr lang="sv-SE" dirty="0" smtClean="0"/>
-              <a:t> + </a:t>
-            </a:r>
-            <a:r>
-              <a:rPr lang="sv-SE" dirty="0" err="1" smtClean="0"/>
-              <a:t>viscosity</a:t>
-            </a:r>
-            <a:r>
-              <a:rPr lang="sv-SE" dirty="0" smtClean="0"/>
-              <a:t> </a:t>
-            </a:r>
-            <a:r>
-              <a:rPr lang="sv-SE" dirty="0" err="1" smtClean="0"/>
-              <a:t>friction</a:t>
-            </a:r>
-            <a:r>
-              <a:rPr lang="sv-SE" dirty="0" smtClean="0"/>
-              <a:t> </a:t>
-            </a:r>
-            <a:r>
-              <a:rPr lang="sv-SE" dirty="0" err="1"/>
-              <a:t>model</a:t>
-            </a:r>
-            <a:endParaRPr lang="sv-SE" dirty="0"/>
-          </a:p>
-        </p:txBody>
-      </p:sp>
     </p:spTree>
     <p:extLst>
       <p:ext uri="{BB962C8B-B14F-4D97-AF65-F5344CB8AC3E}">
-        <p14:creationId xmlns:p14="http://schemas.microsoft.com/office/powerpoint/2010/main" val="1192806272"/>
+        <p14:creationId xmlns:p14="http://schemas.microsoft.com/office/powerpoint/2010/main" val="642465502"/>
       </p:ext>
     </p:extLst>
   </p:cSld>
@@ -3627,56 +4811,396 @@
           <a:chExt cx="0" cy="0"/>
         </a:xfrm>
       </p:grpSpPr>
-      <p:sp>
-        <p:nvSpPr>
-          <p:cNvPr id="2" name="Title 1"/>
-          <p:cNvSpPr>
-            <a:spLocks noGrp="1"/>
-          </p:cNvSpPr>
-          <p:nvPr>
-            <p:ph type="title"/>
-          </p:nvPr>
-        </p:nvSpPr>
-        <p:spPr/>
-        <p:txBody>
-          <a:bodyPr>
-            <a:normAutofit fontScale="90000"/>
-          </a:bodyPr>
-          <a:lstStyle/>
-          <a:p>
-            <a:r>
-              <a:rPr lang="sv-SE" dirty="0" err="1" smtClean="0"/>
-              <a:t>Estimated</a:t>
-            </a:r>
-            <a:r>
-              <a:rPr lang="sv-SE" dirty="0" smtClean="0"/>
-              <a:t> </a:t>
-            </a:r>
-            <a:r>
-              <a:rPr lang="sv-SE" dirty="0" err="1" smtClean="0"/>
-              <a:t>friction</a:t>
-            </a:r>
-            <a:r>
-              <a:rPr lang="sv-SE" dirty="0" smtClean="0"/>
-              <a:t> for different </a:t>
-            </a:r>
-            <a:r>
-              <a:rPr lang="sv-SE" dirty="0" err="1" smtClean="0"/>
-              <a:t>velocities</a:t>
-            </a:r>
-            <a:endParaRPr lang="sv-SE" dirty="0"/>
-          </a:p>
-        </p:txBody>
-      </p:sp>
       <p:pic>
         <p:nvPicPr>
-          <p:cNvPr id="6" name="Content Placeholder 5"/>
+          <p:cNvPr id="4" name="Picture 3" descr="Screen Shot 2016-04-26 at 14.44.30.png"/>
           <p:cNvPicPr>
-            <a:picLocks noGrp="1" noChangeAspect="1"/>
+            <a:picLocks noChangeAspect="1"/>
           </p:cNvPicPr>
-          <p:nvPr>
-            <p:ph idx="1"/>
-          </p:nvPr>
+          <p:nvPr/>
+        </p:nvPicPr>
+        <p:blipFill>
+          <a:blip r:embed="rId3">
+            <a:extLst>
+              <a:ext uri="{28A0092B-C50C-407E-A947-70E740481C1C}">
+                <a14:useLocalDpi xmlns:a14="http://schemas.microsoft.com/office/drawing/2010/main" val="0"/>
+              </a:ext>
+            </a:extLst>
+          </a:blip>
+          <a:stretch>
+            <a:fillRect/>
+          </a:stretch>
+        </p:blipFill>
+        <p:spPr>
+          <a:xfrm>
+            <a:off x="869869" y="3429266"/>
+            <a:ext cx="7363044" cy="1910800"/>
+          </a:xfrm>
+          <a:prstGeom prst="rect">
+            <a:avLst/>
+          </a:prstGeom>
+        </p:spPr>
+      </p:pic>
+      <p:sp>
+        <p:nvSpPr>
+          <p:cNvPr id="5" name="TextBox 4"/>
+          <p:cNvSpPr txBox="1"/>
+          <p:nvPr/>
+        </p:nvSpPr>
+        <p:spPr>
+          <a:xfrm>
+            <a:off x="2889876" y="2674357"/>
+            <a:ext cx="3970433" cy="646331"/>
+          </a:xfrm>
+          <a:prstGeom prst="rect">
+            <a:avLst/>
+          </a:prstGeom>
+          <a:noFill/>
+        </p:spPr>
+        <p:txBody>
+          <a:bodyPr wrap="square" rtlCol="0">
+            <a:spAutoFit/>
+          </a:bodyPr>
+          <a:lstStyle/>
+          <a:p>
+            <a:r>
+              <a:rPr lang="en-US" sz="3600" u="sng" dirty="0" smtClean="0"/>
+              <a:t>Linearized model</a:t>
+            </a:r>
+            <a:endParaRPr lang="en-US" sz="3600" u="sng" dirty="0"/>
+          </a:p>
+        </p:txBody>
+      </p:sp>
+      <p:pic>
+        <p:nvPicPr>
+          <p:cNvPr id="8" name="Picture 7" descr="Screen Shot 2016-04-27 at 10.58.37.png"/>
+          <p:cNvPicPr>
+            <a:picLocks noChangeAspect="1"/>
+          </p:cNvPicPr>
+          <p:nvPr/>
+        </p:nvPicPr>
+        <p:blipFill>
+          <a:blip r:embed="rId4">
+            <a:extLst>
+              <a:ext uri="{28A0092B-C50C-407E-A947-70E740481C1C}">
+                <a14:useLocalDpi xmlns:a14="http://schemas.microsoft.com/office/drawing/2010/main" val="0"/>
+              </a:ext>
+            </a:extLst>
+          </a:blip>
+          <a:stretch>
+            <a:fillRect/>
+          </a:stretch>
+        </p:blipFill>
+        <p:spPr>
+          <a:xfrm>
+            <a:off x="0" y="1212272"/>
+            <a:ext cx="9144000" cy="1391656"/>
+          </a:xfrm>
+          <a:prstGeom prst="rect">
+            <a:avLst/>
+          </a:prstGeom>
+        </p:spPr>
+      </p:pic>
+      <p:sp>
+        <p:nvSpPr>
+          <p:cNvPr id="9" name="TextBox 8"/>
+          <p:cNvSpPr txBox="1"/>
+          <p:nvPr/>
+        </p:nvSpPr>
+        <p:spPr>
+          <a:xfrm>
+            <a:off x="2488095" y="390665"/>
+            <a:ext cx="3970433" cy="646331"/>
+          </a:xfrm>
+          <a:prstGeom prst="rect">
+            <a:avLst/>
+          </a:prstGeom>
+          <a:noFill/>
+        </p:spPr>
+        <p:txBody>
+          <a:bodyPr wrap="square" rtlCol="0">
+            <a:spAutoFit/>
+          </a:bodyPr>
+          <a:lstStyle/>
+          <a:p>
+            <a:r>
+              <a:rPr lang="en-US" sz="3600" u="sng" dirty="0" smtClean="0"/>
+              <a:t>Simplified dynamics</a:t>
+            </a:r>
+            <a:endParaRPr lang="en-US" sz="3600" u="sng" dirty="0"/>
+          </a:p>
+        </p:txBody>
+      </p:sp>
+    </p:spTree>
+    <p:extLst>
+      <p:ext uri="{BB962C8B-B14F-4D97-AF65-F5344CB8AC3E}">
+        <p14:creationId xmlns:p14="http://schemas.microsoft.com/office/powerpoint/2010/main" val="4267723041"/>
+      </p:ext>
+    </p:extLst>
+  </p:cSld>
+  <p:clrMapOvr>
+    <a:masterClrMapping/>
+  </p:clrMapOvr>
+</p:sld>
+</file>
+
+<file path=ppt/slides/slide5.xml><?xml version="1.0" encoding="utf-8"?>
+<p:sld xmlns:a="http://schemas.openxmlformats.org/drawingml/2006/main" xmlns:r="http://schemas.openxmlformats.org/officeDocument/2006/relationships" xmlns:p="http://schemas.openxmlformats.org/presentationml/2006/main">
+  <p:cSld>
+    <p:spTree>
+      <p:nvGrpSpPr>
+        <p:cNvPr id="1" name=""/>
+        <p:cNvGrpSpPr/>
+        <p:nvPr/>
+      </p:nvGrpSpPr>
+      <p:grpSpPr>
+        <a:xfrm>
+          <a:off x="0" y="0"/>
+          <a:ext cx="0" cy="0"/>
+          <a:chOff x="0" y="0"/>
+          <a:chExt cx="0" cy="0"/>
+        </a:xfrm>
+      </p:grpSpPr>
+      <p:pic>
+        <p:nvPicPr>
+          <p:cNvPr id="4" name="Picture 3" descr="Screen Shot 2016-04-26 at 14.46.42.png"/>
+          <p:cNvPicPr>
+            <a:picLocks noChangeAspect="1"/>
+          </p:cNvPicPr>
+          <p:nvPr/>
+        </p:nvPicPr>
+        <p:blipFill>
+          <a:blip r:embed="rId3">
+            <a:extLst>
+              <a:ext uri="{28A0092B-C50C-407E-A947-70E740481C1C}">
+                <a14:useLocalDpi xmlns:a14="http://schemas.microsoft.com/office/drawing/2010/main" val="0"/>
+              </a:ext>
+            </a:extLst>
+          </a:blip>
+          <a:stretch>
+            <a:fillRect/>
+          </a:stretch>
+        </p:blipFill>
+        <p:spPr>
+          <a:xfrm>
+            <a:off x="473364" y="1164029"/>
+            <a:ext cx="8094367" cy="1275856"/>
+          </a:xfrm>
+          <a:prstGeom prst="rect">
+            <a:avLst/>
+          </a:prstGeom>
+        </p:spPr>
+      </p:pic>
+      <p:sp>
+        <p:nvSpPr>
+          <p:cNvPr id="5" name="TextBox 4"/>
+          <p:cNvSpPr txBox="1"/>
+          <p:nvPr/>
+        </p:nvSpPr>
+        <p:spPr>
+          <a:xfrm>
+            <a:off x="2589694" y="184032"/>
+            <a:ext cx="3610215" cy="646331"/>
+          </a:xfrm>
+          <a:prstGeom prst="rect">
+            <a:avLst/>
+          </a:prstGeom>
+          <a:noFill/>
+        </p:spPr>
+        <p:txBody>
+          <a:bodyPr wrap="square" rtlCol="0">
+            <a:spAutoFit/>
+          </a:bodyPr>
+          <a:lstStyle/>
+          <a:p>
+            <a:r>
+              <a:rPr lang="en-US" sz="3600" u="sng" dirty="0" smtClean="0"/>
+              <a:t>Discretized model</a:t>
+            </a:r>
+            <a:endParaRPr lang="en-US" sz="3600" u="sng" dirty="0"/>
+          </a:p>
+        </p:txBody>
+      </p:sp>
+      <p:sp>
+        <p:nvSpPr>
+          <p:cNvPr id="6" name="TextBox 5"/>
+          <p:cNvSpPr txBox="1"/>
+          <p:nvPr/>
+        </p:nvSpPr>
+        <p:spPr>
+          <a:xfrm>
+            <a:off x="2589694" y="2872766"/>
+            <a:ext cx="3388668" cy="584776"/>
+          </a:xfrm>
+          <a:prstGeom prst="rect">
+            <a:avLst/>
+          </a:prstGeom>
+          <a:noFill/>
+        </p:spPr>
+        <p:txBody>
+          <a:bodyPr wrap="none" rtlCol="0">
+            <a:spAutoFit/>
+          </a:bodyPr>
+          <a:lstStyle/>
+          <a:p>
+            <a:r>
+              <a:rPr lang="en-US" sz="3200" u="sng" dirty="0" smtClean="0"/>
+              <a:t>Model with friction</a:t>
+            </a:r>
+            <a:endParaRPr lang="en-US" sz="3200" u="sng" dirty="0"/>
+          </a:p>
+        </p:txBody>
+      </p:sp>
+      <p:pic>
+        <p:nvPicPr>
+          <p:cNvPr id="7" name="Picture 6" descr="Screen Shot 2016-04-26 at 14.50.31.png"/>
+          <p:cNvPicPr>
+            <a:picLocks noChangeAspect="1"/>
+          </p:cNvPicPr>
+          <p:nvPr/>
+        </p:nvPicPr>
+        <p:blipFill>
+          <a:blip r:embed="rId4">
+            <a:extLst>
+              <a:ext uri="{28A0092B-C50C-407E-A947-70E740481C1C}">
+                <a14:useLocalDpi xmlns:a14="http://schemas.microsoft.com/office/drawing/2010/main" val="0"/>
+              </a:ext>
+            </a:extLst>
+          </a:blip>
+          <a:stretch>
+            <a:fillRect/>
+          </a:stretch>
+        </p:blipFill>
+        <p:spPr>
+          <a:xfrm>
+            <a:off x="1876163" y="3457542"/>
+            <a:ext cx="4573127" cy="546100"/>
+          </a:xfrm>
+          <a:prstGeom prst="rect">
+            <a:avLst/>
+          </a:prstGeom>
+        </p:spPr>
+      </p:pic>
+      <p:pic>
+        <p:nvPicPr>
+          <p:cNvPr id="9" name="Picture 8" descr="Screen Shot 2016-04-26 at 14.50.24.png"/>
+          <p:cNvPicPr>
+            <a:picLocks noChangeAspect="1"/>
+          </p:cNvPicPr>
+          <p:nvPr/>
+        </p:nvPicPr>
+        <p:blipFill>
+          <a:blip r:embed="rId5">
+            <a:extLst>
+              <a:ext uri="{28A0092B-C50C-407E-A947-70E740481C1C}">
+                <a14:useLocalDpi xmlns:a14="http://schemas.microsoft.com/office/drawing/2010/main" val="0"/>
+              </a:ext>
+            </a:extLst>
+          </a:blip>
+          <a:stretch>
+            <a:fillRect/>
+          </a:stretch>
+        </p:blipFill>
+        <p:spPr>
+          <a:xfrm>
+            <a:off x="0" y="5206711"/>
+            <a:ext cx="9144000" cy="1086322"/>
+          </a:xfrm>
+          <a:prstGeom prst="rect">
+            <a:avLst/>
+          </a:prstGeom>
+        </p:spPr>
+      </p:pic>
+      <p:sp>
+        <p:nvSpPr>
+          <p:cNvPr id="10" name="TextBox 9"/>
+          <p:cNvSpPr txBox="1"/>
+          <p:nvPr/>
+        </p:nvSpPr>
+        <p:spPr>
+          <a:xfrm>
+            <a:off x="1738745" y="4441615"/>
+            <a:ext cx="5647900" cy="584776"/>
+          </a:xfrm>
+          <a:prstGeom prst="rect">
+            <a:avLst/>
+          </a:prstGeom>
+          <a:noFill/>
+        </p:spPr>
+        <p:txBody>
+          <a:bodyPr wrap="none" rtlCol="0">
+            <a:spAutoFit/>
+          </a:bodyPr>
+          <a:lstStyle/>
+          <a:p>
+            <a:r>
+              <a:rPr lang="en-US" sz="3200" u="sng" dirty="0" smtClean="0"/>
+              <a:t>Recursive least squares equation</a:t>
+            </a:r>
+            <a:endParaRPr lang="en-US" sz="3200" u="sng" dirty="0"/>
+          </a:p>
+        </p:txBody>
+      </p:sp>
+    </p:spTree>
+    <p:extLst>
+      <p:ext uri="{BB962C8B-B14F-4D97-AF65-F5344CB8AC3E}">
+        <p14:creationId xmlns:p14="http://schemas.microsoft.com/office/powerpoint/2010/main" val="136658422"/>
+      </p:ext>
+    </p:extLst>
+  </p:cSld>
+  <p:clrMapOvr>
+    <a:masterClrMapping/>
+  </p:clrMapOvr>
+</p:sld>
+</file>
+
+<file path=ppt/slides/slide6.xml><?xml version="1.0" encoding="utf-8"?>
+<p:sld xmlns:a="http://schemas.openxmlformats.org/drawingml/2006/main" xmlns:r="http://schemas.openxmlformats.org/officeDocument/2006/relationships" xmlns:p="http://schemas.openxmlformats.org/presentationml/2006/main">
+  <p:cSld>
+    <p:spTree>
+      <p:nvGrpSpPr>
+        <p:cNvPr id="1" name=""/>
+        <p:cNvGrpSpPr/>
+        <p:nvPr/>
+      </p:nvGrpSpPr>
+      <p:grpSpPr>
+        <a:xfrm>
+          <a:off x="0" y="0"/>
+          <a:ext cx="0" cy="0"/>
+          <a:chOff x="0" y="0"/>
+          <a:chExt cx="0" cy="0"/>
+        </a:xfrm>
+      </p:grpSpPr>
+      <p:sp>
+        <p:nvSpPr>
+          <p:cNvPr id="2" name="Title 1"/>
+          <p:cNvSpPr>
+            <a:spLocks noGrp="1"/>
+          </p:cNvSpPr>
+          <p:nvPr>
+            <p:ph type="title"/>
+          </p:nvPr>
+        </p:nvSpPr>
+        <p:spPr/>
+        <p:txBody>
+          <a:bodyPr/>
+          <a:lstStyle/>
+          <a:p>
+            <a:r>
+              <a:rPr lang="en-US" dirty="0" smtClean="0"/>
+              <a:t>RLS ALGORITHM</a:t>
+            </a:r>
+            <a:endParaRPr lang="en-US" dirty="0"/>
+          </a:p>
+        </p:txBody>
+      </p:sp>
+      <p:pic>
+        <p:nvPicPr>
+          <p:cNvPr id="4" name="Picture 3" descr="Screen Shot 2016-04-26 at 14.50.37.png"/>
+          <p:cNvPicPr>
+            <a:picLocks noChangeAspect="1"/>
+          </p:cNvPicPr>
+          <p:nvPr/>
         </p:nvPicPr>
         <p:blipFill>
           <a:blip r:embed="rId2">
@@ -3692,15 +5216,1521 @@
         </p:blipFill>
         <p:spPr>
           <a:xfrm>
-            <a:off x="1359189" y="1600200"/>
-            <a:ext cx="6425621" cy="4525963"/>
+            <a:off x="3212203" y="2300669"/>
+            <a:ext cx="3750709" cy="906341"/>
           </a:xfrm>
+          <a:prstGeom prst="rect">
+            <a:avLst/>
+          </a:prstGeom>
         </p:spPr>
       </p:pic>
     </p:spTree>
     <p:extLst>
       <p:ext uri="{BB962C8B-B14F-4D97-AF65-F5344CB8AC3E}">
-        <p14:creationId xmlns:p14="http://schemas.microsoft.com/office/powerpoint/2010/main" val="642465502"/>
+        <p14:creationId xmlns:p14="http://schemas.microsoft.com/office/powerpoint/2010/main" val="480822912"/>
+      </p:ext>
+    </p:extLst>
+  </p:cSld>
+  <p:clrMapOvr>
+    <a:masterClrMapping/>
+  </p:clrMapOvr>
+</p:sld>
+</file>
+
+<file path=ppt/slides/slide7.xml><?xml version="1.0" encoding="utf-8"?>
+<p:sld xmlns:a="http://schemas.openxmlformats.org/drawingml/2006/main" xmlns:r="http://schemas.openxmlformats.org/officeDocument/2006/relationships" xmlns:p="http://schemas.openxmlformats.org/presentationml/2006/main">
+  <p:cSld>
+    <p:spTree>
+      <p:nvGrpSpPr>
+        <p:cNvPr id="1" name=""/>
+        <p:cNvGrpSpPr/>
+        <p:nvPr/>
+      </p:nvGrpSpPr>
+      <p:grpSpPr>
+        <a:xfrm>
+          <a:off x="0" y="0"/>
+          <a:ext cx="0" cy="0"/>
+          <a:chOff x="0" y="0"/>
+          <a:chExt cx="0" cy="0"/>
+        </a:xfrm>
+      </p:grpSpPr>
+      <p:sp>
+        <p:nvSpPr>
+          <p:cNvPr id="2" name="Title 1"/>
+          <p:cNvSpPr>
+            <a:spLocks noGrp="1"/>
+          </p:cNvSpPr>
+          <p:nvPr>
+            <p:ph type="title"/>
+          </p:nvPr>
+        </p:nvSpPr>
+        <p:spPr/>
+        <p:txBody>
+          <a:bodyPr>
+            <a:noAutofit/>
+          </a:bodyPr>
+          <a:lstStyle/>
+          <a:p>
+            <a:r>
+              <a:rPr lang="en-US" sz="2800" u="sng" dirty="0" smtClean="0"/>
+              <a:t>Limit Cycles with and without friction compensation</a:t>
+            </a:r>
+            <a:endParaRPr lang="en-US" sz="2800" u="sng" dirty="0"/>
+          </a:p>
+        </p:txBody>
+      </p:sp>
+      <p:sp>
+        <p:nvSpPr>
+          <p:cNvPr id="4" name="Freeform 3"/>
+          <p:cNvSpPr/>
+          <p:nvPr/>
+        </p:nvSpPr>
+        <p:spPr>
+          <a:xfrm>
+            <a:off x="1985819" y="2032000"/>
+            <a:ext cx="4929702" cy="2759364"/>
+          </a:xfrm>
+          <a:custGeom>
+            <a:avLst/>
+            <a:gdLst>
+              <a:gd name="connsiteX0" fmla="*/ 0 w 4929702"/>
+              <a:gd name="connsiteY0" fmla="*/ 1477818 h 2759364"/>
+              <a:gd name="connsiteX1" fmla="*/ 23091 w 4929702"/>
+              <a:gd name="connsiteY1" fmla="*/ 1027545 h 2759364"/>
+              <a:gd name="connsiteX2" fmla="*/ 138545 w 4929702"/>
+              <a:gd name="connsiteY2" fmla="*/ 692727 h 2759364"/>
+              <a:gd name="connsiteX3" fmla="*/ 173182 w 4929702"/>
+              <a:gd name="connsiteY3" fmla="*/ 588818 h 2759364"/>
+              <a:gd name="connsiteX4" fmla="*/ 242454 w 4929702"/>
+              <a:gd name="connsiteY4" fmla="*/ 473364 h 2759364"/>
+              <a:gd name="connsiteX5" fmla="*/ 265545 w 4929702"/>
+              <a:gd name="connsiteY5" fmla="*/ 427182 h 2759364"/>
+              <a:gd name="connsiteX6" fmla="*/ 288636 w 4929702"/>
+              <a:gd name="connsiteY6" fmla="*/ 392545 h 2759364"/>
+              <a:gd name="connsiteX7" fmla="*/ 357909 w 4929702"/>
+              <a:gd name="connsiteY7" fmla="*/ 346364 h 2759364"/>
+              <a:gd name="connsiteX8" fmla="*/ 496454 w 4929702"/>
+              <a:gd name="connsiteY8" fmla="*/ 508000 h 2759364"/>
+              <a:gd name="connsiteX9" fmla="*/ 519545 w 4929702"/>
+              <a:gd name="connsiteY9" fmla="*/ 1477818 h 2759364"/>
+              <a:gd name="connsiteX10" fmla="*/ 531091 w 4929702"/>
+              <a:gd name="connsiteY10" fmla="*/ 1639455 h 2759364"/>
+              <a:gd name="connsiteX11" fmla="*/ 600363 w 4929702"/>
+              <a:gd name="connsiteY11" fmla="*/ 1939636 h 2759364"/>
+              <a:gd name="connsiteX12" fmla="*/ 658091 w 4929702"/>
+              <a:gd name="connsiteY12" fmla="*/ 2228273 h 2759364"/>
+              <a:gd name="connsiteX13" fmla="*/ 727363 w 4929702"/>
+              <a:gd name="connsiteY13" fmla="*/ 2401455 h 2759364"/>
+              <a:gd name="connsiteX14" fmla="*/ 785091 w 4929702"/>
+              <a:gd name="connsiteY14" fmla="*/ 2540000 h 2759364"/>
+              <a:gd name="connsiteX15" fmla="*/ 831272 w 4929702"/>
+              <a:gd name="connsiteY15" fmla="*/ 2643909 h 2759364"/>
+              <a:gd name="connsiteX16" fmla="*/ 935182 w 4929702"/>
+              <a:gd name="connsiteY16" fmla="*/ 2747818 h 2759364"/>
+              <a:gd name="connsiteX17" fmla="*/ 969818 w 4929702"/>
+              <a:gd name="connsiteY17" fmla="*/ 2759364 h 2759364"/>
+              <a:gd name="connsiteX18" fmla="*/ 1039091 w 4929702"/>
+              <a:gd name="connsiteY18" fmla="*/ 2690091 h 2759364"/>
+              <a:gd name="connsiteX19" fmla="*/ 1027545 w 4929702"/>
+              <a:gd name="connsiteY19" fmla="*/ 1928091 h 2759364"/>
+              <a:gd name="connsiteX20" fmla="*/ 992909 w 4929702"/>
+              <a:gd name="connsiteY20" fmla="*/ 1708727 h 2759364"/>
+              <a:gd name="connsiteX21" fmla="*/ 981363 w 4929702"/>
+              <a:gd name="connsiteY21" fmla="*/ 1593273 h 2759364"/>
+              <a:gd name="connsiteX22" fmla="*/ 958272 w 4929702"/>
+              <a:gd name="connsiteY22" fmla="*/ 1512455 h 2759364"/>
+              <a:gd name="connsiteX23" fmla="*/ 935182 w 4929702"/>
+              <a:gd name="connsiteY23" fmla="*/ 1420091 h 2759364"/>
+              <a:gd name="connsiteX24" fmla="*/ 923636 w 4929702"/>
+              <a:gd name="connsiteY24" fmla="*/ 1327727 h 2759364"/>
+              <a:gd name="connsiteX25" fmla="*/ 935182 w 4929702"/>
+              <a:gd name="connsiteY25" fmla="*/ 1016000 h 2759364"/>
+              <a:gd name="connsiteX26" fmla="*/ 958272 w 4929702"/>
+              <a:gd name="connsiteY26" fmla="*/ 923636 h 2759364"/>
+              <a:gd name="connsiteX27" fmla="*/ 969818 w 4929702"/>
+              <a:gd name="connsiteY27" fmla="*/ 865909 h 2759364"/>
+              <a:gd name="connsiteX28" fmla="*/ 992909 w 4929702"/>
+              <a:gd name="connsiteY28" fmla="*/ 808182 h 2759364"/>
+              <a:gd name="connsiteX29" fmla="*/ 1016000 w 4929702"/>
+              <a:gd name="connsiteY29" fmla="*/ 738909 h 2759364"/>
+              <a:gd name="connsiteX30" fmla="*/ 1027545 w 4929702"/>
+              <a:gd name="connsiteY30" fmla="*/ 669636 h 2759364"/>
+              <a:gd name="connsiteX31" fmla="*/ 1108363 w 4929702"/>
+              <a:gd name="connsiteY31" fmla="*/ 438727 h 2759364"/>
+              <a:gd name="connsiteX32" fmla="*/ 1177636 w 4929702"/>
+              <a:gd name="connsiteY32" fmla="*/ 300182 h 2759364"/>
+              <a:gd name="connsiteX33" fmla="*/ 1212272 w 4929702"/>
+              <a:gd name="connsiteY33" fmla="*/ 288636 h 2759364"/>
+              <a:gd name="connsiteX34" fmla="*/ 1304636 w 4929702"/>
+              <a:gd name="connsiteY34" fmla="*/ 357909 h 2759364"/>
+              <a:gd name="connsiteX35" fmla="*/ 1350818 w 4929702"/>
+              <a:gd name="connsiteY35" fmla="*/ 461818 h 2759364"/>
+              <a:gd name="connsiteX36" fmla="*/ 1466272 w 4929702"/>
+              <a:gd name="connsiteY36" fmla="*/ 865909 h 2759364"/>
+              <a:gd name="connsiteX37" fmla="*/ 1477818 w 4929702"/>
+              <a:gd name="connsiteY37" fmla="*/ 981364 h 2759364"/>
+              <a:gd name="connsiteX38" fmla="*/ 1489363 w 4929702"/>
+              <a:gd name="connsiteY38" fmla="*/ 1812636 h 2759364"/>
+              <a:gd name="connsiteX39" fmla="*/ 1512454 w 4929702"/>
+              <a:gd name="connsiteY39" fmla="*/ 1916545 h 2759364"/>
+              <a:gd name="connsiteX40" fmla="*/ 1558636 w 4929702"/>
+              <a:gd name="connsiteY40" fmla="*/ 1997364 h 2759364"/>
+              <a:gd name="connsiteX41" fmla="*/ 1616363 w 4929702"/>
+              <a:gd name="connsiteY41" fmla="*/ 2124364 h 2759364"/>
+              <a:gd name="connsiteX42" fmla="*/ 1651000 w 4929702"/>
+              <a:gd name="connsiteY42" fmla="*/ 2193636 h 2759364"/>
+              <a:gd name="connsiteX43" fmla="*/ 1662545 w 4929702"/>
+              <a:gd name="connsiteY43" fmla="*/ 2228273 h 2759364"/>
+              <a:gd name="connsiteX44" fmla="*/ 1720272 w 4929702"/>
+              <a:gd name="connsiteY44" fmla="*/ 2309091 h 2759364"/>
+              <a:gd name="connsiteX45" fmla="*/ 1789545 w 4929702"/>
+              <a:gd name="connsiteY45" fmla="*/ 2343727 h 2759364"/>
+              <a:gd name="connsiteX46" fmla="*/ 1928091 w 4929702"/>
+              <a:gd name="connsiteY46" fmla="*/ 2332182 h 2759364"/>
+              <a:gd name="connsiteX47" fmla="*/ 1951182 w 4929702"/>
+              <a:gd name="connsiteY47" fmla="*/ 2274455 h 2759364"/>
+              <a:gd name="connsiteX48" fmla="*/ 1939636 w 4929702"/>
+              <a:gd name="connsiteY48" fmla="*/ 2078182 h 2759364"/>
+              <a:gd name="connsiteX49" fmla="*/ 1905000 w 4929702"/>
+              <a:gd name="connsiteY49" fmla="*/ 2020455 h 2759364"/>
+              <a:gd name="connsiteX50" fmla="*/ 1858818 w 4929702"/>
+              <a:gd name="connsiteY50" fmla="*/ 1893455 h 2759364"/>
+              <a:gd name="connsiteX51" fmla="*/ 1835727 w 4929702"/>
+              <a:gd name="connsiteY51" fmla="*/ 1766455 h 2759364"/>
+              <a:gd name="connsiteX52" fmla="*/ 1812636 w 4929702"/>
+              <a:gd name="connsiteY52" fmla="*/ 1697182 h 2759364"/>
+              <a:gd name="connsiteX53" fmla="*/ 1824182 w 4929702"/>
+              <a:gd name="connsiteY53" fmla="*/ 1570182 h 2759364"/>
+              <a:gd name="connsiteX54" fmla="*/ 1916545 w 4929702"/>
+              <a:gd name="connsiteY54" fmla="*/ 1524000 h 2759364"/>
+              <a:gd name="connsiteX55" fmla="*/ 2008909 w 4929702"/>
+              <a:gd name="connsiteY55" fmla="*/ 1500909 h 2759364"/>
+              <a:gd name="connsiteX56" fmla="*/ 2101272 w 4929702"/>
+              <a:gd name="connsiteY56" fmla="*/ 1524000 h 2759364"/>
+              <a:gd name="connsiteX57" fmla="*/ 2135909 w 4929702"/>
+              <a:gd name="connsiteY57" fmla="*/ 1593273 h 2759364"/>
+              <a:gd name="connsiteX58" fmla="*/ 2228272 w 4929702"/>
+              <a:gd name="connsiteY58" fmla="*/ 1662545 h 2759364"/>
+              <a:gd name="connsiteX59" fmla="*/ 2274454 w 4929702"/>
+              <a:gd name="connsiteY59" fmla="*/ 1674091 h 2759364"/>
+              <a:gd name="connsiteX60" fmla="*/ 2355272 w 4929702"/>
+              <a:gd name="connsiteY60" fmla="*/ 1639455 h 2759364"/>
+              <a:gd name="connsiteX61" fmla="*/ 2389909 w 4929702"/>
+              <a:gd name="connsiteY61" fmla="*/ 1627909 h 2759364"/>
+              <a:gd name="connsiteX62" fmla="*/ 2424545 w 4929702"/>
+              <a:gd name="connsiteY62" fmla="*/ 1604818 h 2759364"/>
+              <a:gd name="connsiteX63" fmla="*/ 2459182 w 4929702"/>
+              <a:gd name="connsiteY63" fmla="*/ 1593273 h 2759364"/>
+              <a:gd name="connsiteX64" fmla="*/ 2516909 w 4929702"/>
+              <a:gd name="connsiteY64" fmla="*/ 1570182 h 2759364"/>
+              <a:gd name="connsiteX65" fmla="*/ 2620818 w 4929702"/>
+              <a:gd name="connsiteY65" fmla="*/ 1512455 h 2759364"/>
+              <a:gd name="connsiteX66" fmla="*/ 2724727 w 4929702"/>
+              <a:gd name="connsiteY66" fmla="*/ 1524000 h 2759364"/>
+              <a:gd name="connsiteX67" fmla="*/ 2805545 w 4929702"/>
+              <a:gd name="connsiteY67" fmla="*/ 1639455 h 2759364"/>
+              <a:gd name="connsiteX68" fmla="*/ 2874818 w 4929702"/>
+              <a:gd name="connsiteY68" fmla="*/ 1662545 h 2759364"/>
+              <a:gd name="connsiteX69" fmla="*/ 2955636 w 4929702"/>
+              <a:gd name="connsiteY69" fmla="*/ 1639455 h 2759364"/>
+              <a:gd name="connsiteX70" fmla="*/ 2978727 w 4929702"/>
+              <a:gd name="connsiteY70" fmla="*/ 1593273 h 2759364"/>
+              <a:gd name="connsiteX71" fmla="*/ 3059545 w 4929702"/>
+              <a:gd name="connsiteY71" fmla="*/ 1512455 h 2759364"/>
+              <a:gd name="connsiteX72" fmla="*/ 3128818 w 4929702"/>
+              <a:gd name="connsiteY72" fmla="*/ 1466273 h 2759364"/>
+              <a:gd name="connsiteX73" fmla="*/ 3209636 w 4929702"/>
+              <a:gd name="connsiteY73" fmla="*/ 1443182 h 2759364"/>
+              <a:gd name="connsiteX74" fmla="*/ 3221182 w 4929702"/>
+              <a:gd name="connsiteY74" fmla="*/ 1477818 h 2759364"/>
+              <a:gd name="connsiteX75" fmla="*/ 3209636 w 4929702"/>
+              <a:gd name="connsiteY75" fmla="*/ 1616364 h 2759364"/>
+              <a:gd name="connsiteX76" fmla="*/ 2967182 w 4929702"/>
+              <a:gd name="connsiteY76" fmla="*/ 1697182 h 2759364"/>
+              <a:gd name="connsiteX77" fmla="*/ 3071091 w 4929702"/>
+              <a:gd name="connsiteY77" fmla="*/ 1674091 h 2759364"/>
+              <a:gd name="connsiteX78" fmla="*/ 3175000 w 4929702"/>
+              <a:gd name="connsiteY78" fmla="*/ 1662545 h 2759364"/>
+              <a:gd name="connsiteX79" fmla="*/ 3521363 w 4929702"/>
+              <a:gd name="connsiteY79" fmla="*/ 1627909 h 2759364"/>
+              <a:gd name="connsiteX80" fmla="*/ 3590636 w 4929702"/>
+              <a:gd name="connsiteY80" fmla="*/ 1524000 h 2759364"/>
+              <a:gd name="connsiteX81" fmla="*/ 3694545 w 4929702"/>
+              <a:gd name="connsiteY81" fmla="*/ 1166091 h 2759364"/>
+              <a:gd name="connsiteX82" fmla="*/ 3752272 w 4929702"/>
+              <a:gd name="connsiteY82" fmla="*/ 854364 h 2759364"/>
+              <a:gd name="connsiteX83" fmla="*/ 3775363 w 4929702"/>
+              <a:gd name="connsiteY83" fmla="*/ 611909 h 2759364"/>
+              <a:gd name="connsiteX84" fmla="*/ 3798454 w 4929702"/>
+              <a:gd name="connsiteY84" fmla="*/ 473364 h 2759364"/>
+              <a:gd name="connsiteX85" fmla="*/ 3810000 w 4929702"/>
+              <a:gd name="connsiteY85" fmla="*/ 381000 h 2759364"/>
+              <a:gd name="connsiteX86" fmla="*/ 3856182 w 4929702"/>
+              <a:gd name="connsiteY86" fmla="*/ 184727 h 2759364"/>
+              <a:gd name="connsiteX87" fmla="*/ 3879272 w 4929702"/>
+              <a:gd name="connsiteY87" fmla="*/ 115455 h 2759364"/>
+              <a:gd name="connsiteX88" fmla="*/ 3925454 w 4929702"/>
+              <a:gd name="connsiteY88" fmla="*/ 23091 h 2759364"/>
+              <a:gd name="connsiteX89" fmla="*/ 3960091 w 4929702"/>
+              <a:gd name="connsiteY89" fmla="*/ 0 h 2759364"/>
+              <a:gd name="connsiteX90" fmla="*/ 3971636 w 4929702"/>
+              <a:gd name="connsiteY90" fmla="*/ 57727 h 2759364"/>
+              <a:gd name="connsiteX91" fmla="*/ 3994727 w 4929702"/>
+              <a:gd name="connsiteY91" fmla="*/ 300182 h 2759364"/>
+              <a:gd name="connsiteX92" fmla="*/ 4017818 w 4929702"/>
+              <a:gd name="connsiteY92" fmla="*/ 1258455 h 2759364"/>
+              <a:gd name="connsiteX93" fmla="*/ 4040909 w 4929702"/>
+              <a:gd name="connsiteY93" fmla="*/ 1466273 h 2759364"/>
+              <a:gd name="connsiteX94" fmla="*/ 4075545 w 4929702"/>
+              <a:gd name="connsiteY94" fmla="*/ 1905000 h 2759364"/>
+              <a:gd name="connsiteX95" fmla="*/ 4087091 w 4929702"/>
+              <a:gd name="connsiteY95" fmla="*/ 1974273 h 2759364"/>
+              <a:gd name="connsiteX96" fmla="*/ 4110182 w 4929702"/>
+              <a:gd name="connsiteY96" fmla="*/ 2124364 h 2759364"/>
+              <a:gd name="connsiteX97" fmla="*/ 4133272 w 4929702"/>
+              <a:gd name="connsiteY97" fmla="*/ 2216727 h 2759364"/>
+              <a:gd name="connsiteX98" fmla="*/ 4167909 w 4929702"/>
+              <a:gd name="connsiteY98" fmla="*/ 2424545 h 2759364"/>
+              <a:gd name="connsiteX99" fmla="*/ 4214091 w 4929702"/>
+              <a:gd name="connsiteY99" fmla="*/ 2528455 h 2759364"/>
+              <a:gd name="connsiteX100" fmla="*/ 4225636 w 4929702"/>
+              <a:gd name="connsiteY100" fmla="*/ 2563091 h 2759364"/>
+              <a:gd name="connsiteX101" fmla="*/ 4260272 w 4929702"/>
+              <a:gd name="connsiteY101" fmla="*/ 2574636 h 2759364"/>
+              <a:gd name="connsiteX102" fmla="*/ 4294909 w 4929702"/>
+              <a:gd name="connsiteY102" fmla="*/ 2563091 h 2759364"/>
+              <a:gd name="connsiteX103" fmla="*/ 4318000 w 4929702"/>
+              <a:gd name="connsiteY103" fmla="*/ 2516909 h 2759364"/>
+              <a:gd name="connsiteX104" fmla="*/ 4352636 w 4929702"/>
+              <a:gd name="connsiteY104" fmla="*/ 2459182 h 2759364"/>
+              <a:gd name="connsiteX105" fmla="*/ 4491182 w 4929702"/>
+              <a:gd name="connsiteY105" fmla="*/ 2182091 h 2759364"/>
+              <a:gd name="connsiteX106" fmla="*/ 4606636 w 4929702"/>
+              <a:gd name="connsiteY106" fmla="*/ 1858818 h 2759364"/>
+              <a:gd name="connsiteX107" fmla="*/ 4652818 w 4929702"/>
+              <a:gd name="connsiteY107" fmla="*/ 1685636 h 2759364"/>
+              <a:gd name="connsiteX108" fmla="*/ 4710545 w 4929702"/>
+              <a:gd name="connsiteY108" fmla="*/ 1443182 h 2759364"/>
+              <a:gd name="connsiteX109" fmla="*/ 4733636 w 4929702"/>
+              <a:gd name="connsiteY109" fmla="*/ 1350818 h 2759364"/>
+              <a:gd name="connsiteX110" fmla="*/ 4745182 w 4929702"/>
+              <a:gd name="connsiteY110" fmla="*/ 1246909 h 2759364"/>
+              <a:gd name="connsiteX111" fmla="*/ 4756727 w 4929702"/>
+              <a:gd name="connsiteY111" fmla="*/ 1062182 h 2759364"/>
+              <a:gd name="connsiteX112" fmla="*/ 4768272 w 4929702"/>
+              <a:gd name="connsiteY112" fmla="*/ 1004455 h 2759364"/>
+              <a:gd name="connsiteX113" fmla="*/ 4802909 w 4929702"/>
+              <a:gd name="connsiteY113" fmla="*/ 738909 h 2759364"/>
+              <a:gd name="connsiteX114" fmla="*/ 4814454 w 4929702"/>
+              <a:gd name="connsiteY114" fmla="*/ 669636 h 2759364"/>
+              <a:gd name="connsiteX115" fmla="*/ 4837545 w 4929702"/>
+              <a:gd name="connsiteY115" fmla="*/ 484909 h 2759364"/>
+              <a:gd name="connsiteX116" fmla="*/ 4860636 w 4929702"/>
+              <a:gd name="connsiteY116" fmla="*/ 369455 h 2759364"/>
+              <a:gd name="connsiteX117" fmla="*/ 4802909 w 4929702"/>
+              <a:gd name="connsiteY117" fmla="*/ 1708727 h 2759364"/>
+              <a:gd name="connsiteX118" fmla="*/ 4791363 w 4929702"/>
+              <a:gd name="connsiteY118" fmla="*/ 1893455 h 2759364"/>
+              <a:gd name="connsiteX119" fmla="*/ 4768272 w 4929702"/>
+              <a:gd name="connsiteY119" fmla="*/ 2055091 h 2759364"/>
+              <a:gd name="connsiteX120" fmla="*/ 4756727 w 4929702"/>
+              <a:gd name="connsiteY120" fmla="*/ 2193636 h 2759364"/>
+              <a:gd name="connsiteX121" fmla="*/ 4768272 w 4929702"/>
+              <a:gd name="connsiteY121" fmla="*/ 2563091 h 2759364"/>
+              <a:gd name="connsiteX122" fmla="*/ 4837545 w 4929702"/>
+              <a:gd name="connsiteY122" fmla="*/ 2274455 h 2759364"/>
+              <a:gd name="connsiteX123" fmla="*/ 4849091 w 4929702"/>
+              <a:gd name="connsiteY123" fmla="*/ 2124364 h 2759364"/>
+              <a:gd name="connsiteX124" fmla="*/ 4860636 w 4929702"/>
+              <a:gd name="connsiteY124" fmla="*/ 2032000 h 2759364"/>
+              <a:gd name="connsiteX125" fmla="*/ 4872182 w 4929702"/>
+              <a:gd name="connsiteY125" fmla="*/ 1928091 h 2759364"/>
+              <a:gd name="connsiteX126" fmla="*/ 4883727 w 4929702"/>
+              <a:gd name="connsiteY126" fmla="*/ 1662545 h 2759364"/>
+              <a:gd name="connsiteX127" fmla="*/ 4895272 w 4929702"/>
+              <a:gd name="connsiteY127" fmla="*/ 1350818 h 2759364"/>
+              <a:gd name="connsiteX128" fmla="*/ 4906818 w 4929702"/>
+              <a:gd name="connsiteY128" fmla="*/ 1189182 h 2759364"/>
+              <a:gd name="connsiteX129" fmla="*/ 4918363 w 4929702"/>
+              <a:gd name="connsiteY129" fmla="*/ 842818 h 2759364"/>
+            </a:gdLst>
+            <a:ahLst/>
+            <a:cxnLst>
+              <a:cxn ang="0">
+                <a:pos x="connsiteX0" y="connsiteY0"/>
+              </a:cxn>
+              <a:cxn ang="0">
+                <a:pos x="connsiteX1" y="connsiteY1"/>
+              </a:cxn>
+              <a:cxn ang="0">
+                <a:pos x="connsiteX2" y="connsiteY2"/>
+              </a:cxn>
+              <a:cxn ang="0">
+                <a:pos x="connsiteX3" y="connsiteY3"/>
+              </a:cxn>
+              <a:cxn ang="0">
+                <a:pos x="connsiteX4" y="connsiteY4"/>
+              </a:cxn>
+              <a:cxn ang="0">
+                <a:pos x="connsiteX5" y="connsiteY5"/>
+              </a:cxn>
+              <a:cxn ang="0">
+                <a:pos x="connsiteX6" y="connsiteY6"/>
+              </a:cxn>
+              <a:cxn ang="0">
+                <a:pos x="connsiteX7" y="connsiteY7"/>
+              </a:cxn>
+              <a:cxn ang="0">
+                <a:pos x="connsiteX8" y="connsiteY8"/>
+              </a:cxn>
+              <a:cxn ang="0">
+                <a:pos x="connsiteX9" y="connsiteY9"/>
+              </a:cxn>
+              <a:cxn ang="0">
+                <a:pos x="connsiteX10" y="connsiteY10"/>
+              </a:cxn>
+              <a:cxn ang="0">
+                <a:pos x="connsiteX11" y="connsiteY11"/>
+              </a:cxn>
+              <a:cxn ang="0">
+                <a:pos x="connsiteX12" y="connsiteY12"/>
+              </a:cxn>
+              <a:cxn ang="0">
+                <a:pos x="connsiteX13" y="connsiteY13"/>
+              </a:cxn>
+              <a:cxn ang="0">
+                <a:pos x="connsiteX14" y="connsiteY14"/>
+              </a:cxn>
+              <a:cxn ang="0">
+                <a:pos x="connsiteX15" y="connsiteY15"/>
+              </a:cxn>
+              <a:cxn ang="0">
+                <a:pos x="connsiteX16" y="connsiteY16"/>
+              </a:cxn>
+              <a:cxn ang="0">
+                <a:pos x="connsiteX17" y="connsiteY17"/>
+              </a:cxn>
+              <a:cxn ang="0">
+                <a:pos x="connsiteX18" y="connsiteY18"/>
+              </a:cxn>
+              <a:cxn ang="0">
+                <a:pos x="connsiteX19" y="connsiteY19"/>
+              </a:cxn>
+              <a:cxn ang="0">
+                <a:pos x="connsiteX20" y="connsiteY20"/>
+              </a:cxn>
+              <a:cxn ang="0">
+                <a:pos x="connsiteX21" y="connsiteY21"/>
+              </a:cxn>
+              <a:cxn ang="0">
+                <a:pos x="connsiteX22" y="connsiteY22"/>
+              </a:cxn>
+              <a:cxn ang="0">
+                <a:pos x="connsiteX23" y="connsiteY23"/>
+              </a:cxn>
+              <a:cxn ang="0">
+                <a:pos x="connsiteX24" y="connsiteY24"/>
+              </a:cxn>
+              <a:cxn ang="0">
+                <a:pos x="connsiteX25" y="connsiteY25"/>
+              </a:cxn>
+              <a:cxn ang="0">
+                <a:pos x="connsiteX26" y="connsiteY26"/>
+              </a:cxn>
+              <a:cxn ang="0">
+                <a:pos x="connsiteX27" y="connsiteY27"/>
+              </a:cxn>
+              <a:cxn ang="0">
+                <a:pos x="connsiteX28" y="connsiteY28"/>
+              </a:cxn>
+              <a:cxn ang="0">
+                <a:pos x="connsiteX29" y="connsiteY29"/>
+              </a:cxn>
+              <a:cxn ang="0">
+                <a:pos x="connsiteX30" y="connsiteY30"/>
+              </a:cxn>
+              <a:cxn ang="0">
+                <a:pos x="connsiteX31" y="connsiteY31"/>
+              </a:cxn>
+              <a:cxn ang="0">
+                <a:pos x="connsiteX32" y="connsiteY32"/>
+              </a:cxn>
+              <a:cxn ang="0">
+                <a:pos x="connsiteX33" y="connsiteY33"/>
+              </a:cxn>
+              <a:cxn ang="0">
+                <a:pos x="connsiteX34" y="connsiteY34"/>
+              </a:cxn>
+              <a:cxn ang="0">
+                <a:pos x="connsiteX35" y="connsiteY35"/>
+              </a:cxn>
+              <a:cxn ang="0">
+                <a:pos x="connsiteX36" y="connsiteY36"/>
+              </a:cxn>
+              <a:cxn ang="0">
+                <a:pos x="connsiteX37" y="connsiteY37"/>
+              </a:cxn>
+              <a:cxn ang="0">
+                <a:pos x="connsiteX38" y="connsiteY38"/>
+              </a:cxn>
+              <a:cxn ang="0">
+                <a:pos x="connsiteX39" y="connsiteY39"/>
+              </a:cxn>
+              <a:cxn ang="0">
+                <a:pos x="connsiteX40" y="connsiteY40"/>
+              </a:cxn>
+              <a:cxn ang="0">
+                <a:pos x="connsiteX41" y="connsiteY41"/>
+              </a:cxn>
+              <a:cxn ang="0">
+                <a:pos x="connsiteX42" y="connsiteY42"/>
+              </a:cxn>
+              <a:cxn ang="0">
+                <a:pos x="connsiteX43" y="connsiteY43"/>
+              </a:cxn>
+              <a:cxn ang="0">
+                <a:pos x="connsiteX44" y="connsiteY44"/>
+              </a:cxn>
+              <a:cxn ang="0">
+                <a:pos x="connsiteX45" y="connsiteY45"/>
+              </a:cxn>
+              <a:cxn ang="0">
+                <a:pos x="connsiteX46" y="connsiteY46"/>
+              </a:cxn>
+              <a:cxn ang="0">
+                <a:pos x="connsiteX47" y="connsiteY47"/>
+              </a:cxn>
+              <a:cxn ang="0">
+                <a:pos x="connsiteX48" y="connsiteY48"/>
+              </a:cxn>
+              <a:cxn ang="0">
+                <a:pos x="connsiteX49" y="connsiteY49"/>
+              </a:cxn>
+              <a:cxn ang="0">
+                <a:pos x="connsiteX50" y="connsiteY50"/>
+              </a:cxn>
+              <a:cxn ang="0">
+                <a:pos x="connsiteX51" y="connsiteY51"/>
+              </a:cxn>
+              <a:cxn ang="0">
+                <a:pos x="connsiteX52" y="connsiteY52"/>
+              </a:cxn>
+              <a:cxn ang="0">
+                <a:pos x="connsiteX53" y="connsiteY53"/>
+              </a:cxn>
+              <a:cxn ang="0">
+                <a:pos x="connsiteX54" y="connsiteY54"/>
+              </a:cxn>
+              <a:cxn ang="0">
+                <a:pos x="connsiteX55" y="connsiteY55"/>
+              </a:cxn>
+              <a:cxn ang="0">
+                <a:pos x="connsiteX56" y="connsiteY56"/>
+              </a:cxn>
+              <a:cxn ang="0">
+                <a:pos x="connsiteX57" y="connsiteY57"/>
+              </a:cxn>
+              <a:cxn ang="0">
+                <a:pos x="connsiteX58" y="connsiteY58"/>
+              </a:cxn>
+              <a:cxn ang="0">
+                <a:pos x="connsiteX59" y="connsiteY59"/>
+              </a:cxn>
+              <a:cxn ang="0">
+                <a:pos x="connsiteX60" y="connsiteY60"/>
+              </a:cxn>
+              <a:cxn ang="0">
+                <a:pos x="connsiteX61" y="connsiteY61"/>
+              </a:cxn>
+              <a:cxn ang="0">
+                <a:pos x="connsiteX62" y="connsiteY62"/>
+              </a:cxn>
+              <a:cxn ang="0">
+                <a:pos x="connsiteX63" y="connsiteY63"/>
+              </a:cxn>
+              <a:cxn ang="0">
+                <a:pos x="connsiteX64" y="connsiteY64"/>
+              </a:cxn>
+              <a:cxn ang="0">
+                <a:pos x="connsiteX65" y="connsiteY65"/>
+              </a:cxn>
+              <a:cxn ang="0">
+                <a:pos x="connsiteX66" y="connsiteY66"/>
+              </a:cxn>
+              <a:cxn ang="0">
+                <a:pos x="connsiteX67" y="connsiteY67"/>
+              </a:cxn>
+              <a:cxn ang="0">
+                <a:pos x="connsiteX68" y="connsiteY68"/>
+              </a:cxn>
+              <a:cxn ang="0">
+                <a:pos x="connsiteX69" y="connsiteY69"/>
+              </a:cxn>
+              <a:cxn ang="0">
+                <a:pos x="connsiteX70" y="connsiteY70"/>
+              </a:cxn>
+              <a:cxn ang="0">
+                <a:pos x="connsiteX71" y="connsiteY71"/>
+              </a:cxn>
+              <a:cxn ang="0">
+                <a:pos x="connsiteX72" y="connsiteY72"/>
+              </a:cxn>
+              <a:cxn ang="0">
+                <a:pos x="connsiteX73" y="connsiteY73"/>
+              </a:cxn>
+              <a:cxn ang="0">
+                <a:pos x="connsiteX74" y="connsiteY74"/>
+              </a:cxn>
+              <a:cxn ang="0">
+                <a:pos x="connsiteX75" y="connsiteY75"/>
+              </a:cxn>
+              <a:cxn ang="0">
+                <a:pos x="connsiteX76" y="connsiteY76"/>
+              </a:cxn>
+              <a:cxn ang="0">
+                <a:pos x="connsiteX77" y="connsiteY77"/>
+              </a:cxn>
+              <a:cxn ang="0">
+                <a:pos x="connsiteX78" y="connsiteY78"/>
+              </a:cxn>
+              <a:cxn ang="0">
+                <a:pos x="connsiteX79" y="connsiteY79"/>
+              </a:cxn>
+              <a:cxn ang="0">
+                <a:pos x="connsiteX80" y="connsiteY80"/>
+              </a:cxn>
+              <a:cxn ang="0">
+                <a:pos x="connsiteX81" y="connsiteY81"/>
+              </a:cxn>
+              <a:cxn ang="0">
+                <a:pos x="connsiteX82" y="connsiteY82"/>
+              </a:cxn>
+              <a:cxn ang="0">
+                <a:pos x="connsiteX83" y="connsiteY83"/>
+              </a:cxn>
+              <a:cxn ang="0">
+                <a:pos x="connsiteX84" y="connsiteY84"/>
+              </a:cxn>
+              <a:cxn ang="0">
+                <a:pos x="connsiteX85" y="connsiteY85"/>
+              </a:cxn>
+              <a:cxn ang="0">
+                <a:pos x="connsiteX86" y="connsiteY86"/>
+              </a:cxn>
+              <a:cxn ang="0">
+                <a:pos x="connsiteX87" y="connsiteY87"/>
+              </a:cxn>
+              <a:cxn ang="0">
+                <a:pos x="connsiteX88" y="connsiteY88"/>
+              </a:cxn>
+              <a:cxn ang="0">
+                <a:pos x="connsiteX89" y="connsiteY89"/>
+              </a:cxn>
+              <a:cxn ang="0">
+                <a:pos x="connsiteX90" y="connsiteY90"/>
+              </a:cxn>
+              <a:cxn ang="0">
+                <a:pos x="connsiteX91" y="connsiteY91"/>
+              </a:cxn>
+              <a:cxn ang="0">
+                <a:pos x="connsiteX92" y="connsiteY92"/>
+              </a:cxn>
+              <a:cxn ang="0">
+                <a:pos x="connsiteX93" y="connsiteY93"/>
+              </a:cxn>
+              <a:cxn ang="0">
+                <a:pos x="connsiteX94" y="connsiteY94"/>
+              </a:cxn>
+              <a:cxn ang="0">
+                <a:pos x="connsiteX95" y="connsiteY95"/>
+              </a:cxn>
+              <a:cxn ang="0">
+                <a:pos x="connsiteX96" y="connsiteY96"/>
+              </a:cxn>
+              <a:cxn ang="0">
+                <a:pos x="connsiteX97" y="connsiteY97"/>
+              </a:cxn>
+              <a:cxn ang="0">
+                <a:pos x="connsiteX98" y="connsiteY98"/>
+              </a:cxn>
+              <a:cxn ang="0">
+                <a:pos x="connsiteX99" y="connsiteY99"/>
+              </a:cxn>
+              <a:cxn ang="0">
+                <a:pos x="connsiteX100" y="connsiteY100"/>
+              </a:cxn>
+              <a:cxn ang="0">
+                <a:pos x="connsiteX101" y="connsiteY101"/>
+              </a:cxn>
+              <a:cxn ang="0">
+                <a:pos x="connsiteX102" y="connsiteY102"/>
+              </a:cxn>
+              <a:cxn ang="0">
+                <a:pos x="connsiteX103" y="connsiteY103"/>
+              </a:cxn>
+              <a:cxn ang="0">
+                <a:pos x="connsiteX104" y="connsiteY104"/>
+              </a:cxn>
+              <a:cxn ang="0">
+                <a:pos x="connsiteX105" y="connsiteY105"/>
+              </a:cxn>
+              <a:cxn ang="0">
+                <a:pos x="connsiteX106" y="connsiteY106"/>
+              </a:cxn>
+              <a:cxn ang="0">
+                <a:pos x="connsiteX107" y="connsiteY107"/>
+              </a:cxn>
+              <a:cxn ang="0">
+                <a:pos x="connsiteX108" y="connsiteY108"/>
+              </a:cxn>
+              <a:cxn ang="0">
+                <a:pos x="connsiteX109" y="connsiteY109"/>
+              </a:cxn>
+              <a:cxn ang="0">
+                <a:pos x="connsiteX110" y="connsiteY110"/>
+              </a:cxn>
+              <a:cxn ang="0">
+                <a:pos x="connsiteX111" y="connsiteY111"/>
+              </a:cxn>
+              <a:cxn ang="0">
+                <a:pos x="connsiteX112" y="connsiteY112"/>
+              </a:cxn>
+              <a:cxn ang="0">
+                <a:pos x="connsiteX113" y="connsiteY113"/>
+              </a:cxn>
+              <a:cxn ang="0">
+                <a:pos x="connsiteX114" y="connsiteY114"/>
+              </a:cxn>
+              <a:cxn ang="0">
+                <a:pos x="connsiteX115" y="connsiteY115"/>
+              </a:cxn>
+              <a:cxn ang="0">
+                <a:pos x="connsiteX116" y="connsiteY116"/>
+              </a:cxn>
+              <a:cxn ang="0">
+                <a:pos x="connsiteX117" y="connsiteY117"/>
+              </a:cxn>
+              <a:cxn ang="0">
+                <a:pos x="connsiteX118" y="connsiteY118"/>
+              </a:cxn>
+              <a:cxn ang="0">
+                <a:pos x="connsiteX119" y="connsiteY119"/>
+              </a:cxn>
+              <a:cxn ang="0">
+                <a:pos x="connsiteX120" y="connsiteY120"/>
+              </a:cxn>
+              <a:cxn ang="0">
+                <a:pos x="connsiteX121" y="connsiteY121"/>
+              </a:cxn>
+              <a:cxn ang="0">
+                <a:pos x="connsiteX122" y="connsiteY122"/>
+              </a:cxn>
+              <a:cxn ang="0">
+                <a:pos x="connsiteX123" y="connsiteY123"/>
+              </a:cxn>
+              <a:cxn ang="0">
+                <a:pos x="connsiteX124" y="connsiteY124"/>
+              </a:cxn>
+              <a:cxn ang="0">
+                <a:pos x="connsiteX125" y="connsiteY125"/>
+              </a:cxn>
+              <a:cxn ang="0">
+                <a:pos x="connsiteX126" y="connsiteY126"/>
+              </a:cxn>
+              <a:cxn ang="0">
+                <a:pos x="connsiteX127" y="connsiteY127"/>
+              </a:cxn>
+              <a:cxn ang="0">
+                <a:pos x="connsiteX128" y="connsiteY128"/>
+              </a:cxn>
+              <a:cxn ang="0">
+                <a:pos x="connsiteX129" y="connsiteY129"/>
+              </a:cxn>
+            </a:cxnLst>
+            <a:rect l="l" t="t" r="r" b="b"/>
+            <a:pathLst>
+              <a:path w="4929702" h="2759364">
+                <a:moveTo>
+                  <a:pt x="0" y="1477818"/>
+                </a:moveTo>
+                <a:cubicBezTo>
+                  <a:pt x="7697" y="1327727"/>
+                  <a:pt x="2898" y="1176470"/>
+                  <a:pt x="23091" y="1027545"/>
+                </a:cubicBezTo>
+                <a:cubicBezTo>
+                  <a:pt x="46988" y="851306"/>
+                  <a:pt x="86266" y="827158"/>
+                  <a:pt x="138545" y="692727"/>
+                </a:cubicBezTo>
+                <a:cubicBezTo>
+                  <a:pt x="151778" y="658700"/>
+                  <a:pt x="157553" y="621813"/>
+                  <a:pt x="173182" y="588818"/>
+                </a:cubicBezTo>
+                <a:cubicBezTo>
+                  <a:pt x="192395" y="548258"/>
+                  <a:pt x="222383" y="513506"/>
+                  <a:pt x="242454" y="473364"/>
+                </a:cubicBezTo>
+                <a:cubicBezTo>
+                  <a:pt x="250151" y="457970"/>
+                  <a:pt x="257006" y="442125"/>
+                  <a:pt x="265545" y="427182"/>
+                </a:cubicBezTo>
+                <a:cubicBezTo>
+                  <a:pt x="272429" y="415134"/>
+                  <a:pt x="278193" y="401682"/>
+                  <a:pt x="288636" y="392545"/>
+                </a:cubicBezTo>
+                <a:cubicBezTo>
+                  <a:pt x="309521" y="374270"/>
+                  <a:pt x="357909" y="346364"/>
+                  <a:pt x="357909" y="346364"/>
+                </a:cubicBezTo>
+                <a:cubicBezTo>
+                  <a:pt x="520168" y="375866"/>
+                  <a:pt x="492467" y="328600"/>
+                  <a:pt x="496454" y="508000"/>
+                </a:cubicBezTo>
+                <a:cubicBezTo>
+                  <a:pt x="518323" y="1492091"/>
+                  <a:pt x="457867" y="1107733"/>
+                  <a:pt x="519545" y="1477818"/>
+                </a:cubicBezTo>
+                <a:cubicBezTo>
+                  <a:pt x="523394" y="1531697"/>
+                  <a:pt x="522752" y="1586086"/>
+                  <a:pt x="531091" y="1639455"/>
+                </a:cubicBezTo>
+                <a:cubicBezTo>
+                  <a:pt x="542149" y="1710224"/>
+                  <a:pt x="578847" y="1853574"/>
+                  <a:pt x="600363" y="1939636"/>
+                </a:cubicBezTo>
+                <a:cubicBezTo>
+                  <a:pt x="611141" y="2036634"/>
+                  <a:pt x="617622" y="2137216"/>
+                  <a:pt x="658091" y="2228273"/>
+                </a:cubicBezTo>
+                <a:cubicBezTo>
+                  <a:pt x="787008" y="2518340"/>
+                  <a:pt x="645504" y="2190963"/>
+                  <a:pt x="727363" y="2401455"/>
+                </a:cubicBezTo>
+                <a:cubicBezTo>
+                  <a:pt x="745496" y="2448083"/>
+                  <a:pt x="766042" y="2493738"/>
+                  <a:pt x="785091" y="2540000"/>
+                </a:cubicBezTo>
+                <a:cubicBezTo>
+                  <a:pt x="794411" y="2562634"/>
+                  <a:pt x="815658" y="2621604"/>
+                  <a:pt x="831272" y="2643909"/>
+                </a:cubicBezTo>
+                <a:cubicBezTo>
+                  <a:pt x="859786" y="2684643"/>
+                  <a:pt x="891542" y="2722881"/>
+                  <a:pt x="935182" y="2747818"/>
+                </a:cubicBezTo>
+                <a:cubicBezTo>
+                  <a:pt x="945748" y="2753856"/>
+                  <a:pt x="958273" y="2755515"/>
+                  <a:pt x="969818" y="2759364"/>
+                </a:cubicBezTo>
+                <a:cubicBezTo>
+                  <a:pt x="1031393" y="2747048"/>
+                  <a:pt x="1039091" y="2763981"/>
+                  <a:pt x="1039091" y="2690091"/>
+                </a:cubicBezTo>
+                <a:cubicBezTo>
+                  <a:pt x="1039091" y="2436062"/>
+                  <a:pt x="1034317" y="2182030"/>
+                  <a:pt x="1027545" y="1928091"/>
+                </a:cubicBezTo>
+                <a:cubicBezTo>
+                  <a:pt x="1024907" y="1829161"/>
+                  <a:pt x="1007923" y="1808817"/>
+                  <a:pt x="992909" y="1708727"/>
+                </a:cubicBezTo>
+                <a:cubicBezTo>
+                  <a:pt x="987172" y="1670478"/>
+                  <a:pt x="988085" y="1631361"/>
+                  <a:pt x="981363" y="1593273"/>
+                </a:cubicBezTo>
+                <a:cubicBezTo>
+                  <a:pt x="976494" y="1565682"/>
+                  <a:pt x="965491" y="1539526"/>
+                  <a:pt x="958272" y="1512455"/>
+                </a:cubicBezTo>
+                <a:cubicBezTo>
+                  <a:pt x="950095" y="1481791"/>
+                  <a:pt x="941030" y="1451283"/>
+                  <a:pt x="935182" y="1420091"/>
+                </a:cubicBezTo>
+                <a:cubicBezTo>
+                  <a:pt x="929464" y="1389595"/>
+                  <a:pt x="927485" y="1358515"/>
+                  <a:pt x="923636" y="1327727"/>
+                </a:cubicBezTo>
+                <a:cubicBezTo>
+                  <a:pt x="927485" y="1223818"/>
+                  <a:pt x="926302" y="1119600"/>
+                  <a:pt x="935182" y="1016000"/>
+                </a:cubicBezTo>
+                <a:cubicBezTo>
+                  <a:pt x="937892" y="984380"/>
+                  <a:pt x="951136" y="954559"/>
+                  <a:pt x="958272" y="923636"/>
+                </a:cubicBezTo>
+                <a:cubicBezTo>
+                  <a:pt x="962684" y="904515"/>
+                  <a:pt x="964179" y="884705"/>
+                  <a:pt x="969818" y="865909"/>
+                </a:cubicBezTo>
+                <a:cubicBezTo>
+                  <a:pt x="975773" y="846058"/>
+                  <a:pt x="985826" y="827659"/>
+                  <a:pt x="992909" y="808182"/>
+                </a:cubicBezTo>
+                <a:cubicBezTo>
+                  <a:pt x="1001227" y="785307"/>
+                  <a:pt x="1008303" y="762000"/>
+                  <a:pt x="1016000" y="738909"/>
+                </a:cubicBezTo>
+                <a:cubicBezTo>
+                  <a:pt x="1019848" y="715818"/>
+                  <a:pt x="1021280" y="692191"/>
+                  <a:pt x="1027545" y="669636"/>
+                </a:cubicBezTo>
+                <a:cubicBezTo>
+                  <a:pt x="1056487" y="565445"/>
+                  <a:pt x="1075303" y="532396"/>
+                  <a:pt x="1108363" y="438727"/>
+                </a:cubicBezTo>
+                <a:cubicBezTo>
+                  <a:pt x="1130428" y="376210"/>
+                  <a:pt x="1125115" y="335197"/>
+                  <a:pt x="1177636" y="300182"/>
+                </a:cubicBezTo>
+                <a:cubicBezTo>
+                  <a:pt x="1187762" y="293431"/>
+                  <a:pt x="1200727" y="292485"/>
+                  <a:pt x="1212272" y="288636"/>
+                </a:cubicBezTo>
+                <a:cubicBezTo>
+                  <a:pt x="1243060" y="311727"/>
+                  <a:pt x="1280595" y="327857"/>
+                  <a:pt x="1304636" y="357909"/>
+                </a:cubicBezTo>
+                <a:cubicBezTo>
+                  <a:pt x="1328314" y="387506"/>
+                  <a:pt x="1338496" y="425973"/>
+                  <a:pt x="1350818" y="461818"/>
+                </a:cubicBezTo>
+                <a:cubicBezTo>
+                  <a:pt x="1412809" y="642157"/>
+                  <a:pt x="1426013" y="704871"/>
+                  <a:pt x="1466272" y="865909"/>
+                </a:cubicBezTo>
+                <a:cubicBezTo>
+                  <a:pt x="1470121" y="904394"/>
+                  <a:pt x="1476875" y="942699"/>
+                  <a:pt x="1477818" y="981364"/>
+                </a:cubicBezTo>
+                <a:cubicBezTo>
+                  <a:pt x="1484575" y="1258399"/>
+                  <a:pt x="1479107" y="1535708"/>
+                  <a:pt x="1489363" y="1812636"/>
+                </a:cubicBezTo>
+                <a:cubicBezTo>
+                  <a:pt x="1490676" y="1848093"/>
+                  <a:pt x="1499996" y="1883323"/>
+                  <a:pt x="1512454" y="1916545"/>
+                </a:cubicBezTo>
+                <a:cubicBezTo>
+                  <a:pt x="1523349" y="1945597"/>
+                  <a:pt x="1545634" y="1969192"/>
+                  <a:pt x="1558636" y="1997364"/>
+                </a:cubicBezTo>
+                <a:cubicBezTo>
+                  <a:pt x="1689856" y="2281674"/>
+                  <a:pt x="1476055" y="1867134"/>
+                  <a:pt x="1616363" y="2124364"/>
+                </a:cubicBezTo>
+                <a:cubicBezTo>
+                  <a:pt x="1628725" y="2147028"/>
+                  <a:pt x="1640515" y="2170045"/>
+                  <a:pt x="1651000" y="2193636"/>
+                </a:cubicBezTo>
+                <a:cubicBezTo>
+                  <a:pt x="1655943" y="2204757"/>
+                  <a:pt x="1657102" y="2217388"/>
+                  <a:pt x="1662545" y="2228273"/>
+                </a:cubicBezTo>
+                <a:cubicBezTo>
+                  <a:pt x="1669099" y="2241382"/>
+                  <a:pt x="1715045" y="2303864"/>
+                  <a:pt x="1720272" y="2309091"/>
+                </a:cubicBezTo>
+                <a:cubicBezTo>
+                  <a:pt x="1742653" y="2331472"/>
+                  <a:pt x="1761375" y="2334337"/>
+                  <a:pt x="1789545" y="2343727"/>
+                </a:cubicBezTo>
+                <a:cubicBezTo>
+                  <a:pt x="1835727" y="2339879"/>
+                  <a:pt x="1885496" y="2350437"/>
+                  <a:pt x="1928091" y="2332182"/>
+                </a:cubicBezTo>
+                <a:cubicBezTo>
+                  <a:pt x="1947140" y="2324018"/>
+                  <a:pt x="1950241" y="2295158"/>
+                  <a:pt x="1951182" y="2274455"/>
+                </a:cubicBezTo>
+                <a:cubicBezTo>
+                  <a:pt x="1954158" y="2208985"/>
+                  <a:pt x="1951360" y="2142662"/>
+                  <a:pt x="1939636" y="2078182"/>
+                </a:cubicBezTo>
+                <a:cubicBezTo>
+                  <a:pt x="1935622" y="2056104"/>
+                  <a:pt x="1915035" y="2040526"/>
+                  <a:pt x="1905000" y="2020455"/>
+                </a:cubicBezTo>
+                <a:cubicBezTo>
+                  <a:pt x="1893524" y="1997503"/>
+                  <a:pt x="1864206" y="1915007"/>
+                  <a:pt x="1858818" y="1893455"/>
+                </a:cubicBezTo>
+                <a:cubicBezTo>
+                  <a:pt x="1832420" y="1787866"/>
+                  <a:pt x="1861608" y="1861354"/>
+                  <a:pt x="1835727" y="1766455"/>
+                </a:cubicBezTo>
+                <a:cubicBezTo>
+                  <a:pt x="1829323" y="1742973"/>
+                  <a:pt x="1812636" y="1697182"/>
+                  <a:pt x="1812636" y="1697182"/>
+                </a:cubicBezTo>
+                <a:cubicBezTo>
+                  <a:pt x="1816485" y="1654849"/>
+                  <a:pt x="1811681" y="1610810"/>
+                  <a:pt x="1824182" y="1570182"/>
+                </a:cubicBezTo>
+                <a:cubicBezTo>
+                  <a:pt x="1829029" y="1554431"/>
+                  <a:pt x="1916183" y="1524111"/>
+                  <a:pt x="1916545" y="1524000"/>
+                </a:cubicBezTo>
+                <a:cubicBezTo>
+                  <a:pt x="1946877" y="1514667"/>
+                  <a:pt x="2008909" y="1500909"/>
+                  <a:pt x="2008909" y="1500909"/>
+                </a:cubicBezTo>
+                <a:cubicBezTo>
+                  <a:pt x="2039697" y="1508606"/>
+                  <a:pt x="2075607" y="1505334"/>
+                  <a:pt x="2101272" y="1524000"/>
+                </a:cubicBezTo>
+                <a:cubicBezTo>
+                  <a:pt x="2122151" y="1539185"/>
+                  <a:pt x="2121588" y="1571792"/>
+                  <a:pt x="2135909" y="1593273"/>
+                </a:cubicBezTo>
+                <a:cubicBezTo>
+                  <a:pt x="2154799" y="1621608"/>
+                  <a:pt x="2199993" y="1649976"/>
+                  <a:pt x="2228272" y="1662545"/>
+                </a:cubicBezTo>
+                <a:cubicBezTo>
+                  <a:pt x="2242772" y="1668990"/>
+                  <a:pt x="2259060" y="1670242"/>
+                  <a:pt x="2274454" y="1674091"/>
+                </a:cubicBezTo>
+                <a:cubicBezTo>
+                  <a:pt x="2301393" y="1662546"/>
+                  <a:pt x="2328059" y="1650340"/>
+                  <a:pt x="2355272" y="1639455"/>
+                </a:cubicBezTo>
+                <a:cubicBezTo>
+                  <a:pt x="2366572" y="1634935"/>
+                  <a:pt x="2379024" y="1633352"/>
+                  <a:pt x="2389909" y="1627909"/>
+                </a:cubicBezTo>
+                <a:cubicBezTo>
+                  <a:pt x="2402320" y="1621703"/>
+                  <a:pt x="2412134" y="1611023"/>
+                  <a:pt x="2424545" y="1604818"/>
+                </a:cubicBezTo>
+                <a:cubicBezTo>
+                  <a:pt x="2435430" y="1599375"/>
+                  <a:pt x="2447787" y="1597546"/>
+                  <a:pt x="2459182" y="1593273"/>
+                </a:cubicBezTo>
+                <a:cubicBezTo>
+                  <a:pt x="2478587" y="1585996"/>
+                  <a:pt x="2498715" y="1580106"/>
+                  <a:pt x="2516909" y="1570182"/>
+                </a:cubicBezTo>
+                <a:cubicBezTo>
+                  <a:pt x="2641675" y="1502127"/>
+                  <a:pt x="2539960" y="1539407"/>
+                  <a:pt x="2620818" y="1512455"/>
+                </a:cubicBezTo>
+                <a:cubicBezTo>
+                  <a:pt x="2655454" y="1516303"/>
+                  <a:pt x="2692558" y="1510596"/>
+                  <a:pt x="2724727" y="1524000"/>
+                </a:cubicBezTo>
+                <a:cubicBezTo>
+                  <a:pt x="2788264" y="1550474"/>
+                  <a:pt x="2731022" y="1614615"/>
+                  <a:pt x="2805545" y="1639455"/>
+                </a:cubicBezTo>
+                <a:lnTo>
+                  <a:pt x="2874818" y="1662545"/>
+                </a:lnTo>
+                <a:cubicBezTo>
+                  <a:pt x="2901757" y="1654848"/>
+                  <a:pt x="2932324" y="1654996"/>
+                  <a:pt x="2955636" y="1639455"/>
+                </a:cubicBezTo>
+                <a:cubicBezTo>
+                  <a:pt x="2969956" y="1629908"/>
+                  <a:pt x="2969605" y="1607868"/>
+                  <a:pt x="2978727" y="1593273"/>
+                </a:cubicBezTo>
+                <a:cubicBezTo>
+                  <a:pt x="3017213" y="1531696"/>
+                  <a:pt x="3005665" y="1558638"/>
+                  <a:pt x="3059545" y="1512455"/>
+                </a:cubicBezTo>
+                <a:cubicBezTo>
+                  <a:pt x="3114581" y="1465282"/>
+                  <a:pt x="3069902" y="1485911"/>
+                  <a:pt x="3128818" y="1466273"/>
+                </a:cubicBezTo>
+                <a:cubicBezTo>
+                  <a:pt x="3155174" y="1439916"/>
+                  <a:pt x="3166564" y="1408725"/>
+                  <a:pt x="3209636" y="1443182"/>
+                </a:cubicBezTo>
+                <a:cubicBezTo>
+                  <a:pt x="3219139" y="1450784"/>
+                  <a:pt x="3217333" y="1466273"/>
+                  <a:pt x="3221182" y="1477818"/>
+                </a:cubicBezTo>
+                <a:cubicBezTo>
+                  <a:pt x="3217333" y="1524000"/>
+                  <a:pt x="3238586" y="1580177"/>
+                  <a:pt x="3209636" y="1616364"/>
+                </a:cubicBezTo>
+                <a:cubicBezTo>
+                  <a:pt x="3177810" y="1656146"/>
+                  <a:pt x="2995700" y="1640144"/>
+                  <a:pt x="2967182" y="1697182"/>
+                </a:cubicBezTo>
+                <a:cubicBezTo>
+                  <a:pt x="2951315" y="1728918"/>
+                  <a:pt x="3036093" y="1679924"/>
+                  <a:pt x="3071091" y="1674091"/>
+                </a:cubicBezTo>
+                <a:cubicBezTo>
+                  <a:pt x="3105466" y="1668362"/>
+                  <a:pt x="3140332" y="1666101"/>
+                  <a:pt x="3175000" y="1662545"/>
+                </a:cubicBezTo>
+                <a:lnTo>
+                  <a:pt x="3521363" y="1627909"/>
+                </a:lnTo>
+                <a:cubicBezTo>
+                  <a:pt x="3544454" y="1593273"/>
+                  <a:pt x="3575176" y="1562650"/>
+                  <a:pt x="3590636" y="1524000"/>
+                </a:cubicBezTo>
+                <a:cubicBezTo>
+                  <a:pt x="3666713" y="1333808"/>
+                  <a:pt x="3629140" y="1444061"/>
+                  <a:pt x="3694545" y="1166091"/>
+                </a:cubicBezTo>
+                <a:cubicBezTo>
+                  <a:pt x="3729419" y="1017878"/>
+                  <a:pt x="3734642" y="1008625"/>
+                  <a:pt x="3752272" y="854364"/>
+                </a:cubicBezTo>
+                <a:cubicBezTo>
+                  <a:pt x="3761490" y="773705"/>
+                  <a:pt x="3762016" y="691988"/>
+                  <a:pt x="3775363" y="611909"/>
+                </a:cubicBezTo>
+                <a:cubicBezTo>
+                  <a:pt x="3783060" y="565727"/>
+                  <a:pt x="3792647" y="519821"/>
+                  <a:pt x="3798454" y="473364"/>
+                </a:cubicBezTo>
+                <a:cubicBezTo>
+                  <a:pt x="3802303" y="442576"/>
+                  <a:pt x="3804899" y="411605"/>
+                  <a:pt x="3810000" y="381000"/>
+                </a:cubicBezTo>
+                <a:cubicBezTo>
+                  <a:pt x="3823878" y="297730"/>
+                  <a:pt x="3832808" y="260694"/>
+                  <a:pt x="3856182" y="184727"/>
+                </a:cubicBezTo>
+                <a:cubicBezTo>
+                  <a:pt x="3863340" y="161464"/>
+                  <a:pt x="3870954" y="138329"/>
+                  <a:pt x="3879272" y="115455"/>
+                </a:cubicBezTo>
+                <a:cubicBezTo>
+                  <a:pt x="3888722" y="89467"/>
+                  <a:pt x="3903450" y="45095"/>
+                  <a:pt x="3925454" y="23091"/>
+                </a:cubicBezTo>
+                <a:cubicBezTo>
+                  <a:pt x="3935266" y="13279"/>
+                  <a:pt x="3948545" y="7697"/>
+                  <a:pt x="3960091" y="0"/>
+                </a:cubicBezTo>
+                <a:cubicBezTo>
+                  <a:pt x="3963939" y="19242"/>
+                  <a:pt x="3969387" y="38233"/>
+                  <a:pt x="3971636" y="57727"/>
+                </a:cubicBezTo>
+                <a:cubicBezTo>
+                  <a:pt x="3980942" y="138376"/>
+                  <a:pt x="3994727" y="300182"/>
+                  <a:pt x="3994727" y="300182"/>
+                </a:cubicBezTo>
+                <a:cubicBezTo>
+                  <a:pt x="4002424" y="619606"/>
+                  <a:pt x="4005174" y="939188"/>
+                  <a:pt x="4017818" y="1258455"/>
+                </a:cubicBezTo>
+                <a:cubicBezTo>
+                  <a:pt x="4020576" y="1328099"/>
+                  <a:pt x="4035121" y="1396815"/>
+                  <a:pt x="4040909" y="1466273"/>
+                </a:cubicBezTo>
+                <a:cubicBezTo>
+                  <a:pt x="4054646" y="1631118"/>
+                  <a:pt x="4047890" y="1739079"/>
+                  <a:pt x="4075545" y="1905000"/>
+                </a:cubicBezTo>
+                <a:cubicBezTo>
+                  <a:pt x="4079394" y="1928091"/>
+                  <a:pt x="4083531" y="1951136"/>
+                  <a:pt x="4087091" y="1974273"/>
+                </a:cubicBezTo>
+                <a:cubicBezTo>
+                  <a:pt x="4092459" y="2009166"/>
+                  <a:pt x="4102323" y="2087690"/>
+                  <a:pt x="4110182" y="2124364"/>
+                </a:cubicBezTo>
+                <a:cubicBezTo>
+                  <a:pt x="4116831" y="2155395"/>
+                  <a:pt x="4127424" y="2185535"/>
+                  <a:pt x="4133272" y="2216727"/>
+                </a:cubicBezTo>
+                <a:cubicBezTo>
+                  <a:pt x="4159117" y="2354569"/>
+                  <a:pt x="4126804" y="2270400"/>
+                  <a:pt x="4167909" y="2424545"/>
+                </a:cubicBezTo>
+                <a:cubicBezTo>
+                  <a:pt x="4180547" y="2471937"/>
+                  <a:pt x="4195720" y="2485590"/>
+                  <a:pt x="4214091" y="2528455"/>
+                </a:cubicBezTo>
+                <a:cubicBezTo>
+                  <a:pt x="4218885" y="2539641"/>
+                  <a:pt x="4217031" y="2554486"/>
+                  <a:pt x="4225636" y="2563091"/>
+                </a:cubicBezTo>
+                <a:cubicBezTo>
+                  <a:pt x="4234241" y="2571696"/>
+                  <a:pt x="4248727" y="2570788"/>
+                  <a:pt x="4260272" y="2574636"/>
+                </a:cubicBezTo>
+                <a:cubicBezTo>
+                  <a:pt x="4271818" y="2570788"/>
+                  <a:pt x="4286303" y="2571697"/>
+                  <a:pt x="4294909" y="2563091"/>
+                </a:cubicBezTo>
+                <a:cubicBezTo>
+                  <a:pt x="4307079" y="2550921"/>
+                  <a:pt x="4309642" y="2531954"/>
+                  <a:pt x="4318000" y="2516909"/>
+                </a:cubicBezTo>
+                <a:cubicBezTo>
+                  <a:pt x="4328898" y="2497293"/>
+                  <a:pt x="4342326" y="2479114"/>
+                  <a:pt x="4352636" y="2459182"/>
+                </a:cubicBezTo>
+                <a:cubicBezTo>
+                  <a:pt x="4400079" y="2367460"/>
+                  <a:pt x="4454923" y="2278782"/>
+                  <a:pt x="4491182" y="2182091"/>
+                </a:cubicBezTo>
+                <a:cubicBezTo>
+                  <a:pt x="4529643" y="2079527"/>
+                  <a:pt x="4575118" y="1965191"/>
+                  <a:pt x="4606636" y="1858818"/>
+                </a:cubicBezTo>
+                <a:cubicBezTo>
+                  <a:pt x="4623609" y="1801535"/>
+                  <a:pt x="4638328" y="1743597"/>
+                  <a:pt x="4652818" y="1685636"/>
+                </a:cubicBezTo>
+                <a:cubicBezTo>
+                  <a:pt x="4672967" y="1605039"/>
+                  <a:pt x="4691052" y="1523940"/>
+                  <a:pt x="4710545" y="1443182"/>
+                </a:cubicBezTo>
+                <a:cubicBezTo>
+                  <a:pt x="4717991" y="1412332"/>
+                  <a:pt x="4733636" y="1350818"/>
+                  <a:pt x="4733636" y="1350818"/>
+                </a:cubicBezTo>
+                <a:cubicBezTo>
+                  <a:pt x="4737485" y="1316182"/>
+                  <a:pt x="4742403" y="1281648"/>
+                  <a:pt x="4745182" y="1246909"/>
+                </a:cubicBezTo>
+                <a:cubicBezTo>
+                  <a:pt x="4750102" y="1185410"/>
+                  <a:pt x="4750878" y="1123600"/>
+                  <a:pt x="4756727" y="1062182"/>
+                </a:cubicBezTo>
+                <a:cubicBezTo>
+                  <a:pt x="4758587" y="1042647"/>
+                  <a:pt x="4765212" y="1023838"/>
+                  <a:pt x="4768272" y="1004455"/>
+                </a:cubicBezTo>
+                <a:cubicBezTo>
+                  <a:pt x="4815527" y="705169"/>
+                  <a:pt x="4773036" y="962959"/>
+                  <a:pt x="4802909" y="738909"/>
+                </a:cubicBezTo>
+                <a:cubicBezTo>
+                  <a:pt x="4806003" y="715705"/>
+                  <a:pt x="4811869" y="692902"/>
+                  <a:pt x="4814454" y="669636"/>
+                </a:cubicBezTo>
+                <a:cubicBezTo>
+                  <a:pt x="4846457" y="381608"/>
+                  <a:pt x="4808207" y="621819"/>
+                  <a:pt x="4837545" y="484909"/>
+                </a:cubicBezTo>
+                <a:cubicBezTo>
+                  <a:pt x="4845768" y="446533"/>
+                  <a:pt x="4860636" y="369455"/>
+                  <a:pt x="4860636" y="369455"/>
+                </a:cubicBezTo>
+                <a:cubicBezTo>
+                  <a:pt x="5002958" y="796397"/>
+                  <a:pt x="4895816" y="1275156"/>
+                  <a:pt x="4802909" y="1708727"/>
+                </a:cubicBezTo>
+                <a:cubicBezTo>
+                  <a:pt x="4799060" y="1770303"/>
+                  <a:pt x="4797502" y="1832065"/>
+                  <a:pt x="4791363" y="1893455"/>
+                </a:cubicBezTo>
+                <a:cubicBezTo>
+                  <a:pt x="4785947" y="1947611"/>
+                  <a:pt x="4774510" y="2001024"/>
+                  <a:pt x="4768272" y="2055091"/>
+                </a:cubicBezTo>
+                <a:cubicBezTo>
+                  <a:pt x="4762960" y="2101127"/>
+                  <a:pt x="4760575" y="2147454"/>
+                  <a:pt x="4756727" y="2193636"/>
+                </a:cubicBezTo>
+                <a:cubicBezTo>
+                  <a:pt x="4760575" y="2316788"/>
+                  <a:pt x="4731521" y="2445488"/>
+                  <a:pt x="4768272" y="2563091"/>
+                </a:cubicBezTo>
+                <a:cubicBezTo>
+                  <a:pt x="4771830" y="2574476"/>
+                  <a:pt x="4829324" y="2311451"/>
+                  <a:pt x="4837545" y="2274455"/>
+                </a:cubicBezTo>
+                <a:cubicBezTo>
+                  <a:pt x="4841394" y="2224425"/>
+                  <a:pt x="4844334" y="2174316"/>
+                  <a:pt x="4849091" y="2124364"/>
+                </a:cubicBezTo>
+                <a:cubicBezTo>
+                  <a:pt x="4852033" y="2093476"/>
+                  <a:pt x="4857011" y="2062815"/>
+                  <a:pt x="4860636" y="2032000"/>
+                </a:cubicBezTo>
+                <a:cubicBezTo>
+                  <a:pt x="4864708" y="1997389"/>
+                  <a:pt x="4868333" y="1962727"/>
+                  <a:pt x="4872182" y="1928091"/>
+                </a:cubicBezTo>
+                <a:cubicBezTo>
+                  <a:pt x="4876030" y="1839576"/>
+                  <a:pt x="4880186" y="1751073"/>
+                  <a:pt x="4883727" y="1662545"/>
+                </a:cubicBezTo>
+                <a:cubicBezTo>
+                  <a:pt x="4887883" y="1558648"/>
+                  <a:pt x="4890206" y="1454675"/>
+                  <a:pt x="4895272" y="1350818"/>
+                </a:cubicBezTo>
+                <a:cubicBezTo>
+                  <a:pt x="4897904" y="1296866"/>
+                  <a:pt x="4903646" y="1243105"/>
+                  <a:pt x="4906818" y="1189182"/>
+                </a:cubicBezTo>
+                <a:cubicBezTo>
+                  <a:pt x="4920285" y="960248"/>
+                  <a:pt x="4918363" y="1015158"/>
+                  <a:pt x="4918363" y="842818"/>
+                </a:cubicBezTo>
+              </a:path>
+            </a:pathLst>
+          </a:custGeom>
+        </p:spPr>
+        <p:style>
+          <a:lnRef idx="2">
+            <a:schemeClr val="accent1"/>
+          </a:lnRef>
+          <a:fillRef idx="0">
+            <a:schemeClr val="accent1"/>
+          </a:fillRef>
+          <a:effectRef idx="1">
+            <a:schemeClr val="accent1"/>
+          </a:effectRef>
+          <a:fontRef idx="minor">
+            <a:schemeClr val="tx1"/>
+          </a:fontRef>
+        </p:style>
+        <p:txBody>
+          <a:bodyPr rtlCol="0" anchor="ctr"/>
+          <a:lstStyle/>
+          <a:p>
+            <a:pPr algn="ctr"/>
+            <a:endParaRPr lang="en-US"/>
+          </a:p>
+        </p:txBody>
+      </p:sp>
+    </p:spTree>
+    <p:extLst>
+      <p:ext uri="{BB962C8B-B14F-4D97-AF65-F5344CB8AC3E}">
+        <p14:creationId xmlns:p14="http://schemas.microsoft.com/office/powerpoint/2010/main" val="2632548413"/>
+      </p:ext>
+    </p:extLst>
+  </p:cSld>
+  <p:clrMapOvr>
+    <a:masterClrMapping/>
+  </p:clrMapOvr>
+</p:sld>
+</file>
+
+<file path=ppt/slides/slide8.xml><?xml version="1.0" encoding="utf-8"?>
+<p:sld xmlns:a="http://schemas.openxmlformats.org/drawingml/2006/main" xmlns:r="http://schemas.openxmlformats.org/officeDocument/2006/relationships" xmlns:p="http://schemas.openxmlformats.org/presentationml/2006/main">
+  <p:cSld>
+    <p:spTree>
+      <p:nvGrpSpPr>
+        <p:cNvPr id="1" name=""/>
+        <p:cNvGrpSpPr/>
+        <p:nvPr/>
+      </p:nvGrpSpPr>
+      <p:grpSpPr>
+        <a:xfrm>
+          <a:off x="0" y="0"/>
+          <a:ext cx="0" cy="0"/>
+          <a:chOff x="0" y="0"/>
+          <a:chExt cx="0" cy="0"/>
+        </a:xfrm>
+      </p:grpSpPr>
+      <p:sp>
+        <p:nvSpPr>
+          <p:cNvPr id="2" name="Title 1"/>
+          <p:cNvSpPr>
+            <a:spLocks noGrp="1"/>
+          </p:cNvSpPr>
+          <p:nvPr>
+            <p:ph type="title"/>
+          </p:nvPr>
+        </p:nvSpPr>
+        <p:spPr/>
+        <p:txBody>
+          <a:bodyPr/>
+          <a:lstStyle/>
+          <a:p>
+            <a:r>
+              <a:rPr lang="en-US" dirty="0" smtClean="0"/>
+              <a:t>Friction models</a:t>
+            </a:r>
+            <a:endParaRPr lang="en-US" dirty="0"/>
+          </a:p>
+        </p:txBody>
+      </p:sp>
+    </p:spTree>
+    <p:extLst>
+      <p:ext uri="{BB962C8B-B14F-4D97-AF65-F5344CB8AC3E}">
+        <p14:creationId xmlns:p14="http://schemas.microsoft.com/office/powerpoint/2010/main" val="964175083"/>
+      </p:ext>
+    </p:extLst>
+  </p:cSld>
+  <p:clrMapOvr>
+    <a:masterClrMapping/>
+  </p:clrMapOvr>
+</p:sld>
+</file>
+
+<file path=ppt/slides/slide9.xml><?xml version="1.0" encoding="utf-8"?>
+<p:sld xmlns:a="http://schemas.openxmlformats.org/drawingml/2006/main" xmlns:r="http://schemas.openxmlformats.org/officeDocument/2006/relationships" xmlns:p="http://schemas.openxmlformats.org/presentationml/2006/main">
+  <p:cSld>
+    <p:spTree>
+      <p:nvGrpSpPr>
+        <p:cNvPr id="1" name=""/>
+        <p:cNvGrpSpPr/>
+        <p:nvPr/>
+      </p:nvGrpSpPr>
+      <p:grpSpPr>
+        <a:xfrm>
+          <a:off x="0" y="0"/>
+          <a:ext cx="0" cy="0"/>
+          <a:chOff x="0" y="0"/>
+          <a:chExt cx="0" cy="0"/>
+        </a:xfrm>
+      </p:grpSpPr>
+      <p:sp>
+        <p:nvSpPr>
+          <p:cNvPr id="2" name="Title 1"/>
+          <p:cNvSpPr>
+            <a:spLocks noGrp="1"/>
+          </p:cNvSpPr>
+          <p:nvPr>
+            <p:ph type="title"/>
+          </p:nvPr>
+        </p:nvSpPr>
+        <p:spPr/>
+        <p:txBody>
+          <a:bodyPr/>
+          <a:lstStyle/>
+          <a:p>
+            <a:r>
+              <a:rPr lang="en-US" dirty="0" smtClean="0"/>
+              <a:t>VL mot UF</a:t>
+            </a:r>
+            <a:endParaRPr lang="en-US" dirty="0"/>
+          </a:p>
+        </p:txBody>
+      </p:sp>
+    </p:spTree>
+    <p:extLst>
+      <p:ext uri="{BB962C8B-B14F-4D97-AF65-F5344CB8AC3E}">
+        <p14:creationId xmlns:p14="http://schemas.microsoft.com/office/powerpoint/2010/main" val="2926652588"/>
       </p:ext>
     </p:extLst>
   </p:cSld>
@@ -4028,4 +7058,324 @@
   </a:objectDefaults>
   <a:extraClrSchemeLst/>
 </a:theme>
+</file>
+
+<file path=ppt/theme/theme2.xml><?xml version="1.0" encoding="utf-8"?>
+<a:theme xmlns:a="http://schemas.openxmlformats.org/drawingml/2006/main" name="Office Theme">
+  <a:themeElements>
+    <a:clrScheme name="Office">
+      <a:dk1>
+        <a:sysClr val="windowText" lastClr="000000"/>
+      </a:dk1>
+      <a:lt1>
+        <a:sysClr val="window" lastClr="FFFFFF"/>
+      </a:lt1>
+      <a:dk2>
+        <a:srgbClr val="1F497D"/>
+      </a:dk2>
+      <a:lt2>
+        <a:srgbClr val="EEECE1"/>
+      </a:lt2>
+      <a:accent1>
+        <a:srgbClr val="4F81BD"/>
+      </a:accent1>
+      <a:accent2>
+        <a:srgbClr val="C0504D"/>
+      </a:accent2>
+      <a:accent3>
+        <a:srgbClr val="9BBB59"/>
+      </a:accent3>
+      <a:accent4>
+        <a:srgbClr val="8064A2"/>
+      </a:accent4>
+      <a:accent5>
+        <a:srgbClr val="4BACC6"/>
+      </a:accent5>
+      <a:accent6>
+        <a:srgbClr val="F79646"/>
+      </a:accent6>
+      <a:hlink>
+        <a:srgbClr val="0000FF"/>
+      </a:hlink>
+      <a:folHlink>
+        <a:srgbClr val="800080"/>
+      </a:folHlink>
+    </a:clrScheme>
+    <a:fontScheme name="Office">
+      <a:majorFont>
+        <a:latin typeface="Calibri"/>
+        <a:ea typeface=""/>
+        <a:cs typeface=""/>
+        <a:font script="Jpan" typeface="ＭＳ Ｐゴシック"/>
+        <a:font script="Hang" typeface="맑은 고딕"/>
+        <a:font script="Hans" typeface="宋体"/>
+        <a:font script="Hant" typeface="新細明體"/>
+        <a:font script="Arab" typeface="Times New Roman"/>
+        <a:font script="Hebr" typeface="Times New Roman"/>
+        <a:font script="Thai" typeface="Angsana New"/>
+        <a:font script="Ethi" typeface="Nyala"/>
+        <a:font script="Beng" typeface="Vrinda"/>
+        <a:font script="Gujr" typeface="Shruti"/>
+        <a:font script="Khmr" typeface="MoolBoran"/>
+        <a:font script="Knda" typeface="Tunga"/>
+        <a:font script="Guru" typeface="Raavi"/>
+        <a:font script="Cans" typeface="Euphemia"/>
+        <a:font script="Cher" typeface="Plantagenet Cherokee"/>
+        <a:font script="Yiii" typeface="Microsoft Yi Baiti"/>
+        <a:font script="Tibt" typeface="Microsoft Himalaya"/>
+        <a:font script="Thaa" typeface="MV Boli"/>
+        <a:font script="Deva" typeface="Mangal"/>
+        <a:font script="Telu" typeface="Gautami"/>
+        <a:font script="Taml" typeface="Latha"/>
+        <a:font script="Syrc" typeface="Estrangelo Edessa"/>
+        <a:font script="Orya" typeface="Kalinga"/>
+        <a:font script="Mlym" typeface="Kartika"/>
+        <a:font script="Laoo" typeface="DokChampa"/>
+        <a:font script="Sinh" typeface="Iskoola Pota"/>
+        <a:font script="Mong" typeface="Mongolian Baiti"/>
+        <a:font script="Viet" typeface="Times New Roman"/>
+        <a:font script="Uigh" typeface="Microsoft Uighur"/>
+        <a:font script="Geor" typeface="Sylfaen"/>
+      </a:majorFont>
+      <a:minorFont>
+        <a:latin typeface="Calibri"/>
+        <a:ea typeface=""/>
+        <a:cs typeface=""/>
+        <a:font script="Jpan" typeface="ＭＳ Ｐゴシック"/>
+        <a:font script="Hang" typeface="맑은 고딕"/>
+        <a:font script="Hans" typeface="宋体"/>
+        <a:font script="Hant" typeface="新細明體"/>
+        <a:font script="Arab" typeface="Arial"/>
+        <a:font script="Hebr" typeface="Arial"/>
+        <a:font script="Thai" typeface="Cordia New"/>
+        <a:font script="Ethi" typeface="Nyala"/>
+        <a:font script="Beng" typeface="Vrinda"/>
+        <a:font script="Gujr" typeface="Shruti"/>
+        <a:font script="Khmr" typeface="DaunPenh"/>
+        <a:font script="Knda" typeface="Tunga"/>
+        <a:font script="Guru" typeface="Raavi"/>
+        <a:font script="Cans" typeface="Euphemia"/>
+        <a:font script="Cher" typeface="Plantagenet Cherokee"/>
+        <a:font script="Yiii" typeface="Microsoft Yi Baiti"/>
+        <a:font script="Tibt" typeface="Microsoft Himalaya"/>
+        <a:font script="Thaa" typeface="MV Boli"/>
+        <a:font script="Deva" typeface="Mangal"/>
+        <a:font script="Telu" typeface="Gautami"/>
+        <a:font script="Taml" typeface="Latha"/>
+        <a:font script="Syrc" typeface="Estrangelo Edessa"/>
+        <a:font script="Orya" typeface="Kalinga"/>
+        <a:font script="Mlym" typeface="Kartika"/>
+        <a:font script="Laoo" typeface="DokChampa"/>
+        <a:font script="Sinh" typeface="Iskoola Pota"/>
+        <a:font script="Mong" typeface="Mongolian Baiti"/>
+        <a:font script="Viet" typeface="Arial"/>
+        <a:font script="Uigh" typeface="Microsoft Uighur"/>
+        <a:font script="Geor" typeface="Sylfaen"/>
+      </a:minorFont>
+    </a:fontScheme>
+    <a:fmtScheme name="Office">
+      <a:fillStyleLst>
+        <a:solidFill>
+          <a:schemeClr val="phClr"/>
+        </a:solidFill>
+        <a:gradFill rotWithShape="1">
+          <a:gsLst>
+            <a:gs pos="0">
+              <a:schemeClr val="phClr">
+                <a:tint val="50000"/>
+                <a:satMod val="300000"/>
+              </a:schemeClr>
+            </a:gs>
+            <a:gs pos="35000">
+              <a:schemeClr val="phClr">
+                <a:tint val="37000"/>
+                <a:satMod val="300000"/>
+              </a:schemeClr>
+            </a:gs>
+            <a:gs pos="100000">
+              <a:schemeClr val="phClr">
+                <a:tint val="15000"/>
+                <a:satMod val="350000"/>
+              </a:schemeClr>
+            </a:gs>
+          </a:gsLst>
+          <a:lin ang="16200000" scaled="1"/>
+        </a:gradFill>
+        <a:gradFill rotWithShape="1">
+          <a:gsLst>
+            <a:gs pos="0">
+              <a:schemeClr val="phClr">
+                <a:tint val="100000"/>
+                <a:shade val="100000"/>
+                <a:satMod val="130000"/>
+              </a:schemeClr>
+            </a:gs>
+            <a:gs pos="100000">
+              <a:schemeClr val="phClr">
+                <a:tint val="50000"/>
+                <a:shade val="100000"/>
+                <a:satMod val="350000"/>
+              </a:schemeClr>
+            </a:gs>
+          </a:gsLst>
+          <a:lin ang="16200000" scaled="0"/>
+        </a:gradFill>
+      </a:fillStyleLst>
+      <a:lnStyleLst>
+        <a:ln w="9525" cap="flat" cmpd="sng" algn="ctr">
+          <a:solidFill>
+            <a:schemeClr val="phClr">
+              <a:shade val="95000"/>
+              <a:satMod val="105000"/>
+            </a:schemeClr>
+          </a:solidFill>
+          <a:prstDash val="solid"/>
+        </a:ln>
+        <a:ln w="25400" cap="flat" cmpd="sng" algn="ctr">
+          <a:solidFill>
+            <a:schemeClr val="phClr"/>
+          </a:solidFill>
+          <a:prstDash val="solid"/>
+        </a:ln>
+        <a:ln w="38100" cap="flat" cmpd="sng" algn="ctr">
+          <a:solidFill>
+            <a:schemeClr val="phClr"/>
+          </a:solidFill>
+          <a:prstDash val="solid"/>
+        </a:ln>
+      </a:lnStyleLst>
+      <a:effectStyleLst>
+        <a:effectStyle>
+          <a:effectLst>
+            <a:outerShdw blurRad="40000" dist="20000" dir="5400000" rotWithShape="0">
+              <a:srgbClr val="000000">
+                <a:alpha val="38000"/>
+              </a:srgbClr>
+            </a:outerShdw>
+          </a:effectLst>
+        </a:effectStyle>
+        <a:effectStyle>
+          <a:effectLst>
+            <a:outerShdw blurRad="40000" dist="23000" dir="5400000" rotWithShape="0">
+              <a:srgbClr val="000000">
+                <a:alpha val="35000"/>
+              </a:srgbClr>
+            </a:outerShdw>
+          </a:effectLst>
+        </a:effectStyle>
+        <a:effectStyle>
+          <a:effectLst>
+            <a:outerShdw blurRad="40000" dist="23000" dir="5400000" rotWithShape="0">
+              <a:srgbClr val="000000">
+                <a:alpha val="35000"/>
+              </a:srgbClr>
+            </a:outerShdw>
+          </a:effectLst>
+          <a:scene3d>
+            <a:camera prst="orthographicFront">
+              <a:rot lat="0" lon="0" rev="0"/>
+            </a:camera>
+            <a:lightRig rig="threePt" dir="t">
+              <a:rot lat="0" lon="0" rev="1200000"/>
+            </a:lightRig>
+          </a:scene3d>
+          <a:sp3d>
+            <a:bevelT w="63500" h="25400"/>
+          </a:sp3d>
+        </a:effectStyle>
+      </a:effectStyleLst>
+      <a:bgFillStyleLst>
+        <a:solidFill>
+          <a:schemeClr val="phClr"/>
+        </a:solidFill>
+        <a:gradFill rotWithShape="1">
+          <a:gsLst>
+            <a:gs pos="0">
+              <a:schemeClr val="phClr">
+                <a:tint val="40000"/>
+                <a:satMod val="350000"/>
+              </a:schemeClr>
+            </a:gs>
+            <a:gs pos="40000">
+              <a:schemeClr val="phClr">
+                <a:tint val="45000"/>
+                <a:shade val="99000"/>
+                <a:satMod val="350000"/>
+              </a:schemeClr>
+            </a:gs>
+            <a:gs pos="100000">
+              <a:schemeClr val="phClr">
+                <a:shade val="20000"/>
+                <a:satMod val="255000"/>
+              </a:schemeClr>
+            </a:gs>
+          </a:gsLst>
+          <a:path path="circle">
+            <a:fillToRect l="50000" t="-80000" r="50000" b="180000"/>
+          </a:path>
+        </a:gradFill>
+        <a:gradFill rotWithShape="1">
+          <a:gsLst>
+            <a:gs pos="0">
+              <a:schemeClr val="phClr">
+                <a:tint val="80000"/>
+                <a:satMod val="300000"/>
+              </a:schemeClr>
+            </a:gs>
+            <a:gs pos="100000">
+              <a:schemeClr val="phClr">
+                <a:shade val="30000"/>
+                <a:satMod val="200000"/>
+              </a:schemeClr>
+            </a:gs>
+          </a:gsLst>
+          <a:path path="circle">
+            <a:fillToRect l="50000" t="50000" r="50000" b="50000"/>
+          </a:path>
+        </a:gradFill>
+      </a:bgFillStyleLst>
+    </a:fmtScheme>
+  </a:themeElements>
+  <a:objectDefaults>
+    <a:spDef>
+      <a:spPr/>
+      <a:bodyPr/>
+      <a:lstStyle/>
+      <a:style>
+        <a:lnRef idx="1">
+          <a:schemeClr val="accent1"/>
+        </a:lnRef>
+        <a:fillRef idx="3">
+          <a:schemeClr val="accent1"/>
+        </a:fillRef>
+        <a:effectRef idx="2">
+          <a:schemeClr val="accent1"/>
+        </a:effectRef>
+        <a:fontRef idx="minor">
+          <a:schemeClr val="lt1"/>
+        </a:fontRef>
+      </a:style>
+    </a:spDef>
+    <a:lnDef>
+      <a:spPr/>
+      <a:bodyPr/>
+      <a:lstStyle/>
+      <a:style>
+        <a:lnRef idx="2">
+          <a:schemeClr val="accent1"/>
+        </a:lnRef>
+        <a:fillRef idx="0">
+          <a:schemeClr val="accent1"/>
+        </a:fillRef>
+        <a:effectRef idx="1">
+          <a:schemeClr val="accent1"/>
+        </a:effectRef>
+        <a:fontRef idx="minor">
+          <a:schemeClr val="tx1"/>
+        </a:fontRef>
+      </a:style>
+    </a:lnDef>
+  </a:objectDefaults>
+  <a:extraClrSchemeLst/>
+</a:theme>
 </file>
--- a/documents/predPres.pptx
+++ b/documents/predPres.pptx
@@ -120,7 +120,7 @@
   </p:defaultTextStyle>
   <p:extLst>
     <p:ext uri="{EFAFB233-063F-42B5-8137-9DF3F51BA10A}">
-      <p15:sldGuideLst xmlns:p15="http://schemas.microsoft.com/office/powerpoint/2012/main" xmlns="">
+      <p15:sldGuideLst xmlns="" xmlns:p15="http://schemas.microsoft.com/office/powerpoint/2012/main">
         <p15:guide id="1" orient="horz" pos="2160">
           <p15:clr>
             <a:srgbClr val="A4A3A4"/>
@@ -219,7 +219,7 @@
           <a:p>
             <a:fld id="{EC457BD1-7C8B-6E43-BD70-1B4910981B79}" type="datetimeFigureOut">
               <a:rPr lang="en-US" smtClean="0"/>
-              <a:t>27/04/16</a:t>
+              <a:t>28/04/16</a:t>
             </a:fld>
             <a:endParaRPr lang="en-US"/>
           </a:p>
@@ -1369,7 +1369,7 @@
           <a:p>
             <a:fld id="{B58FBE55-019B-7F44-916F-F5D370B1C098}" type="datetimeFigureOut">
               <a:rPr lang="en-US" smtClean="0"/>
-              <a:t>27/04/16</a:t>
+              <a:t>28/04/16</a:t>
             </a:fld>
             <a:endParaRPr lang="en-US"/>
           </a:p>
@@ -1539,7 +1539,7 @@
           <a:p>
             <a:fld id="{B58FBE55-019B-7F44-916F-F5D370B1C098}" type="datetimeFigureOut">
               <a:rPr lang="en-US" smtClean="0"/>
-              <a:t>27/04/16</a:t>
+              <a:t>28/04/16</a:t>
             </a:fld>
             <a:endParaRPr lang="en-US"/>
           </a:p>
@@ -1719,7 +1719,7 @@
           <a:p>
             <a:fld id="{B58FBE55-019B-7F44-916F-F5D370B1C098}" type="datetimeFigureOut">
               <a:rPr lang="en-US" smtClean="0"/>
-              <a:t>27/04/16</a:t>
+              <a:t>28/04/16</a:t>
             </a:fld>
             <a:endParaRPr lang="en-US"/>
           </a:p>
@@ -1889,7 +1889,7 @@
           <a:p>
             <a:fld id="{B58FBE55-019B-7F44-916F-F5D370B1C098}" type="datetimeFigureOut">
               <a:rPr lang="en-US" smtClean="0"/>
-              <a:t>27/04/16</a:t>
+              <a:t>28/04/16</a:t>
             </a:fld>
             <a:endParaRPr lang="en-US"/>
           </a:p>
@@ -2135,7 +2135,7 @@
           <a:p>
             <a:fld id="{B58FBE55-019B-7F44-916F-F5D370B1C098}" type="datetimeFigureOut">
               <a:rPr lang="en-US" smtClean="0"/>
-              <a:t>27/04/16</a:t>
+              <a:t>28/04/16</a:t>
             </a:fld>
             <a:endParaRPr lang="en-US"/>
           </a:p>
@@ -2423,7 +2423,7 @@
           <a:p>
             <a:fld id="{B58FBE55-019B-7F44-916F-F5D370B1C098}" type="datetimeFigureOut">
               <a:rPr lang="en-US" smtClean="0"/>
-              <a:t>27/04/16</a:t>
+              <a:t>28/04/16</a:t>
             </a:fld>
             <a:endParaRPr lang="en-US"/>
           </a:p>
@@ -2845,7 +2845,7 @@
           <a:p>
             <a:fld id="{B58FBE55-019B-7F44-916F-F5D370B1C098}" type="datetimeFigureOut">
               <a:rPr lang="en-US" smtClean="0"/>
-              <a:t>27/04/16</a:t>
+              <a:t>28/04/16</a:t>
             </a:fld>
             <a:endParaRPr lang="en-US"/>
           </a:p>
@@ -2963,7 +2963,7 @@
           <a:p>
             <a:fld id="{B58FBE55-019B-7F44-916F-F5D370B1C098}" type="datetimeFigureOut">
               <a:rPr lang="en-US" smtClean="0"/>
-              <a:t>27/04/16</a:t>
+              <a:t>28/04/16</a:t>
             </a:fld>
             <a:endParaRPr lang="en-US"/>
           </a:p>
@@ -3058,7 +3058,7 @@
           <a:p>
             <a:fld id="{B58FBE55-019B-7F44-916F-F5D370B1C098}" type="datetimeFigureOut">
               <a:rPr lang="en-US" smtClean="0"/>
-              <a:t>27/04/16</a:t>
+              <a:t>28/04/16</a:t>
             </a:fld>
             <a:endParaRPr lang="en-US"/>
           </a:p>
@@ -3335,7 +3335,7 @@
           <a:p>
             <a:fld id="{B58FBE55-019B-7F44-916F-F5D370B1C098}" type="datetimeFigureOut">
               <a:rPr lang="en-US" smtClean="0"/>
-              <a:t>27/04/16</a:t>
+              <a:t>28/04/16</a:t>
             </a:fld>
             <a:endParaRPr lang="en-US"/>
           </a:p>
@@ -3588,7 +3588,7 @@
           <a:p>
             <a:fld id="{B58FBE55-019B-7F44-916F-F5D370B1C098}" type="datetimeFigureOut">
               <a:rPr lang="en-US" smtClean="0"/>
-              <a:t>27/04/16</a:t>
+              <a:t>28/04/16</a:t>
             </a:fld>
             <a:endParaRPr lang="en-US"/>
           </a:p>
@@ -3801,7 +3801,7 @@
           <a:p>
             <a:fld id="{B58FBE55-019B-7F44-916F-F5D370B1C098}" type="datetimeFigureOut">
               <a:rPr lang="en-US" smtClean="0"/>
-              <a:t>27/04/16</a:t>
+              <a:t>28/04/16</a:t>
             </a:fld>
             <a:endParaRPr lang="en-US"/>
           </a:p>
@@ -5216,8 +5216,38 @@
         </p:blipFill>
         <p:spPr>
           <a:xfrm>
-            <a:off x="3212203" y="2300669"/>
+            <a:off x="2611839" y="1654124"/>
             <a:ext cx="3750709" cy="906341"/>
+          </a:xfrm>
+          <a:prstGeom prst="rect">
+            <a:avLst/>
+          </a:prstGeom>
+        </p:spPr>
+      </p:pic>
+      <p:pic>
+        <p:nvPicPr>
+          <p:cNvPr id="5" name="Picture 4" descr="Screen Shot 2016-04-28 at 10.39.01.png"/>
+          <p:cNvPicPr>
+            <a:picLocks noChangeAspect="1"/>
+          </p:cNvPicPr>
+          <p:nvPr/>
+        </p:nvPicPr>
+        <p:blipFill>
+          <a:blip r:embed="rId3">
+            <a:extLst>
+              <a:ext uri="{28A0092B-C50C-407E-A947-70E740481C1C}">
+                <a14:useLocalDpi xmlns:a14="http://schemas.microsoft.com/office/drawing/2010/main" val="0"/>
+              </a:ext>
+            </a:extLst>
+          </a:blip>
+          <a:stretch>
+            <a:fillRect/>
+          </a:stretch>
+        </p:blipFill>
+        <p:spPr>
+          <a:xfrm>
+            <a:off x="935182" y="3437919"/>
+            <a:ext cx="7285182" cy="3296944"/>
           </a:xfrm>
           <a:prstGeom prst="rect">
             <a:avLst/>
